--- a/spring13/slides13/halting-problem.pptx
+++ b/spring13/slides13/halting-problem.pptx
@@ -6,10 +6,10 @@
     <p:sldMasterId id="2147483664" r:id="rId2"/>
   </p:sldMasterIdLst>
   <p:notesMasterIdLst>
-    <p:notesMasterId r:id="rId8"/>
+    <p:notesMasterId r:id="rId14"/>
   </p:notesMasterIdLst>
   <p:handoutMasterIdLst>
-    <p:handoutMasterId r:id="rId9"/>
+    <p:handoutMasterId r:id="rId15"/>
   </p:handoutMasterIdLst>
   <p:sldIdLst>
     <p:sldId id="257" r:id="rId3"/>
@@ -17,11 +17,17 @@
     <p:sldId id="363" r:id="rId5"/>
     <p:sldId id="364" r:id="rId6"/>
     <p:sldId id="380" r:id="rId7"/>
+    <p:sldId id="381" r:id="rId8"/>
+    <p:sldId id="382" r:id="rId9"/>
+    <p:sldId id="383" r:id="rId10"/>
+    <p:sldId id="384" r:id="rId11"/>
+    <p:sldId id="385" r:id="rId12"/>
+    <p:sldId id="386" r:id="rId13"/>
   </p:sldIdLst>
   <p:sldSz cx="9144000" cy="6858000" type="screen4x3"/>
   <p:notesSz cx="9601200" cy="7315200"/>
   <p:custDataLst>
-    <p:tags r:id="rId11"/>
+    <p:tags r:id="rId17"/>
   </p:custDataLst>
   <p:defaultTextStyle>
     <a:defPPr>
@@ -2869,23 +2875,7 @@
                 <a:latin typeface="Comic Sans MS" pitchFamily="66" charset="0"/>
                 <a:cs typeface="Comic Sans MS"/>
               </a:rPr>
-              <a:t>Albert R Meyer,      March </a:t>
-            </a:r>
-            <a:r>
-              <a:rPr kumimoji="0" lang="en-US" sz="1200" b="0" i="0" u="none" strike="noStrike" kern="1200" cap="none" spc="0" normalizeH="0" baseline="0" noProof="0" dirty="0" smtClean="0">
-                <a:ln>
-                  <a:noFill/>
-                </a:ln>
-                <a:solidFill>
-                  <a:schemeClr val="tx1"/>
-                </a:solidFill>
-                <a:effectLst/>
-                <a:uLnTx/>
-                <a:uFillTx/>
-                <a:latin typeface="Comic Sans MS" pitchFamily="66" charset="0"/>
-                <a:cs typeface="Comic Sans MS"/>
-              </a:rPr>
-              <a:t>4, 2013</a:t>
+              <a:t>Albert R Meyer,      March 4, 2013</a:t>
             </a:r>
             <a:endParaRPr kumimoji="0" lang="en-US" sz="1200" b="0" i="0" u="none" strike="noStrike" kern="1200" cap="none" spc="0" normalizeH="0" baseline="0" noProof="0" dirty="0">
               <a:ln>
@@ -3575,17 +3565,7 @@
                 <a:latin typeface="Comic Sans MS" pitchFamily="66" charset="0"/>
                 <a:cs typeface="Arial"/>
               </a:rPr>
-              <a:t>Albert R Meyer,        </a:t>
-            </a:r>
-            <a:r>
-              <a:rPr lang="en-US" sz="1200" dirty="0" smtClean="0">
-                <a:solidFill>
-                  <a:srgbClr val="000000"/>
-                </a:solidFill>
-                <a:latin typeface="Comic Sans MS" pitchFamily="66" charset="0"/>
-                <a:cs typeface="Arial"/>
-              </a:rPr>
-              <a:t>March 4, 2013</a:t>
+              <a:t>Albert R Meyer,        March 4, 2013</a:t>
             </a:r>
             <a:endParaRPr lang="en-US" sz="1200" dirty="0">
               <a:solidFill>
@@ -4243,6 +4223,1136 @@
 </p:sld>
 </file>
 
+<file path=ppt/slides/slide10.xml><?xml version="1.0" encoding="utf-8"?>
+<p:sld xmlns:a="http://schemas.openxmlformats.org/drawingml/2006/main" xmlns:r="http://schemas.openxmlformats.org/officeDocument/2006/relationships" xmlns:p="http://schemas.openxmlformats.org/presentationml/2006/main">
+  <p:cSld>
+    <p:spTree>
+      <p:nvGrpSpPr>
+        <p:cNvPr id="1" name=""/>
+        <p:cNvGrpSpPr/>
+        <p:nvPr/>
+      </p:nvGrpSpPr>
+      <p:grpSpPr>
+        <a:xfrm>
+          <a:off x="0" y="0"/>
+          <a:ext cx="0" cy="0"/>
+          <a:chOff x="0" y="0"/>
+          <a:chExt cx="0" cy="0"/>
+        </a:xfrm>
+      </p:grpSpPr>
+      <p:sp>
+        <p:nvSpPr>
+          <p:cNvPr id="2" name="Title 1"/>
+          <p:cNvSpPr>
+            <a:spLocks noGrp="1"/>
+          </p:cNvSpPr>
+          <p:nvPr>
+            <p:ph type="title"/>
+          </p:nvPr>
+        </p:nvSpPr>
+        <p:spPr>
+          <a:xfrm>
+            <a:off x="1660549" y="363538"/>
+            <a:ext cx="6794500" cy="1003300"/>
+          </a:xfrm>
+        </p:spPr>
+        <p:txBody>
+          <a:bodyPr/>
+          <a:lstStyle/>
+          <a:p>
+            <a:r>
+              <a:rPr lang="en-US" dirty="0" smtClean="0"/>
+              <a:t>The Halting Problem</a:t>
+            </a:r>
+            <a:endParaRPr lang="en-US" dirty="0"/>
+          </a:p>
+        </p:txBody>
+      </p:sp>
+      <p:sp>
+        <p:nvSpPr>
+          <p:cNvPr id="3" name="Content Placeholder 2"/>
+          <p:cNvSpPr>
+            <a:spLocks noGrp="1"/>
+          </p:cNvSpPr>
+          <p:nvPr>
+            <p:ph idx="1"/>
+          </p:nvPr>
+        </p:nvSpPr>
+        <p:spPr>
+          <a:xfrm>
+            <a:off x="439025" y="1390139"/>
+            <a:ext cx="8431646" cy="5054901"/>
+          </a:xfrm>
+        </p:spPr>
+        <p:txBody>
+          <a:bodyPr/>
+          <a:lstStyle/>
+          <a:p>
+            <a:r>
+              <a:rPr lang="en-US" sz="3600" dirty="0"/>
+              <a:t>Let </a:t>
+            </a:r>
+            <a:r>
+              <a:rPr lang="en-US" sz="3600" dirty="0">
+                <a:solidFill>
+                  <a:srgbClr val="0000FF"/>
+                </a:solidFill>
+              </a:rPr>
+              <a:t>t</a:t>
+            </a:r>
+            <a:r>
+              <a:rPr lang="en-US" sz="3600" dirty="0"/>
+              <a:t> be the text </a:t>
+            </a:r>
+            <a:r>
+              <a:rPr lang="en-US" sz="3600" dirty="0" smtClean="0"/>
+              <a:t>for </a:t>
+            </a:r>
+            <a:r>
+              <a:rPr lang="en-US" sz="3600" dirty="0" smtClean="0">
+                <a:solidFill>
+                  <a:srgbClr val="9933FF"/>
+                </a:solidFill>
+              </a:rPr>
+              <a:t>Q’</a:t>
+            </a:r>
+            <a:endParaRPr lang="en-US" sz="3600" dirty="0">
+              <a:solidFill>
+                <a:srgbClr val="9933FF"/>
+              </a:solidFill>
+            </a:endParaRPr>
+          </a:p>
+          <a:p>
+            <a:r>
+              <a:rPr lang="en-US" sz="3600" dirty="0"/>
+              <a:t>So by </a:t>
+            </a:r>
+            <a:r>
+              <a:rPr lang="en-US" sz="3600" dirty="0" err="1" smtClean="0"/>
+              <a:t>def</a:t>
+            </a:r>
+            <a:r>
+              <a:rPr lang="en-US" sz="3600" dirty="0" smtClean="0"/>
+              <a:t> </a:t>
+            </a:r>
+            <a:r>
+              <a:rPr lang="en-US" sz="3600" dirty="0"/>
+              <a:t>of </a:t>
+            </a:r>
+            <a:r>
+              <a:rPr lang="en-US" sz="3600" dirty="0">
+                <a:solidFill>
+                  <a:srgbClr val="F50802"/>
+                </a:solidFill>
+              </a:rPr>
+              <a:t>HALTS</a:t>
+            </a:r>
+            <a:r>
+              <a:rPr lang="en-US" sz="3600" dirty="0"/>
+              <a:t>:</a:t>
+            </a:r>
+          </a:p>
+          <a:p>
+            <a:r>
+              <a:rPr lang="en-US" sz="3600" dirty="0"/>
+              <a:t>  </a:t>
+            </a:r>
+            <a:r>
+              <a:rPr lang="en-US" sz="3600" dirty="0" smtClean="0">
+                <a:solidFill>
+                  <a:srgbClr val="0000FF"/>
+                </a:solidFill>
+              </a:rPr>
+              <a:t>t</a:t>
+            </a:r>
+            <a:r>
+              <a:rPr lang="en-US" sz="3600" dirty="0" smtClean="0"/>
+              <a:t> </a:t>
+            </a:r>
+            <a:r>
+              <a:rPr lang="en-US" sz="3600" dirty="0">
+                <a:solidFill>
+                  <a:srgbClr val="F50802"/>
+                </a:solidFill>
+              </a:rPr>
+              <a:t>HALTS</a:t>
+            </a:r>
+            <a:r>
+              <a:rPr lang="en-US" sz="3600" dirty="0"/>
+              <a:t> </a:t>
+            </a:r>
+            <a:r>
+              <a:rPr lang="en-US" sz="3600" dirty="0" err="1"/>
+              <a:t>iff</a:t>
+            </a:r>
+            <a:r>
+              <a:rPr lang="en-US" sz="3600" dirty="0"/>
+              <a:t> </a:t>
+            </a:r>
+            <a:r>
+              <a:rPr lang="en-US" sz="3600" dirty="0">
+                <a:solidFill>
+                  <a:srgbClr val="9933FF"/>
+                </a:solidFill>
+              </a:rPr>
+              <a:t>Q'</a:t>
+            </a:r>
+            <a:r>
+              <a:rPr lang="en-US" sz="3600" dirty="0"/>
+              <a:t>(</a:t>
+            </a:r>
+            <a:r>
+              <a:rPr lang="en-US" sz="3600" dirty="0">
+                <a:solidFill>
+                  <a:srgbClr val="0000FF"/>
+                </a:solidFill>
+              </a:rPr>
+              <a:t>t</a:t>
+            </a:r>
+            <a:r>
+              <a:rPr lang="en-US" sz="3600" dirty="0"/>
+              <a:t>) returns something</a:t>
+            </a:r>
+          </a:p>
+          <a:p>
+            <a:r>
+              <a:rPr lang="en-US" sz="3600" dirty="0"/>
+              <a:t>and by </a:t>
+            </a:r>
+            <a:r>
+              <a:rPr lang="en-US" sz="3600" dirty="0" err="1"/>
+              <a:t>def</a:t>
+            </a:r>
+            <a:r>
+              <a:rPr lang="en-US" sz="3600" dirty="0"/>
+              <a:t> of </a:t>
+            </a:r>
+            <a:r>
+              <a:rPr lang="en-US" sz="3600" dirty="0">
+                <a:solidFill>
+                  <a:srgbClr val="9933FF"/>
+                </a:solidFill>
+              </a:rPr>
+              <a:t>Q'</a:t>
+            </a:r>
+          </a:p>
+          <a:p>
+            <a:r>
+              <a:rPr lang="en-US" sz="3600" dirty="0"/>
+              <a:t>  </a:t>
+            </a:r>
+            <a:r>
+              <a:rPr lang="en-US" sz="3600" dirty="0" smtClean="0">
+                <a:solidFill>
+                  <a:srgbClr val="9933FF"/>
+                </a:solidFill>
+              </a:rPr>
+              <a:t>Q</a:t>
+            </a:r>
+            <a:r>
+              <a:rPr lang="en-US" sz="3600" dirty="0">
+                <a:solidFill>
+                  <a:srgbClr val="9933FF"/>
+                </a:solidFill>
+              </a:rPr>
+              <a:t>'</a:t>
+            </a:r>
+            <a:r>
+              <a:rPr lang="en-US" sz="3600" dirty="0"/>
+              <a:t>(</a:t>
+            </a:r>
+            <a:r>
+              <a:rPr lang="en-US" sz="3600" dirty="0">
+                <a:solidFill>
+                  <a:srgbClr val="0000FF"/>
+                </a:solidFill>
+              </a:rPr>
+              <a:t>t</a:t>
+            </a:r>
+            <a:r>
+              <a:rPr lang="en-US" sz="3600" dirty="0"/>
+              <a:t>) returns something </a:t>
+            </a:r>
+            <a:r>
+              <a:rPr lang="en-US" sz="3600" dirty="0" err="1"/>
+              <a:t>iff</a:t>
+            </a:r>
+            <a:r>
+              <a:rPr lang="en-US" sz="3600" dirty="0"/>
+              <a:t> </a:t>
+            </a:r>
+            <a:r>
+              <a:rPr lang="en-US" sz="3600" dirty="0">
+                <a:solidFill>
+                  <a:srgbClr val="0000FF"/>
+                </a:solidFill>
+              </a:rPr>
+              <a:t>t</a:t>
+            </a:r>
+            <a:r>
+              <a:rPr lang="en-US" sz="3600" dirty="0"/>
+              <a:t> does </a:t>
+            </a:r>
+            <a:r>
+              <a:rPr lang="en-US" sz="3600" dirty="0">
+                <a:solidFill>
+                  <a:srgbClr val="F50802"/>
+                </a:solidFill>
+              </a:rPr>
+              <a:t>not</a:t>
+            </a:r>
+            <a:r>
+              <a:rPr lang="en-US" sz="3600" dirty="0"/>
+              <a:t> </a:t>
+            </a:r>
+            <a:r>
+              <a:rPr lang="en-US" sz="3600" dirty="0">
+                <a:solidFill>
+                  <a:srgbClr val="F50802"/>
+                </a:solidFill>
+              </a:rPr>
+              <a:t>HALT</a:t>
+            </a:r>
+            <a:r>
+              <a:rPr lang="en-US" sz="3600" dirty="0"/>
+              <a:t>.</a:t>
+            </a:r>
+          </a:p>
+        </p:txBody>
+      </p:sp>
+    </p:spTree>
+    <p:extLst>
+      <p:ext uri="{BB962C8B-B14F-4D97-AF65-F5344CB8AC3E}">
+        <p14:creationId xmlns:p14="http://schemas.microsoft.com/office/powerpoint/2010/main" val="1256317703"/>
+      </p:ext>
+    </p:extLst>
+  </p:cSld>
+  <p:clrMapOvr>
+    <a:masterClrMapping/>
+  </p:clrMapOvr>
+  <p:transition xmlns:p14="http://schemas.microsoft.com/office/powerpoint/2010/main" spd="slow">
+    <p:fade/>
+  </p:transition>
+  <p:timing>
+    <p:tnLst>
+      <p:par>
+        <p:cTn xmlns:p14="http://schemas.microsoft.com/office/powerpoint/2010/main" id="1" dur="indefinite" restart="never" nodeType="tmRoot">
+          <p:childTnLst>
+            <p:seq concurrent="1" nextAc="seek">
+              <p:cTn id="2" dur="indefinite" nodeType="mainSeq">
+                <p:childTnLst>
+                  <p:par>
+                    <p:cTn id="3" fill="hold">
+                      <p:stCondLst>
+                        <p:cond delay="indefinite"/>
+                      </p:stCondLst>
+                      <p:childTnLst>
+                        <p:par>
+                          <p:cTn id="4" fill="hold">
+                            <p:stCondLst>
+                              <p:cond delay="0"/>
+                            </p:stCondLst>
+                            <p:childTnLst>
+                              <p:par>
+                                <p:cTn id="5" presetID="9" presetClass="entr" presetSubtype="0" fill="hold" nodeType="clickEffect">
+                                  <p:stCondLst>
+                                    <p:cond delay="0"/>
+                                  </p:stCondLst>
+                                  <p:childTnLst>
+                                    <p:set>
+                                      <p:cBhvr>
+                                        <p:cTn id="6" dur="1" fill="hold">
+                                          <p:stCondLst>
+                                            <p:cond delay="0"/>
+                                          </p:stCondLst>
+                                        </p:cTn>
+                                        <p:tgtEl>
+                                          <p:spTgt spid="3">
+                                            <p:txEl>
+                                              <p:pRg st="1" end="1"/>
+                                            </p:txEl>
+                                          </p:spTgt>
+                                        </p:tgtEl>
+                                        <p:attrNameLst>
+                                          <p:attrName>style.visibility</p:attrName>
+                                        </p:attrNameLst>
+                                      </p:cBhvr>
+                                      <p:to>
+                                        <p:strVal val="visible"/>
+                                      </p:to>
+                                    </p:set>
+                                    <p:animEffect transition="in" filter="dissolve">
+                                      <p:cBhvr>
+                                        <p:cTn id="7" dur="500"/>
+                                        <p:tgtEl>
+                                          <p:spTgt spid="3">
+                                            <p:txEl>
+                                              <p:pRg st="1" end="1"/>
+                                            </p:txEl>
+                                          </p:spTgt>
+                                        </p:tgtEl>
+                                      </p:cBhvr>
+                                    </p:animEffect>
+                                  </p:childTnLst>
+                                </p:cTn>
+                              </p:par>
+                            </p:childTnLst>
+                          </p:cTn>
+                        </p:par>
+                      </p:childTnLst>
+                    </p:cTn>
+                  </p:par>
+                  <p:par>
+                    <p:cTn id="8" fill="hold">
+                      <p:stCondLst>
+                        <p:cond delay="indefinite"/>
+                      </p:stCondLst>
+                      <p:childTnLst>
+                        <p:par>
+                          <p:cTn id="9" fill="hold">
+                            <p:stCondLst>
+                              <p:cond delay="0"/>
+                            </p:stCondLst>
+                            <p:childTnLst>
+                              <p:par>
+                                <p:cTn id="10" presetID="9" presetClass="entr" presetSubtype="0" fill="hold" nodeType="clickEffect">
+                                  <p:stCondLst>
+                                    <p:cond delay="0"/>
+                                  </p:stCondLst>
+                                  <p:childTnLst>
+                                    <p:set>
+                                      <p:cBhvr>
+                                        <p:cTn id="11" dur="1" fill="hold">
+                                          <p:stCondLst>
+                                            <p:cond delay="0"/>
+                                          </p:stCondLst>
+                                        </p:cTn>
+                                        <p:tgtEl>
+                                          <p:spTgt spid="3">
+                                            <p:txEl>
+                                              <p:pRg st="2" end="2"/>
+                                            </p:txEl>
+                                          </p:spTgt>
+                                        </p:tgtEl>
+                                        <p:attrNameLst>
+                                          <p:attrName>style.visibility</p:attrName>
+                                        </p:attrNameLst>
+                                      </p:cBhvr>
+                                      <p:to>
+                                        <p:strVal val="visible"/>
+                                      </p:to>
+                                    </p:set>
+                                    <p:animEffect transition="in" filter="dissolve">
+                                      <p:cBhvr>
+                                        <p:cTn id="12" dur="500"/>
+                                        <p:tgtEl>
+                                          <p:spTgt spid="3">
+                                            <p:txEl>
+                                              <p:pRg st="2" end="2"/>
+                                            </p:txEl>
+                                          </p:spTgt>
+                                        </p:tgtEl>
+                                      </p:cBhvr>
+                                    </p:animEffect>
+                                  </p:childTnLst>
+                                </p:cTn>
+                              </p:par>
+                            </p:childTnLst>
+                          </p:cTn>
+                        </p:par>
+                      </p:childTnLst>
+                    </p:cTn>
+                  </p:par>
+                  <p:par>
+                    <p:cTn id="13" fill="hold">
+                      <p:stCondLst>
+                        <p:cond delay="indefinite"/>
+                      </p:stCondLst>
+                      <p:childTnLst>
+                        <p:par>
+                          <p:cTn id="14" fill="hold">
+                            <p:stCondLst>
+                              <p:cond delay="0"/>
+                            </p:stCondLst>
+                            <p:childTnLst>
+                              <p:par>
+                                <p:cTn id="15" presetID="9" presetClass="entr" presetSubtype="0" fill="hold" nodeType="clickEffect">
+                                  <p:stCondLst>
+                                    <p:cond delay="0"/>
+                                  </p:stCondLst>
+                                  <p:childTnLst>
+                                    <p:set>
+                                      <p:cBhvr>
+                                        <p:cTn id="16" dur="1" fill="hold">
+                                          <p:stCondLst>
+                                            <p:cond delay="0"/>
+                                          </p:stCondLst>
+                                        </p:cTn>
+                                        <p:tgtEl>
+                                          <p:spTgt spid="3">
+                                            <p:txEl>
+                                              <p:pRg st="3" end="3"/>
+                                            </p:txEl>
+                                          </p:spTgt>
+                                        </p:tgtEl>
+                                        <p:attrNameLst>
+                                          <p:attrName>style.visibility</p:attrName>
+                                        </p:attrNameLst>
+                                      </p:cBhvr>
+                                      <p:to>
+                                        <p:strVal val="visible"/>
+                                      </p:to>
+                                    </p:set>
+                                    <p:animEffect transition="in" filter="dissolve">
+                                      <p:cBhvr>
+                                        <p:cTn id="17" dur="500"/>
+                                        <p:tgtEl>
+                                          <p:spTgt spid="3">
+                                            <p:txEl>
+                                              <p:pRg st="3" end="3"/>
+                                            </p:txEl>
+                                          </p:spTgt>
+                                        </p:tgtEl>
+                                      </p:cBhvr>
+                                    </p:animEffect>
+                                  </p:childTnLst>
+                                </p:cTn>
+                              </p:par>
+                            </p:childTnLst>
+                          </p:cTn>
+                        </p:par>
+                      </p:childTnLst>
+                    </p:cTn>
+                  </p:par>
+                  <p:par>
+                    <p:cTn id="18" fill="hold">
+                      <p:stCondLst>
+                        <p:cond delay="indefinite"/>
+                      </p:stCondLst>
+                      <p:childTnLst>
+                        <p:par>
+                          <p:cTn id="19" fill="hold">
+                            <p:stCondLst>
+                              <p:cond delay="0"/>
+                            </p:stCondLst>
+                            <p:childTnLst>
+                              <p:par>
+                                <p:cTn id="20" presetID="9" presetClass="entr" presetSubtype="0" fill="hold" nodeType="clickEffect">
+                                  <p:stCondLst>
+                                    <p:cond delay="0"/>
+                                  </p:stCondLst>
+                                  <p:childTnLst>
+                                    <p:set>
+                                      <p:cBhvr>
+                                        <p:cTn id="21" dur="1" fill="hold">
+                                          <p:stCondLst>
+                                            <p:cond delay="0"/>
+                                          </p:stCondLst>
+                                        </p:cTn>
+                                        <p:tgtEl>
+                                          <p:spTgt spid="3">
+                                            <p:txEl>
+                                              <p:pRg st="4" end="4"/>
+                                            </p:txEl>
+                                          </p:spTgt>
+                                        </p:tgtEl>
+                                        <p:attrNameLst>
+                                          <p:attrName>style.visibility</p:attrName>
+                                        </p:attrNameLst>
+                                      </p:cBhvr>
+                                      <p:to>
+                                        <p:strVal val="visible"/>
+                                      </p:to>
+                                    </p:set>
+                                    <p:animEffect transition="in" filter="dissolve">
+                                      <p:cBhvr>
+                                        <p:cTn id="22" dur="500"/>
+                                        <p:tgtEl>
+                                          <p:spTgt spid="3">
+                                            <p:txEl>
+                                              <p:pRg st="4" end="4"/>
+                                            </p:txEl>
+                                          </p:spTgt>
+                                        </p:tgtEl>
+                                      </p:cBhvr>
+                                    </p:animEffect>
+                                  </p:childTnLst>
+                                </p:cTn>
+                              </p:par>
+                            </p:childTnLst>
+                          </p:cTn>
+                        </p:par>
+                      </p:childTnLst>
+                    </p:cTn>
+                  </p:par>
+                </p:childTnLst>
+              </p:cTn>
+              <p:prevCondLst>
+                <p:cond evt="onPrev" delay="0">
+                  <p:tgtEl>
+                    <p:sldTgt/>
+                  </p:tgtEl>
+                </p:cond>
+              </p:prevCondLst>
+              <p:nextCondLst>
+                <p:cond evt="onNext" delay="0">
+                  <p:tgtEl>
+                    <p:sldTgt/>
+                  </p:tgtEl>
+                </p:cond>
+              </p:nextCondLst>
+            </p:seq>
+          </p:childTnLst>
+        </p:cTn>
+      </p:par>
+    </p:tnLst>
+  </p:timing>
+</p:sld>
+</file>
+
+<file path=ppt/slides/slide11.xml><?xml version="1.0" encoding="utf-8"?>
+<p:sld xmlns:a="http://schemas.openxmlformats.org/drawingml/2006/main" xmlns:r="http://schemas.openxmlformats.org/officeDocument/2006/relationships" xmlns:p="http://schemas.openxmlformats.org/presentationml/2006/main">
+  <p:cSld>
+    <p:spTree>
+      <p:nvGrpSpPr>
+        <p:cNvPr id="1" name=""/>
+        <p:cNvGrpSpPr/>
+        <p:nvPr/>
+      </p:nvGrpSpPr>
+      <p:grpSpPr>
+        <a:xfrm>
+          <a:off x="0" y="0"/>
+          <a:ext cx="0" cy="0"/>
+          <a:chOff x="0" y="0"/>
+          <a:chExt cx="0" cy="0"/>
+        </a:xfrm>
+      </p:grpSpPr>
+      <p:sp>
+        <p:nvSpPr>
+          <p:cNvPr id="2" name="Title 1"/>
+          <p:cNvSpPr>
+            <a:spLocks noGrp="1"/>
+          </p:cNvSpPr>
+          <p:nvPr>
+            <p:ph type="title"/>
+          </p:nvPr>
+        </p:nvSpPr>
+        <p:spPr>
+          <a:xfrm>
+            <a:off x="1660549" y="363538"/>
+            <a:ext cx="6794500" cy="1003300"/>
+          </a:xfrm>
+        </p:spPr>
+        <p:txBody>
+          <a:bodyPr/>
+          <a:lstStyle/>
+          <a:p>
+            <a:r>
+              <a:rPr lang="en-US" dirty="0" smtClean="0"/>
+              <a:t>The Halting Problem</a:t>
+            </a:r>
+            <a:endParaRPr lang="en-US" dirty="0"/>
+          </a:p>
+        </p:txBody>
+      </p:sp>
+      <p:sp>
+        <p:nvSpPr>
+          <p:cNvPr id="3" name="Content Placeholder 2"/>
+          <p:cNvSpPr>
+            <a:spLocks noGrp="1"/>
+          </p:cNvSpPr>
+          <p:nvPr>
+            <p:ph idx="1"/>
+          </p:nvPr>
+        </p:nvSpPr>
+        <p:spPr>
+          <a:xfrm>
+            <a:off x="439025" y="1390139"/>
+            <a:ext cx="8431646" cy="5054901"/>
+          </a:xfrm>
+        </p:spPr>
+        <p:txBody>
+          <a:bodyPr/>
+          <a:lstStyle/>
+          <a:p>
+            <a:r>
+              <a:rPr lang="en-US" sz="3600" dirty="0"/>
+              <a:t>CONTRADICTION: </a:t>
+            </a:r>
+            <a:endParaRPr lang="en-US" sz="3600" dirty="0" smtClean="0"/>
+          </a:p>
+          <a:p>
+            <a:r>
+              <a:rPr lang="en-US" sz="4400" dirty="0" smtClean="0">
+                <a:solidFill>
+                  <a:srgbClr val="0000FF"/>
+                </a:solidFill>
+              </a:rPr>
+              <a:t>t </a:t>
+            </a:r>
+            <a:r>
+              <a:rPr lang="en-US" sz="4400" dirty="0">
+                <a:solidFill>
+                  <a:srgbClr val="F50802"/>
+                </a:solidFill>
+              </a:rPr>
+              <a:t>HALTS</a:t>
+            </a:r>
+            <a:r>
+              <a:rPr lang="en-US" sz="4400" dirty="0"/>
+              <a:t> </a:t>
+            </a:r>
+            <a:r>
+              <a:rPr lang="en-US" sz="4400" dirty="0" err="1"/>
+              <a:t>iff</a:t>
+            </a:r>
+            <a:r>
+              <a:rPr lang="en-US" sz="4400" dirty="0"/>
+              <a:t> </a:t>
+            </a:r>
+            <a:r>
+              <a:rPr lang="en-US" sz="4400" dirty="0">
+                <a:solidFill>
+                  <a:srgbClr val="0000FF"/>
+                </a:solidFill>
+              </a:rPr>
+              <a:t>t </a:t>
+            </a:r>
+            <a:r>
+              <a:rPr lang="en-US" sz="4400" dirty="0"/>
+              <a:t>does </a:t>
+            </a:r>
+            <a:r>
+              <a:rPr lang="en-US" sz="4400" dirty="0">
+                <a:solidFill>
+                  <a:srgbClr val="F50802"/>
+                </a:solidFill>
+              </a:rPr>
+              <a:t>not </a:t>
+            </a:r>
+            <a:r>
+              <a:rPr lang="en-US" sz="4400" dirty="0" smtClean="0">
+                <a:solidFill>
+                  <a:srgbClr val="F50802"/>
+                </a:solidFill>
+              </a:rPr>
+              <a:t>HALT</a:t>
+            </a:r>
+          </a:p>
+          <a:p>
+            <a:r>
+              <a:rPr lang="en-US" sz="4400" dirty="0" smtClean="0"/>
+              <a:t>There </a:t>
+            </a:r>
+            <a:r>
+              <a:rPr lang="en-US" sz="4400" dirty="0"/>
+              <a:t>can't be such a </a:t>
+            </a:r>
+            <a:r>
+              <a:rPr lang="en-US" sz="4400" dirty="0">
+                <a:solidFill>
+                  <a:srgbClr val="9933FF"/>
+                </a:solidFill>
+              </a:rPr>
+              <a:t>Q</a:t>
+            </a:r>
+            <a:r>
+              <a:rPr lang="en-US" sz="4400" dirty="0"/>
+              <a:t>:</a:t>
+            </a:r>
+          </a:p>
+          <a:p>
+            <a:r>
+              <a:rPr lang="en-US" sz="4400" dirty="0" smtClean="0">
+                <a:solidFill>
+                  <a:srgbClr val="008000"/>
+                </a:solidFill>
+              </a:rPr>
+              <a:t>  it </a:t>
+            </a:r>
+            <a:r>
+              <a:rPr lang="en-US" sz="4400" dirty="0">
+                <a:solidFill>
+                  <a:srgbClr val="008000"/>
+                </a:solidFill>
+              </a:rPr>
+              <a:t>is impossible to write a </a:t>
+            </a:r>
+            <a:endParaRPr lang="en-US" sz="4400" dirty="0" smtClean="0">
+              <a:solidFill>
+                <a:srgbClr val="008000"/>
+              </a:solidFill>
+            </a:endParaRPr>
+          </a:p>
+          <a:p>
+            <a:r>
+              <a:rPr lang="en-US" sz="4400" dirty="0" smtClean="0">
+                <a:solidFill>
+                  <a:srgbClr val="008000"/>
+                </a:solidFill>
+              </a:rPr>
+              <a:t>  procedure that decides </a:t>
+            </a:r>
+          </a:p>
+          <a:p>
+            <a:r>
+              <a:rPr lang="en-US" sz="4400" dirty="0" smtClean="0">
+                <a:solidFill>
+                  <a:srgbClr val="008000"/>
+                </a:solidFill>
+              </a:rPr>
+              <a:t>  whether </a:t>
+            </a:r>
+            <a:r>
+              <a:rPr lang="en-US" sz="4400">
+                <a:solidFill>
+                  <a:srgbClr val="008000"/>
+                </a:solidFill>
+              </a:rPr>
+              <a:t>strings</a:t>
+            </a:r>
+            <a:r>
+              <a:rPr lang="en-US" sz="4400"/>
+              <a:t> </a:t>
+            </a:r>
+            <a:r>
+              <a:rPr lang="en-US" sz="4400" smtClean="0">
+                <a:solidFill>
+                  <a:srgbClr val="F50802"/>
+                </a:solidFill>
+              </a:rPr>
+              <a:t>HALT</a:t>
+            </a:r>
+            <a:endParaRPr lang="en-US" sz="4400" dirty="0">
+              <a:solidFill>
+                <a:srgbClr val="F50802"/>
+              </a:solidFill>
+            </a:endParaRPr>
+          </a:p>
+          <a:p>
+            <a:endParaRPr lang="en-US" sz="4400" dirty="0">
+              <a:solidFill>
+                <a:srgbClr val="F50802"/>
+              </a:solidFill>
+            </a:endParaRPr>
+          </a:p>
+        </p:txBody>
+      </p:sp>
+    </p:spTree>
+    <p:extLst>
+      <p:ext uri="{BB962C8B-B14F-4D97-AF65-F5344CB8AC3E}">
+        <p14:creationId xmlns:p14="http://schemas.microsoft.com/office/powerpoint/2010/main" val="510766806"/>
+      </p:ext>
+    </p:extLst>
+  </p:cSld>
+  <p:clrMapOvr>
+    <a:masterClrMapping/>
+  </p:clrMapOvr>
+  <p:transition xmlns:p14="http://schemas.microsoft.com/office/powerpoint/2010/main" spd="slow">
+    <p:fade/>
+  </p:transition>
+  <p:timing>
+    <p:tnLst>
+      <p:par>
+        <p:cTn xmlns:p14="http://schemas.microsoft.com/office/powerpoint/2010/main" id="1" dur="indefinite" restart="never" nodeType="tmRoot">
+          <p:childTnLst>
+            <p:seq concurrent="1" nextAc="seek">
+              <p:cTn id="2" dur="indefinite" nodeType="mainSeq">
+                <p:childTnLst>
+                  <p:par>
+                    <p:cTn id="3" fill="hold">
+                      <p:stCondLst>
+                        <p:cond delay="indefinite"/>
+                      </p:stCondLst>
+                      <p:childTnLst>
+                        <p:par>
+                          <p:cTn id="4" fill="hold">
+                            <p:stCondLst>
+                              <p:cond delay="0"/>
+                            </p:stCondLst>
+                            <p:childTnLst>
+                              <p:par>
+                                <p:cTn id="5" presetID="9" presetClass="entr" presetSubtype="0" fill="hold" nodeType="clickEffect">
+                                  <p:stCondLst>
+                                    <p:cond delay="0"/>
+                                  </p:stCondLst>
+                                  <p:childTnLst>
+                                    <p:set>
+                                      <p:cBhvr>
+                                        <p:cTn id="6" dur="1" fill="hold">
+                                          <p:stCondLst>
+                                            <p:cond delay="0"/>
+                                          </p:stCondLst>
+                                        </p:cTn>
+                                        <p:tgtEl>
+                                          <p:spTgt spid="3">
+                                            <p:txEl>
+                                              <p:pRg st="1" end="1"/>
+                                            </p:txEl>
+                                          </p:spTgt>
+                                        </p:tgtEl>
+                                        <p:attrNameLst>
+                                          <p:attrName>style.visibility</p:attrName>
+                                        </p:attrNameLst>
+                                      </p:cBhvr>
+                                      <p:to>
+                                        <p:strVal val="visible"/>
+                                      </p:to>
+                                    </p:set>
+                                    <p:animEffect transition="in" filter="dissolve">
+                                      <p:cBhvr>
+                                        <p:cTn id="7" dur="500"/>
+                                        <p:tgtEl>
+                                          <p:spTgt spid="3">
+                                            <p:txEl>
+                                              <p:pRg st="1" end="1"/>
+                                            </p:txEl>
+                                          </p:spTgt>
+                                        </p:tgtEl>
+                                      </p:cBhvr>
+                                    </p:animEffect>
+                                  </p:childTnLst>
+                                </p:cTn>
+                              </p:par>
+                            </p:childTnLst>
+                          </p:cTn>
+                        </p:par>
+                      </p:childTnLst>
+                    </p:cTn>
+                  </p:par>
+                  <p:par>
+                    <p:cTn id="8" fill="hold">
+                      <p:stCondLst>
+                        <p:cond delay="indefinite"/>
+                      </p:stCondLst>
+                      <p:childTnLst>
+                        <p:par>
+                          <p:cTn id="9" fill="hold">
+                            <p:stCondLst>
+                              <p:cond delay="0"/>
+                            </p:stCondLst>
+                            <p:childTnLst>
+                              <p:par>
+                                <p:cTn id="10" presetID="9" presetClass="entr" presetSubtype="0" fill="hold" nodeType="clickEffect">
+                                  <p:stCondLst>
+                                    <p:cond delay="0"/>
+                                  </p:stCondLst>
+                                  <p:childTnLst>
+                                    <p:set>
+                                      <p:cBhvr>
+                                        <p:cTn id="11" dur="1" fill="hold">
+                                          <p:stCondLst>
+                                            <p:cond delay="0"/>
+                                          </p:stCondLst>
+                                        </p:cTn>
+                                        <p:tgtEl>
+                                          <p:spTgt spid="3">
+                                            <p:txEl>
+                                              <p:pRg st="2" end="2"/>
+                                            </p:txEl>
+                                          </p:spTgt>
+                                        </p:tgtEl>
+                                        <p:attrNameLst>
+                                          <p:attrName>style.visibility</p:attrName>
+                                        </p:attrNameLst>
+                                      </p:cBhvr>
+                                      <p:to>
+                                        <p:strVal val="visible"/>
+                                      </p:to>
+                                    </p:set>
+                                    <p:animEffect transition="in" filter="dissolve">
+                                      <p:cBhvr>
+                                        <p:cTn id="12" dur="500"/>
+                                        <p:tgtEl>
+                                          <p:spTgt spid="3">
+                                            <p:txEl>
+                                              <p:pRg st="2" end="2"/>
+                                            </p:txEl>
+                                          </p:spTgt>
+                                        </p:tgtEl>
+                                      </p:cBhvr>
+                                    </p:animEffect>
+                                  </p:childTnLst>
+                                </p:cTn>
+                              </p:par>
+                            </p:childTnLst>
+                          </p:cTn>
+                        </p:par>
+                      </p:childTnLst>
+                    </p:cTn>
+                  </p:par>
+                  <p:par>
+                    <p:cTn id="13" fill="hold">
+                      <p:stCondLst>
+                        <p:cond delay="indefinite"/>
+                      </p:stCondLst>
+                      <p:childTnLst>
+                        <p:par>
+                          <p:cTn id="14" fill="hold">
+                            <p:stCondLst>
+                              <p:cond delay="0"/>
+                            </p:stCondLst>
+                            <p:childTnLst>
+                              <p:par>
+                                <p:cTn id="15" presetID="9" presetClass="entr" presetSubtype="0" fill="hold" nodeType="clickEffect">
+                                  <p:stCondLst>
+                                    <p:cond delay="0"/>
+                                  </p:stCondLst>
+                                  <p:childTnLst>
+                                    <p:set>
+                                      <p:cBhvr>
+                                        <p:cTn id="16" dur="1" fill="hold">
+                                          <p:stCondLst>
+                                            <p:cond delay="0"/>
+                                          </p:stCondLst>
+                                        </p:cTn>
+                                        <p:tgtEl>
+                                          <p:spTgt spid="3">
+                                            <p:txEl>
+                                              <p:pRg st="3" end="3"/>
+                                            </p:txEl>
+                                          </p:spTgt>
+                                        </p:tgtEl>
+                                        <p:attrNameLst>
+                                          <p:attrName>style.visibility</p:attrName>
+                                        </p:attrNameLst>
+                                      </p:cBhvr>
+                                      <p:to>
+                                        <p:strVal val="visible"/>
+                                      </p:to>
+                                    </p:set>
+                                    <p:animEffect transition="in" filter="dissolve">
+                                      <p:cBhvr>
+                                        <p:cTn id="17" dur="500"/>
+                                        <p:tgtEl>
+                                          <p:spTgt spid="3">
+                                            <p:txEl>
+                                              <p:pRg st="3" end="3"/>
+                                            </p:txEl>
+                                          </p:spTgt>
+                                        </p:tgtEl>
+                                      </p:cBhvr>
+                                    </p:animEffect>
+                                  </p:childTnLst>
+                                </p:cTn>
+                              </p:par>
+                              <p:par>
+                                <p:cTn id="18" presetID="9" presetClass="entr" presetSubtype="0" fill="hold" nodeType="withEffect">
+                                  <p:stCondLst>
+                                    <p:cond delay="0"/>
+                                  </p:stCondLst>
+                                  <p:childTnLst>
+                                    <p:set>
+                                      <p:cBhvr>
+                                        <p:cTn id="19" dur="1" fill="hold">
+                                          <p:stCondLst>
+                                            <p:cond delay="0"/>
+                                          </p:stCondLst>
+                                        </p:cTn>
+                                        <p:tgtEl>
+                                          <p:spTgt spid="3">
+                                            <p:txEl>
+                                              <p:pRg st="4" end="4"/>
+                                            </p:txEl>
+                                          </p:spTgt>
+                                        </p:tgtEl>
+                                        <p:attrNameLst>
+                                          <p:attrName>style.visibility</p:attrName>
+                                        </p:attrNameLst>
+                                      </p:cBhvr>
+                                      <p:to>
+                                        <p:strVal val="visible"/>
+                                      </p:to>
+                                    </p:set>
+                                    <p:animEffect transition="in" filter="dissolve">
+                                      <p:cBhvr>
+                                        <p:cTn id="20" dur="500"/>
+                                        <p:tgtEl>
+                                          <p:spTgt spid="3">
+                                            <p:txEl>
+                                              <p:pRg st="4" end="4"/>
+                                            </p:txEl>
+                                          </p:spTgt>
+                                        </p:tgtEl>
+                                      </p:cBhvr>
+                                    </p:animEffect>
+                                  </p:childTnLst>
+                                </p:cTn>
+                              </p:par>
+                              <p:par>
+                                <p:cTn id="21" presetID="9" presetClass="entr" presetSubtype="0" fill="hold" nodeType="withEffect">
+                                  <p:stCondLst>
+                                    <p:cond delay="0"/>
+                                  </p:stCondLst>
+                                  <p:childTnLst>
+                                    <p:set>
+                                      <p:cBhvr>
+                                        <p:cTn id="22" dur="1" fill="hold">
+                                          <p:stCondLst>
+                                            <p:cond delay="0"/>
+                                          </p:stCondLst>
+                                        </p:cTn>
+                                        <p:tgtEl>
+                                          <p:spTgt spid="3">
+                                            <p:txEl>
+                                              <p:pRg st="5" end="5"/>
+                                            </p:txEl>
+                                          </p:spTgt>
+                                        </p:tgtEl>
+                                        <p:attrNameLst>
+                                          <p:attrName>style.visibility</p:attrName>
+                                        </p:attrNameLst>
+                                      </p:cBhvr>
+                                      <p:to>
+                                        <p:strVal val="visible"/>
+                                      </p:to>
+                                    </p:set>
+                                    <p:animEffect transition="in" filter="dissolve">
+                                      <p:cBhvr>
+                                        <p:cTn id="23" dur="500"/>
+                                        <p:tgtEl>
+                                          <p:spTgt spid="3">
+                                            <p:txEl>
+                                              <p:pRg st="5" end="5"/>
+                                            </p:txEl>
+                                          </p:spTgt>
+                                        </p:tgtEl>
+                                      </p:cBhvr>
+                                    </p:animEffect>
+                                  </p:childTnLst>
+                                </p:cTn>
+                              </p:par>
+                            </p:childTnLst>
+                          </p:cTn>
+                        </p:par>
+                      </p:childTnLst>
+                    </p:cTn>
+                  </p:par>
+                </p:childTnLst>
+              </p:cTn>
+              <p:prevCondLst>
+                <p:cond evt="onPrev" delay="0">
+                  <p:tgtEl>
+                    <p:sldTgt/>
+                  </p:tgtEl>
+                </p:cond>
+              </p:prevCondLst>
+              <p:nextCondLst>
+                <p:cond evt="onNext" delay="0">
+                  <p:tgtEl>
+                    <p:sldTgt/>
+                  </p:tgtEl>
+                </p:cond>
+              </p:nextCondLst>
+            </p:seq>
+          </p:childTnLst>
+        </p:cTn>
+      </p:par>
+    </p:tnLst>
+  </p:timing>
+</p:sld>
+</file>
+
 <file path=ppt/slides/slide2.xml><?xml version="1.0" encoding="utf-8"?>
 <p:sld xmlns:a="http://schemas.openxmlformats.org/drawingml/2006/main" xmlns:r="http://schemas.openxmlformats.org/officeDocument/2006/relationships" xmlns:p="http://schemas.openxmlformats.org/presentationml/2006/main">
   <p:cSld>
@@ -5906,25 +7016,166 @@
             <p:ph idx="1"/>
           </p:nvPr>
         </p:nvSpPr>
-        <p:spPr/>
+        <p:spPr>
+          <a:xfrm>
+            <a:off x="458788" y="1523815"/>
+            <a:ext cx="8229600" cy="4525963"/>
+          </a:xfrm>
+        </p:spPr>
         <p:txBody>
           <a:bodyPr/>
           <a:lstStyle/>
           <a:p>
-            <a:pPr algn="ctr"/>
-            <a:r>
-              <a:rPr lang="en-US" sz="23900" dirty="0" smtClean="0">
-                <a:solidFill>
-                  <a:srgbClr val="F74BE3"/>
-                </a:solidFill>
-              </a:rPr>
-              <a:t>TBA</a:t>
-            </a:r>
-            <a:endParaRPr lang="en-US" sz="23900" dirty="0">
-              <a:solidFill>
-                <a:srgbClr val="F74BE3"/>
-              </a:solidFill>
-            </a:endParaRPr>
+            <a:r>
+              <a:rPr lang="en-US" dirty="0" smtClean="0"/>
+              <a:t>String </a:t>
+            </a:r>
+            <a:r>
+              <a:rPr lang="en-US" dirty="0"/>
+              <a:t>procedure </a:t>
+            </a:r>
+            <a:r>
+              <a:rPr lang="en-US" dirty="0" smtClean="0">
+                <a:solidFill>
+                  <a:srgbClr val="9933FF"/>
+                </a:solidFill>
+              </a:rPr>
+              <a:t>P</a:t>
+            </a:r>
+            <a:r>
+              <a:rPr lang="en-US" dirty="0" smtClean="0"/>
+              <a:t> </a:t>
+            </a:r>
+            <a:r>
+              <a:rPr lang="en-US" dirty="0"/>
+              <a:t>takes a String </a:t>
+            </a:r>
+            <a:endParaRPr lang="en-US" dirty="0" smtClean="0"/>
+          </a:p>
+          <a:p>
+            <a:r>
+              <a:rPr lang="en-US" dirty="0" smtClean="0"/>
+              <a:t>argument</a:t>
+            </a:r>
+            <a:r>
+              <a:rPr lang="en-US" dirty="0"/>
+              <a:t>:</a:t>
+            </a:r>
+          </a:p>
+          <a:p>
+            <a:r>
+              <a:rPr lang="en-US" dirty="0">
+                <a:solidFill>
+                  <a:srgbClr val="9933FF"/>
+                </a:solidFill>
+              </a:rPr>
+              <a:t>P</a:t>
+            </a:r>
+            <a:r>
+              <a:rPr lang="en-US" dirty="0"/>
+              <a:t>("</a:t>
+            </a:r>
+            <a:r>
+              <a:rPr lang="en-US" dirty="0">
+                <a:solidFill>
+                  <a:srgbClr val="0000FF"/>
+                </a:solidFill>
+              </a:rPr>
+              <a:t>no</a:t>
+            </a:r>
+            <a:r>
+              <a:rPr lang="en-US" dirty="0"/>
+              <a:t>") returns 2</a:t>
+            </a:r>
+          </a:p>
+          <a:p>
+            <a:r>
+              <a:rPr lang="en-US" dirty="0">
+                <a:solidFill>
+                  <a:srgbClr val="9933FF"/>
+                </a:solidFill>
+              </a:rPr>
+              <a:t>P</a:t>
+            </a:r>
+            <a:r>
+              <a:rPr lang="en-US" dirty="0"/>
+              <a:t>("</a:t>
+            </a:r>
+            <a:r>
+              <a:rPr lang="en-US" dirty="0">
+                <a:solidFill>
+                  <a:srgbClr val="0000FF"/>
+                </a:solidFill>
+              </a:rPr>
+              <a:t>albert</a:t>
+            </a:r>
+            <a:r>
+              <a:rPr lang="en-US" dirty="0"/>
+              <a:t>") returns "</a:t>
+            </a:r>
+            <a:r>
+              <a:rPr lang="en-US" dirty="0" err="1"/>
+              <a:t>meyer</a:t>
+            </a:r>
+            <a:r>
+              <a:rPr lang="en-US" dirty="0"/>
+              <a:t>"</a:t>
+            </a:r>
+          </a:p>
+          <a:p>
+            <a:r>
+              <a:rPr lang="en-US" dirty="0">
+                <a:solidFill>
+                  <a:srgbClr val="9933FF"/>
+                </a:solidFill>
+              </a:rPr>
+              <a:t>P</a:t>
+            </a:r>
+            <a:r>
+              <a:rPr lang="en-US" dirty="0"/>
+              <a:t>("</a:t>
+            </a:r>
+            <a:r>
+              <a:rPr lang="en-US" dirty="0">
+                <a:solidFill>
+                  <a:srgbClr val="0000FF"/>
+                </a:solidFill>
+              </a:rPr>
+              <a:t>&amp;&amp;%99!!</a:t>
+            </a:r>
+            <a:r>
+              <a:rPr lang="en-US" dirty="0"/>
+              <a:t>") causes an error</a:t>
+            </a:r>
+          </a:p>
+          <a:p>
+            <a:r>
+              <a:rPr lang="en-US" dirty="0">
+                <a:solidFill>
+                  <a:srgbClr val="9933FF"/>
+                </a:solidFill>
+              </a:rPr>
+              <a:t>P</a:t>
+            </a:r>
+            <a:r>
+              <a:rPr lang="en-US" dirty="0"/>
+              <a:t>("</a:t>
+            </a:r>
+            <a:r>
+              <a:rPr lang="en-US" dirty="0">
+                <a:solidFill>
+                  <a:srgbClr val="0000FF"/>
+                </a:solidFill>
+              </a:rPr>
+              <a:t>what now?</a:t>
+            </a:r>
+            <a:r>
+              <a:rPr lang="en-US" dirty="0"/>
+              <a:t>") runs forever.</a:t>
+            </a:r>
+          </a:p>
+          <a:p>
+            <a:endParaRPr lang="en-US" dirty="0"/>
           </a:p>
         </p:txBody>
       </p:sp>
@@ -5938,18 +7189,1663 @@
   <p:clrMapOvr>
     <a:masterClrMapping/>
   </p:clrMapOvr>
-  <mc:AlternateContent xmlns:mc="http://schemas.openxmlformats.org/markup-compatibility/2006" xmlns:p14="http://schemas.microsoft.com/office/powerpoint/2010/main">
-    <mc:Choice Requires="p14">
-      <p:transition spd="slow" p14:dur="2000"/>
+  <mc:AlternateContent xmlns:mc="http://schemas.openxmlformats.org/markup-compatibility/2006">
+    <mc:Choice xmlns:p14="http://schemas.microsoft.com/office/powerpoint/2010/main" Requires="p14">
+      <p:transition spd="slow" p14:dur="1200">
+        <p:fade thruBlk="1"/>
+      </p:transition>
     </mc:Choice>
-    <mc:Fallback xmlns="">
-      <p:transition xmlns:p14="http://schemas.microsoft.com/office/powerpoint/2010/main" spd="slow"/>
+    <mc:Fallback>
+      <p:transition xmlns:p14="http://schemas.microsoft.com/office/powerpoint/2010/main" spd="slow">
+        <p:fade thruBlk="1"/>
+      </p:transition>
     </mc:Fallback>
   </mc:AlternateContent>
   <p:timing>
     <p:tnLst>
       <p:par>
-        <p:cTn xmlns:p14="http://schemas.microsoft.com/office/powerpoint/2010/main" id="1" dur="indefinite" restart="never" nodeType="tmRoot"/>
+        <p:cTn xmlns:p14="http://schemas.microsoft.com/office/powerpoint/2010/main" id="1" dur="indefinite" restart="never" nodeType="tmRoot">
+          <p:childTnLst>
+            <p:seq concurrent="1" nextAc="seek">
+              <p:cTn id="2" dur="indefinite" nodeType="mainSeq">
+                <p:childTnLst>
+                  <p:par>
+                    <p:cTn id="3" fill="hold">
+                      <p:stCondLst>
+                        <p:cond delay="indefinite"/>
+                      </p:stCondLst>
+                      <p:childTnLst>
+                        <p:par>
+                          <p:cTn id="4" fill="hold">
+                            <p:stCondLst>
+                              <p:cond delay="0"/>
+                            </p:stCondLst>
+                            <p:childTnLst>
+                              <p:par>
+                                <p:cTn id="5" presetID="9" presetClass="entr" presetSubtype="0" fill="hold" nodeType="clickEffect">
+                                  <p:stCondLst>
+                                    <p:cond delay="0"/>
+                                  </p:stCondLst>
+                                  <p:childTnLst>
+                                    <p:set>
+                                      <p:cBhvr>
+                                        <p:cTn id="6" dur="1" fill="hold">
+                                          <p:stCondLst>
+                                            <p:cond delay="0"/>
+                                          </p:stCondLst>
+                                        </p:cTn>
+                                        <p:tgtEl>
+                                          <p:spTgt spid="3">
+                                            <p:txEl>
+                                              <p:pRg st="2" end="2"/>
+                                            </p:txEl>
+                                          </p:spTgt>
+                                        </p:tgtEl>
+                                        <p:attrNameLst>
+                                          <p:attrName>style.visibility</p:attrName>
+                                        </p:attrNameLst>
+                                      </p:cBhvr>
+                                      <p:to>
+                                        <p:strVal val="visible"/>
+                                      </p:to>
+                                    </p:set>
+                                    <p:animEffect transition="in" filter="dissolve">
+                                      <p:cBhvr>
+                                        <p:cTn id="7" dur="500"/>
+                                        <p:tgtEl>
+                                          <p:spTgt spid="3">
+                                            <p:txEl>
+                                              <p:pRg st="2" end="2"/>
+                                            </p:txEl>
+                                          </p:spTgt>
+                                        </p:tgtEl>
+                                      </p:cBhvr>
+                                    </p:animEffect>
+                                  </p:childTnLst>
+                                </p:cTn>
+                              </p:par>
+                            </p:childTnLst>
+                          </p:cTn>
+                        </p:par>
+                      </p:childTnLst>
+                    </p:cTn>
+                  </p:par>
+                  <p:par>
+                    <p:cTn id="8" fill="hold">
+                      <p:stCondLst>
+                        <p:cond delay="indefinite"/>
+                      </p:stCondLst>
+                      <p:childTnLst>
+                        <p:par>
+                          <p:cTn id="9" fill="hold">
+                            <p:stCondLst>
+                              <p:cond delay="0"/>
+                            </p:stCondLst>
+                            <p:childTnLst>
+                              <p:par>
+                                <p:cTn id="10" presetID="9" presetClass="entr" presetSubtype="0" fill="hold" nodeType="clickEffect">
+                                  <p:stCondLst>
+                                    <p:cond delay="0"/>
+                                  </p:stCondLst>
+                                  <p:childTnLst>
+                                    <p:set>
+                                      <p:cBhvr>
+                                        <p:cTn id="11" dur="1" fill="hold">
+                                          <p:stCondLst>
+                                            <p:cond delay="0"/>
+                                          </p:stCondLst>
+                                        </p:cTn>
+                                        <p:tgtEl>
+                                          <p:spTgt spid="3">
+                                            <p:txEl>
+                                              <p:pRg st="3" end="3"/>
+                                            </p:txEl>
+                                          </p:spTgt>
+                                        </p:tgtEl>
+                                        <p:attrNameLst>
+                                          <p:attrName>style.visibility</p:attrName>
+                                        </p:attrNameLst>
+                                      </p:cBhvr>
+                                      <p:to>
+                                        <p:strVal val="visible"/>
+                                      </p:to>
+                                    </p:set>
+                                    <p:animEffect transition="in" filter="dissolve">
+                                      <p:cBhvr>
+                                        <p:cTn id="12" dur="500"/>
+                                        <p:tgtEl>
+                                          <p:spTgt spid="3">
+                                            <p:txEl>
+                                              <p:pRg st="3" end="3"/>
+                                            </p:txEl>
+                                          </p:spTgt>
+                                        </p:tgtEl>
+                                      </p:cBhvr>
+                                    </p:animEffect>
+                                  </p:childTnLst>
+                                </p:cTn>
+                              </p:par>
+                            </p:childTnLst>
+                          </p:cTn>
+                        </p:par>
+                      </p:childTnLst>
+                    </p:cTn>
+                  </p:par>
+                  <p:par>
+                    <p:cTn id="13" fill="hold">
+                      <p:stCondLst>
+                        <p:cond delay="indefinite"/>
+                      </p:stCondLst>
+                      <p:childTnLst>
+                        <p:par>
+                          <p:cTn id="14" fill="hold">
+                            <p:stCondLst>
+                              <p:cond delay="0"/>
+                            </p:stCondLst>
+                            <p:childTnLst>
+                              <p:par>
+                                <p:cTn id="15" presetID="9" presetClass="entr" presetSubtype="0" fill="hold" nodeType="clickEffect">
+                                  <p:stCondLst>
+                                    <p:cond delay="0"/>
+                                  </p:stCondLst>
+                                  <p:childTnLst>
+                                    <p:set>
+                                      <p:cBhvr>
+                                        <p:cTn id="16" dur="1" fill="hold">
+                                          <p:stCondLst>
+                                            <p:cond delay="0"/>
+                                          </p:stCondLst>
+                                        </p:cTn>
+                                        <p:tgtEl>
+                                          <p:spTgt spid="3">
+                                            <p:txEl>
+                                              <p:pRg st="4" end="4"/>
+                                            </p:txEl>
+                                          </p:spTgt>
+                                        </p:tgtEl>
+                                        <p:attrNameLst>
+                                          <p:attrName>style.visibility</p:attrName>
+                                        </p:attrNameLst>
+                                      </p:cBhvr>
+                                      <p:to>
+                                        <p:strVal val="visible"/>
+                                      </p:to>
+                                    </p:set>
+                                    <p:animEffect transition="in" filter="dissolve">
+                                      <p:cBhvr>
+                                        <p:cTn id="17" dur="500"/>
+                                        <p:tgtEl>
+                                          <p:spTgt spid="3">
+                                            <p:txEl>
+                                              <p:pRg st="4" end="4"/>
+                                            </p:txEl>
+                                          </p:spTgt>
+                                        </p:tgtEl>
+                                      </p:cBhvr>
+                                    </p:animEffect>
+                                  </p:childTnLst>
+                                </p:cTn>
+                              </p:par>
+                            </p:childTnLst>
+                          </p:cTn>
+                        </p:par>
+                      </p:childTnLst>
+                    </p:cTn>
+                  </p:par>
+                  <p:par>
+                    <p:cTn id="18" fill="hold">
+                      <p:stCondLst>
+                        <p:cond delay="indefinite"/>
+                      </p:stCondLst>
+                      <p:childTnLst>
+                        <p:par>
+                          <p:cTn id="19" fill="hold">
+                            <p:stCondLst>
+                              <p:cond delay="0"/>
+                            </p:stCondLst>
+                            <p:childTnLst>
+                              <p:par>
+                                <p:cTn id="20" presetID="9" presetClass="entr" presetSubtype="0" fill="hold" nodeType="clickEffect">
+                                  <p:stCondLst>
+                                    <p:cond delay="0"/>
+                                  </p:stCondLst>
+                                  <p:childTnLst>
+                                    <p:set>
+                                      <p:cBhvr>
+                                        <p:cTn id="21" dur="1" fill="hold">
+                                          <p:stCondLst>
+                                            <p:cond delay="0"/>
+                                          </p:stCondLst>
+                                        </p:cTn>
+                                        <p:tgtEl>
+                                          <p:spTgt spid="3">
+                                            <p:txEl>
+                                              <p:pRg st="5" end="5"/>
+                                            </p:txEl>
+                                          </p:spTgt>
+                                        </p:tgtEl>
+                                        <p:attrNameLst>
+                                          <p:attrName>style.visibility</p:attrName>
+                                        </p:attrNameLst>
+                                      </p:cBhvr>
+                                      <p:to>
+                                        <p:strVal val="visible"/>
+                                      </p:to>
+                                    </p:set>
+                                    <p:animEffect transition="in" filter="dissolve">
+                                      <p:cBhvr>
+                                        <p:cTn id="22" dur="500"/>
+                                        <p:tgtEl>
+                                          <p:spTgt spid="3">
+                                            <p:txEl>
+                                              <p:pRg st="5" end="5"/>
+                                            </p:txEl>
+                                          </p:spTgt>
+                                        </p:tgtEl>
+                                      </p:cBhvr>
+                                    </p:animEffect>
+                                  </p:childTnLst>
+                                </p:cTn>
+                              </p:par>
+                            </p:childTnLst>
+                          </p:cTn>
+                        </p:par>
+                      </p:childTnLst>
+                    </p:cTn>
+                  </p:par>
+                </p:childTnLst>
+              </p:cTn>
+              <p:prevCondLst>
+                <p:cond evt="onPrev" delay="0">
+                  <p:tgtEl>
+                    <p:sldTgt/>
+                  </p:tgtEl>
+                </p:cond>
+              </p:prevCondLst>
+              <p:nextCondLst>
+                <p:cond evt="onNext" delay="0">
+                  <p:tgtEl>
+                    <p:sldTgt/>
+                  </p:tgtEl>
+                </p:cond>
+              </p:nextCondLst>
+            </p:seq>
+          </p:childTnLst>
+        </p:cTn>
+      </p:par>
+    </p:tnLst>
+  </p:timing>
+</p:sld>
+</file>
+
+<file path=ppt/slides/slide6.xml><?xml version="1.0" encoding="utf-8"?>
+<p:sld xmlns:a="http://schemas.openxmlformats.org/drawingml/2006/main" xmlns:r="http://schemas.openxmlformats.org/officeDocument/2006/relationships" xmlns:p="http://schemas.openxmlformats.org/presentationml/2006/main">
+  <p:cSld>
+    <p:spTree>
+      <p:nvGrpSpPr>
+        <p:cNvPr id="1" name=""/>
+        <p:cNvGrpSpPr/>
+        <p:nvPr/>
+      </p:nvGrpSpPr>
+      <p:grpSpPr>
+        <a:xfrm>
+          <a:off x="0" y="0"/>
+          <a:ext cx="0" cy="0"/>
+          <a:chOff x="0" y="0"/>
+          <a:chExt cx="0" cy="0"/>
+        </a:xfrm>
+      </p:grpSpPr>
+      <p:sp>
+        <p:nvSpPr>
+          <p:cNvPr id="2" name="Title 1"/>
+          <p:cNvSpPr>
+            <a:spLocks noGrp="1"/>
+          </p:cNvSpPr>
+          <p:nvPr>
+            <p:ph type="title"/>
+          </p:nvPr>
+        </p:nvSpPr>
+        <p:spPr/>
+        <p:txBody>
+          <a:bodyPr/>
+          <a:lstStyle/>
+          <a:p>
+            <a:r>
+              <a:rPr lang="en-US" dirty="0" smtClean="0"/>
+              <a:t>The Halting Problem</a:t>
+            </a:r>
+            <a:endParaRPr lang="en-US" dirty="0"/>
+          </a:p>
+        </p:txBody>
+      </p:sp>
+      <p:sp>
+        <p:nvSpPr>
+          <p:cNvPr id="3" name="Content Placeholder 2"/>
+          <p:cNvSpPr>
+            <a:spLocks noGrp="1"/>
+          </p:cNvSpPr>
+          <p:nvPr>
+            <p:ph idx="1"/>
+          </p:nvPr>
+        </p:nvSpPr>
+        <p:spPr>
+          <a:xfrm>
+            <a:off x="458788" y="1523815"/>
+            <a:ext cx="8229600" cy="4525963"/>
+          </a:xfrm>
+        </p:spPr>
+        <p:txBody>
+          <a:bodyPr/>
+          <a:lstStyle/>
+          <a:p>
+            <a:r>
+              <a:rPr lang="en-US" sz="4800" dirty="0" smtClean="0"/>
+              <a:t>Let </a:t>
+            </a:r>
+            <a:r>
+              <a:rPr lang="en-US" sz="4800" dirty="0">
+                <a:solidFill>
+                  <a:srgbClr val="0000FF"/>
+                </a:solidFill>
+              </a:rPr>
+              <a:t>s</a:t>
+            </a:r>
+            <a:r>
+              <a:rPr lang="en-US" sz="4800" dirty="0"/>
+              <a:t> be the text </a:t>
+            </a:r>
+            <a:r>
+              <a:rPr lang="en-US" sz="4800" dirty="0" smtClean="0"/>
+              <a:t>string</a:t>
+            </a:r>
+          </a:p>
+          <a:p>
+            <a:r>
+              <a:rPr lang="en-US" sz="4800" dirty="0" smtClean="0"/>
+              <a:t>from which </a:t>
+            </a:r>
+            <a:r>
+              <a:rPr lang="en-US" sz="4800" dirty="0">
+                <a:solidFill>
+                  <a:srgbClr val="9933FF"/>
+                </a:solidFill>
+              </a:rPr>
+              <a:t>P </a:t>
+            </a:r>
+            <a:r>
+              <a:rPr lang="en-US" sz="4800" dirty="0"/>
+              <a:t>was compiled.</a:t>
+            </a:r>
+          </a:p>
+          <a:p>
+            <a:r>
+              <a:rPr lang="en-US" sz="4800" dirty="0"/>
+              <a:t>Say </a:t>
+            </a:r>
+            <a:r>
+              <a:rPr lang="en-US" sz="4800" dirty="0">
+                <a:solidFill>
+                  <a:srgbClr val="0000FF"/>
+                </a:solidFill>
+              </a:rPr>
+              <a:t>s</a:t>
+            </a:r>
+            <a:r>
+              <a:rPr lang="en-US" sz="4800" dirty="0"/>
+              <a:t> </a:t>
+            </a:r>
+            <a:r>
+              <a:rPr lang="en-US" sz="4800" dirty="0">
+                <a:solidFill>
+                  <a:srgbClr val="F50802"/>
+                </a:solidFill>
+              </a:rPr>
+              <a:t>HALTS</a:t>
+            </a:r>
+            <a:r>
+              <a:rPr lang="en-US" sz="4800" dirty="0"/>
+              <a:t> if </a:t>
+            </a:r>
+            <a:r>
+              <a:rPr lang="en-US" sz="4800" dirty="0">
+                <a:solidFill>
+                  <a:srgbClr val="9933FF"/>
+                </a:solidFill>
+              </a:rPr>
+              <a:t>P</a:t>
+            </a:r>
+            <a:r>
+              <a:rPr lang="en-US" sz="4800" dirty="0"/>
+              <a:t>(</a:t>
+            </a:r>
+            <a:r>
+              <a:rPr lang="en-US" sz="4800" dirty="0">
+                <a:solidFill>
+                  <a:srgbClr val="0000FF"/>
+                </a:solidFill>
+              </a:rPr>
+              <a:t>s</a:t>
+            </a:r>
+            <a:r>
+              <a:rPr lang="en-US" sz="4800" dirty="0"/>
+              <a:t>) returns something.</a:t>
+            </a:r>
+          </a:p>
+        </p:txBody>
+      </p:sp>
+    </p:spTree>
+    <p:extLst>
+      <p:ext uri="{BB962C8B-B14F-4D97-AF65-F5344CB8AC3E}">
+        <p14:creationId xmlns:p14="http://schemas.microsoft.com/office/powerpoint/2010/main" val="874479442"/>
+      </p:ext>
+    </p:extLst>
+  </p:cSld>
+  <p:clrMapOvr>
+    <a:masterClrMapping/>
+  </p:clrMapOvr>
+  <p:transition xmlns:p14="http://schemas.microsoft.com/office/powerpoint/2010/main" spd="slow">
+    <p:fade/>
+  </p:transition>
+  <p:timing>
+    <p:tnLst>
+      <p:par>
+        <p:cTn xmlns:p14="http://schemas.microsoft.com/office/powerpoint/2010/main" id="1" dur="indefinite" restart="never" nodeType="tmRoot">
+          <p:childTnLst>
+            <p:seq concurrent="1" nextAc="seek">
+              <p:cTn id="2" dur="indefinite" nodeType="mainSeq">
+                <p:childTnLst>
+                  <p:par>
+                    <p:cTn id="3" fill="hold">
+                      <p:stCondLst>
+                        <p:cond delay="indefinite"/>
+                      </p:stCondLst>
+                      <p:childTnLst>
+                        <p:par>
+                          <p:cTn id="4" fill="hold">
+                            <p:stCondLst>
+                              <p:cond delay="0"/>
+                            </p:stCondLst>
+                            <p:childTnLst>
+                              <p:par>
+                                <p:cTn id="5" presetID="9" presetClass="entr" presetSubtype="0" fill="hold" nodeType="clickEffect">
+                                  <p:stCondLst>
+                                    <p:cond delay="0"/>
+                                  </p:stCondLst>
+                                  <p:childTnLst>
+                                    <p:set>
+                                      <p:cBhvr>
+                                        <p:cTn id="6" dur="1" fill="hold">
+                                          <p:stCondLst>
+                                            <p:cond delay="0"/>
+                                          </p:stCondLst>
+                                        </p:cTn>
+                                        <p:tgtEl>
+                                          <p:spTgt spid="3">
+                                            <p:txEl>
+                                              <p:pRg st="2" end="2"/>
+                                            </p:txEl>
+                                          </p:spTgt>
+                                        </p:tgtEl>
+                                        <p:attrNameLst>
+                                          <p:attrName>style.visibility</p:attrName>
+                                        </p:attrNameLst>
+                                      </p:cBhvr>
+                                      <p:to>
+                                        <p:strVal val="visible"/>
+                                      </p:to>
+                                    </p:set>
+                                    <p:animEffect transition="in" filter="dissolve">
+                                      <p:cBhvr>
+                                        <p:cTn id="7" dur="500"/>
+                                        <p:tgtEl>
+                                          <p:spTgt spid="3">
+                                            <p:txEl>
+                                              <p:pRg st="2" end="2"/>
+                                            </p:txEl>
+                                          </p:spTgt>
+                                        </p:tgtEl>
+                                      </p:cBhvr>
+                                    </p:animEffect>
+                                  </p:childTnLst>
+                                </p:cTn>
+                              </p:par>
+                            </p:childTnLst>
+                          </p:cTn>
+                        </p:par>
+                      </p:childTnLst>
+                    </p:cTn>
+                  </p:par>
+                </p:childTnLst>
+              </p:cTn>
+              <p:prevCondLst>
+                <p:cond evt="onPrev" delay="0">
+                  <p:tgtEl>
+                    <p:sldTgt/>
+                  </p:tgtEl>
+                </p:cond>
+              </p:prevCondLst>
+              <p:nextCondLst>
+                <p:cond evt="onNext" delay="0">
+                  <p:tgtEl>
+                    <p:sldTgt/>
+                  </p:tgtEl>
+                </p:cond>
+              </p:nextCondLst>
+            </p:seq>
+          </p:childTnLst>
+        </p:cTn>
+      </p:par>
+    </p:tnLst>
+  </p:timing>
+</p:sld>
+</file>
+
+<file path=ppt/slides/slide7.xml><?xml version="1.0" encoding="utf-8"?>
+<p:sld xmlns:a="http://schemas.openxmlformats.org/drawingml/2006/main" xmlns:r="http://schemas.openxmlformats.org/officeDocument/2006/relationships" xmlns:p="http://schemas.openxmlformats.org/presentationml/2006/main">
+  <p:cSld>
+    <p:spTree>
+      <p:nvGrpSpPr>
+        <p:cNvPr id="1" name=""/>
+        <p:cNvGrpSpPr/>
+        <p:nvPr/>
+      </p:nvGrpSpPr>
+      <p:grpSpPr>
+        <a:xfrm>
+          <a:off x="0" y="0"/>
+          <a:ext cx="0" cy="0"/>
+          <a:chOff x="0" y="0"/>
+          <a:chExt cx="0" cy="0"/>
+        </a:xfrm>
+      </p:grpSpPr>
+      <p:sp>
+        <p:nvSpPr>
+          <p:cNvPr id="2" name="Title 1"/>
+          <p:cNvSpPr>
+            <a:spLocks noGrp="1"/>
+          </p:cNvSpPr>
+          <p:nvPr>
+            <p:ph type="title"/>
+          </p:nvPr>
+        </p:nvSpPr>
+        <p:spPr/>
+        <p:txBody>
+          <a:bodyPr/>
+          <a:lstStyle/>
+          <a:p>
+            <a:r>
+              <a:rPr lang="en-US" dirty="0" smtClean="0"/>
+              <a:t>The Halting Problem</a:t>
+            </a:r>
+            <a:endParaRPr lang="en-US" dirty="0"/>
+          </a:p>
+        </p:txBody>
+      </p:sp>
+      <p:sp>
+        <p:nvSpPr>
+          <p:cNvPr id="3" name="Content Placeholder 2"/>
+          <p:cNvSpPr>
+            <a:spLocks noGrp="1"/>
+          </p:cNvSpPr>
+          <p:nvPr>
+            <p:ph idx="1"/>
+          </p:nvPr>
+        </p:nvSpPr>
+        <p:spPr>
+          <a:xfrm>
+            <a:off x="0" y="1409235"/>
+            <a:ext cx="9061643" cy="5121739"/>
+          </a:xfrm>
+        </p:spPr>
+        <p:txBody>
+          <a:bodyPr/>
+          <a:lstStyle/>
+          <a:p>
+            <a:r>
+              <a:rPr lang="en-US" sz="4800" dirty="0"/>
+              <a:t>Suppose there was a </a:t>
+            </a:r>
+            <a:endParaRPr lang="en-US" sz="4800" dirty="0" smtClean="0"/>
+          </a:p>
+          <a:p>
+            <a:r>
+              <a:rPr lang="en-US" sz="4800" dirty="0" smtClean="0"/>
+              <a:t>procedure </a:t>
+            </a:r>
+            <a:r>
+              <a:rPr lang="en-US" sz="4800" dirty="0">
+                <a:solidFill>
+                  <a:srgbClr val="9933FF"/>
+                </a:solidFill>
+              </a:rPr>
+              <a:t>Q</a:t>
+            </a:r>
+            <a:r>
+              <a:rPr lang="en-US" sz="4800" dirty="0"/>
+              <a:t> that decided </a:t>
+            </a:r>
+            <a:endParaRPr lang="en-US" sz="4800" dirty="0" smtClean="0"/>
+          </a:p>
+          <a:p>
+            <a:r>
+              <a:rPr lang="en-US" sz="4800" dirty="0" smtClean="0">
+                <a:solidFill>
+                  <a:srgbClr val="F50802"/>
+                </a:solidFill>
+              </a:rPr>
+              <a:t>HALTS</a:t>
+            </a:r>
+            <a:r>
+              <a:rPr lang="en-US" sz="4800" dirty="0"/>
+              <a:t>:</a:t>
+            </a:r>
+          </a:p>
+          <a:p>
+            <a:r>
+              <a:rPr lang="en-US" sz="4800" dirty="0" smtClean="0">
+                <a:solidFill>
+                  <a:srgbClr val="9933FF"/>
+                </a:solidFill>
+              </a:rPr>
+              <a:t>Q</a:t>
+            </a:r>
+            <a:r>
+              <a:rPr lang="en-US" sz="4800" dirty="0"/>
+              <a:t>(</a:t>
+            </a:r>
+            <a:r>
+              <a:rPr lang="en-US" sz="4800" dirty="0">
+                <a:solidFill>
+                  <a:srgbClr val="0000FF"/>
+                </a:solidFill>
+              </a:rPr>
+              <a:t>s</a:t>
+            </a:r>
+            <a:r>
+              <a:rPr lang="en-US" sz="4800" dirty="0"/>
+              <a:t>) returns "</a:t>
+            </a:r>
+            <a:r>
+              <a:rPr lang="en-US" sz="4800" dirty="0" smtClean="0">
+                <a:solidFill>
+                  <a:srgbClr val="0000FF"/>
+                </a:solidFill>
+              </a:rPr>
+              <a:t>yes</a:t>
+            </a:r>
+            <a:r>
+              <a:rPr lang="en-US" sz="4800" dirty="0" smtClean="0"/>
+              <a:t>” if </a:t>
+            </a:r>
+            <a:r>
+              <a:rPr lang="en-US" sz="4800" dirty="0">
+                <a:solidFill>
+                  <a:srgbClr val="0000FF"/>
+                </a:solidFill>
+              </a:rPr>
+              <a:t>s </a:t>
+            </a:r>
+            <a:r>
+              <a:rPr lang="en-US" sz="4800" dirty="0">
+                <a:solidFill>
+                  <a:srgbClr val="F50802"/>
+                </a:solidFill>
+              </a:rPr>
+              <a:t>HALTS</a:t>
+            </a:r>
+          </a:p>
+          <a:p>
+            <a:r>
+              <a:rPr lang="en-US" sz="4800" dirty="0"/>
+              <a:t>       </a:t>
+            </a:r>
+            <a:r>
+              <a:rPr lang="en-US" sz="4800" dirty="0" smtClean="0"/>
+              <a:t> returns </a:t>
+            </a:r>
+            <a:r>
+              <a:rPr lang="en-US" sz="4800" dirty="0"/>
+              <a:t>"</a:t>
+            </a:r>
+            <a:r>
+              <a:rPr lang="en-US" sz="4800" dirty="0" smtClean="0">
+                <a:solidFill>
+                  <a:srgbClr val="0000FF"/>
+                </a:solidFill>
+              </a:rPr>
+              <a:t>no</a:t>
+            </a:r>
+            <a:r>
+              <a:rPr lang="en-US" sz="4800" dirty="0" smtClean="0"/>
+              <a:t>” otherwise</a:t>
+            </a:r>
+            <a:endParaRPr lang="en-US" sz="4800" dirty="0"/>
+          </a:p>
+        </p:txBody>
+      </p:sp>
+    </p:spTree>
+    <p:extLst>
+      <p:ext uri="{BB962C8B-B14F-4D97-AF65-F5344CB8AC3E}">
+        <p14:creationId xmlns:p14="http://schemas.microsoft.com/office/powerpoint/2010/main" val="388763576"/>
+      </p:ext>
+    </p:extLst>
+  </p:cSld>
+  <p:clrMapOvr>
+    <a:masterClrMapping/>
+  </p:clrMapOvr>
+  <p:transition xmlns:p14="http://schemas.microsoft.com/office/powerpoint/2010/main" spd="slow">
+    <p:fade/>
+  </p:transition>
+  <p:timing>
+    <p:tnLst>
+      <p:par>
+        <p:cTn xmlns:p14="http://schemas.microsoft.com/office/powerpoint/2010/main" id="1" dur="indefinite" restart="never" nodeType="tmRoot">
+          <p:childTnLst>
+            <p:seq concurrent="1" nextAc="seek">
+              <p:cTn id="2" dur="indefinite" nodeType="mainSeq">
+                <p:childTnLst>
+                  <p:par>
+                    <p:cTn id="3" fill="hold">
+                      <p:stCondLst>
+                        <p:cond delay="indefinite"/>
+                      </p:stCondLst>
+                      <p:childTnLst>
+                        <p:par>
+                          <p:cTn id="4" fill="hold">
+                            <p:stCondLst>
+                              <p:cond delay="0"/>
+                            </p:stCondLst>
+                            <p:childTnLst>
+                              <p:par>
+                                <p:cTn id="5" presetID="9" presetClass="entr" presetSubtype="0" fill="hold" nodeType="clickEffect">
+                                  <p:stCondLst>
+                                    <p:cond delay="0"/>
+                                  </p:stCondLst>
+                                  <p:childTnLst>
+                                    <p:set>
+                                      <p:cBhvr>
+                                        <p:cTn id="6" dur="1" fill="hold">
+                                          <p:stCondLst>
+                                            <p:cond delay="0"/>
+                                          </p:stCondLst>
+                                        </p:cTn>
+                                        <p:tgtEl>
+                                          <p:spTgt spid="3">
+                                            <p:txEl>
+                                              <p:pRg st="3" end="3"/>
+                                            </p:txEl>
+                                          </p:spTgt>
+                                        </p:tgtEl>
+                                        <p:attrNameLst>
+                                          <p:attrName>style.visibility</p:attrName>
+                                        </p:attrNameLst>
+                                      </p:cBhvr>
+                                      <p:to>
+                                        <p:strVal val="visible"/>
+                                      </p:to>
+                                    </p:set>
+                                    <p:animEffect transition="in" filter="dissolve">
+                                      <p:cBhvr>
+                                        <p:cTn id="7" dur="500"/>
+                                        <p:tgtEl>
+                                          <p:spTgt spid="3">
+                                            <p:txEl>
+                                              <p:pRg st="3" end="3"/>
+                                            </p:txEl>
+                                          </p:spTgt>
+                                        </p:tgtEl>
+                                      </p:cBhvr>
+                                    </p:animEffect>
+                                  </p:childTnLst>
+                                </p:cTn>
+                              </p:par>
+                            </p:childTnLst>
+                          </p:cTn>
+                        </p:par>
+                      </p:childTnLst>
+                    </p:cTn>
+                  </p:par>
+                  <p:par>
+                    <p:cTn id="8" fill="hold">
+                      <p:stCondLst>
+                        <p:cond delay="indefinite"/>
+                      </p:stCondLst>
+                      <p:childTnLst>
+                        <p:par>
+                          <p:cTn id="9" fill="hold">
+                            <p:stCondLst>
+                              <p:cond delay="0"/>
+                            </p:stCondLst>
+                            <p:childTnLst>
+                              <p:par>
+                                <p:cTn id="10" presetID="9" presetClass="entr" presetSubtype="0" fill="hold" nodeType="clickEffect">
+                                  <p:stCondLst>
+                                    <p:cond delay="0"/>
+                                  </p:stCondLst>
+                                  <p:childTnLst>
+                                    <p:set>
+                                      <p:cBhvr>
+                                        <p:cTn id="11" dur="1" fill="hold">
+                                          <p:stCondLst>
+                                            <p:cond delay="0"/>
+                                          </p:stCondLst>
+                                        </p:cTn>
+                                        <p:tgtEl>
+                                          <p:spTgt spid="3">
+                                            <p:txEl>
+                                              <p:pRg st="4" end="4"/>
+                                            </p:txEl>
+                                          </p:spTgt>
+                                        </p:tgtEl>
+                                        <p:attrNameLst>
+                                          <p:attrName>style.visibility</p:attrName>
+                                        </p:attrNameLst>
+                                      </p:cBhvr>
+                                      <p:to>
+                                        <p:strVal val="visible"/>
+                                      </p:to>
+                                    </p:set>
+                                    <p:animEffect transition="in" filter="dissolve">
+                                      <p:cBhvr>
+                                        <p:cTn id="12" dur="500"/>
+                                        <p:tgtEl>
+                                          <p:spTgt spid="3">
+                                            <p:txEl>
+                                              <p:pRg st="4" end="4"/>
+                                            </p:txEl>
+                                          </p:spTgt>
+                                        </p:tgtEl>
+                                      </p:cBhvr>
+                                    </p:animEffect>
+                                  </p:childTnLst>
+                                </p:cTn>
+                              </p:par>
+                            </p:childTnLst>
+                          </p:cTn>
+                        </p:par>
+                      </p:childTnLst>
+                    </p:cTn>
+                  </p:par>
+                </p:childTnLst>
+              </p:cTn>
+              <p:prevCondLst>
+                <p:cond evt="onPrev" delay="0">
+                  <p:tgtEl>
+                    <p:sldTgt/>
+                  </p:tgtEl>
+                </p:cond>
+              </p:prevCondLst>
+              <p:nextCondLst>
+                <p:cond evt="onNext" delay="0">
+                  <p:tgtEl>
+                    <p:sldTgt/>
+                  </p:tgtEl>
+                </p:cond>
+              </p:nextCondLst>
+            </p:seq>
+          </p:childTnLst>
+        </p:cTn>
+      </p:par>
+    </p:tnLst>
+  </p:timing>
+</p:sld>
+</file>
+
+<file path=ppt/slides/slide8.xml><?xml version="1.0" encoding="utf-8"?>
+<p:sld xmlns:a="http://schemas.openxmlformats.org/drawingml/2006/main" xmlns:r="http://schemas.openxmlformats.org/officeDocument/2006/relationships" xmlns:p="http://schemas.openxmlformats.org/presentationml/2006/main">
+  <p:cSld>
+    <p:spTree>
+      <p:nvGrpSpPr>
+        <p:cNvPr id="1" name=""/>
+        <p:cNvGrpSpPr/>
+        <p:nvPr/>
+      </p:nvGrpSpPr>
+      <p:grpSpPr>
+        <a:xfrm>
+          <a:off x="0" y="0"/>
+          <a:ext cx="0" cy="0"/>
+          <a:chOff x="0" y="0"/>
+          <a:chExt cx="0" cy="0"/>
+        </a:xfrm>
+      </p:grpSpPr>
+      <p:sp>
+        <p:nvSpPr>
+          <p:cNvPr id="2" name="Title 1"/>
+          <p:cNvSpPr>
+            <a:spLocks noGrp="1"/>
+          </p:cNvSpPr>
+          <p:nvPr>
+            <p:ph type="title"/>
+          </p:nvPr>
+        </p:nvSpPr>
+        <p:spPr/>
+        <p:txBody>
+          <a:bodyPr/>
+          <a:lstStyle/>
+          <a:p>
+            <a:r>
+              <a:rPr lang="en-US" dirty="0" smtClean="0"/>
+              <a:t>The Halting Problem</a:t>
+            </a:r>
+            <a:endParaRPr lang="en-US" dirty="0"/>
+          </a:p>
+        </p:txBody>
+      </p:sp>
+      <p:sp>
+        <p:nvSpPr>
+          <p:cNvPr id="3" name="Content Placeholder 2"/>
+          <p:cNvSpPr>
+            <a:spLocks noGrp="1"/>
+          </p:cNvSpPr>
+          <p:nvPr>
+            <p:ph idx="1"/>
+          </p:nvPr>
+        </p:nvSpPr>
+        <p:spPr>
+          <a:xfrm>
+            <a:off x="639555" y="1390139"/>
+            <a:ext cx="7868065" cy="5121739"/>
+          </a:xfrm>
+        </p:spPr>
+        <p:txBody>
+          <a:bodyPr/>
+          <a:lstStyle/>
+          <a:p>
+            <a:r>
+              <a:rPr lang="en-US" sz="4800" dirty="0"/>
+              <a:t>Modify </a:t>
+            </a:r>
+            <a:r>
+              <a:rPr lang="en-US" sz="4800" dirty="0">
+                <a:solidFill>
+                  <a:srgbClr val="9933FF"/>
+                </a:solidFill>
+              </a:rPr>
+              <a:t>Q</a:t>
+            </a:r>
+            <a:r>
+              <a:rPr lang="en-US" sz="4800" dirty="0"/>
+              <a:t> to </a:t>
+            </a:r>
+            <a:r>
+              <a:rPr lang="en-US" sz="4800" dirty="0">
+                <a:solidFill>
+                  <a:srgbClr val="9933FF"/>
+                </a:solidFill>
+              </a:rPr>
+              <a:t>Q'</a:t>
+            </a:r>
+            <a:r>
+              <a:rPr lang="en-US" sz="4800" dirty="0"/>
+              <a:t>:</a:t>
+            </a:r>
+          </a:p>
+          <a:p>
+            <a:r>
+              <a:rPr lang="en-US" sz="4800" dirty="0">
+                <a:solidFill>
+                  <a:srgbClr val="9933FF"/>
+                </a:solidFill>
+              </a:rPr>
+              <a:t>Q'</a:t>
+            </a:r>
+            <a:r>
+              <a:rPr lang="en-US" sz="4800" dirty="0"/>
+              <a:t>(</a:t>
+            </a:r>
+            <a:r>
+              <a:rPr lang="en-US" sz="4800" dirty="0">
+                <a:solidFill>
+                  <a:srgbClr val="0000FF"/>
+                </a:solidFill>
+              </a:rPr>
+              <a:t>s</a:t>
+            </a:r>
+            <a:r>
+              <a:rPr lang="en-US" sz="4800" dirty="0"/>
+              <a:t>) returns "</a:t>
+            </a:r>
+            <a:r>
+              <a:rPr lang="en-US" sz="4800" dirty="0" smtClean="0">
+                <a:solidFill>
+                  <a:srgbClr val="0000FF"/>
+                </a:solidFill>
+              </a:rPr>
+              <a:t>yes</a:t>
+            </a:r>
+            <a:r>
+              <a:rPr lang="en-US" sz="4800" dirty="0" smtClean="0"/>
+              <a:t>”</a:t>
+            </a:r>
+          </a:p>
+          <a:p>
+            <a:r>
+              <a:rPr lang="en-US" sz="4800" dirty="0" smtClean="0"/>
+              <a:t>      if </a:t>
+            </a:r>
+            <a:r>
+              <a:rPr lang="en-US" sz="4800" dirty="0">
+                <a:solidFill>
+                  <a:srgbClr val="9933FF"/>
+                </a:solidFill>
+              </a:rPr>
+              <a:t>Q</a:t>
+            </a:r>
+            <a:r>
+              <a:rPr lang="en-US" sz="4800" dirty="0"/>
+              <a:t>(</a:t>
+            </a:r>
+            <a:r>
+              <a:rPr lang="en-US" sz="4800" dirty="0">
+                <a:solidFill>
+                  <a:srgbClr val="0000FF"/>
+                </a:solidFill>
+              </a:rPr>
+              <a:t>s</a:t>
+            </a:r>
+            <a:r>
+              <a:rPr lang="en-US" sz="4800" dirty="0" smtClean="0"/>
+              <a:t>) returns </a:t>
+            </a:r>
+            <a:r>
+              <a:rPr lang="en-US" sz="4800" dirty="0"/>
+              <a:t>"</a:t>
+            </a:r>
+            <a:r>
+              <a:rPr lang="en-US" sz="4800" dirty="0">
+                <a:solidFill>
+                  <a:srgbClr val="0000FF"/>
+                </a:solidFill>
+              </a:rPr>
+              <a:t>no</a:t>
+            </a:r>
+            <a:r>
+              <a:rPr lang="en-US" sz="4800" dirty="0"/>
+              <a:t>"</a:t>
+            </a:r>
+          </a:p>
+          <a:p>
+            <a:r>
+              <a:rPr lang="en-US" sz="4800" dirty="0"/>
+              <a:t> </a:t>
+            </a:r>
+            <a:r>
+              <a:rPr lang="en-US" sz="4800" dirty="0">
+                <a:solidFill>
+                  <a:srgbClr val="9933FF"/>
+                </a:solidFill>
+              </a:rPr>
+              <a:t>Q'</a:t>
+            </a:r>
+            <a:r>
+              <a:rPr lang="en-US" sz="4800" dirty="0"/>
+              <a:t>(</a:t>
+            </a:r>
+            <a:r>
+              <a:rPr lang="en-US" sz="4800" dirty="0">
+                <a:solidFill>
+                  <a:srgbClr val="0000FF"/>
+                </a:solidFill>
+              </a:rPr>
+              <a:t>s</a:t>
+            </a:r>
+            <a:r>
+              <a:rPr lang="en-US" sz="4800" dirty="0"/>
+              <a:t>)</a:t>
+            </a:r>
+            <a:r>
+              <a:rPr lang="en-US" sz="4800" dirty="0" smtClean="0"/>
+              <a:t> returns nothing</a:t>
+            </a:r>
+          </a:p>
+          <a:p>
+            <a:r>
+              <a:rPr lang="en-US" sz="4800" dirty="0" smtClean="0"/>
+              <a:t>     if </a:t>
+            </a:r>
+            <a:r>
+              <a:rPr lang="en-US" sz="4800" dirty="0">
+                <a:solidFill>
+                  <a:srgbClr val="9933FF"/>
+                </a:solidFill>
+              </a:rPr>
+              <a:t>Q</a:t>
+            </a:r>
+            <a:r>
+              <a:rPr lang="en-US" sz="4800" dirty="0"/>
+              <a:t>(</a:t>
+            </a:r>
+            <a:r>
+              <a:rPr lang="en-US" sz="4800" dirty="0">
+                <a:solidFill>
+                  <a:srgbClr val="0000FF"/>
+                </a:solidFill>
+              </a:rPr>
+              <a:t>s</a:t>
+            </a:r>
+            <a:r>
+              <a:rPr lang="en-US" sz="4800" dirty="0"/>
+              <a:t>) </a:t>
+            </a:r>
+            <a:r>
+              <a:rPr lang="en-US" sz="4800" dirty="0" smtClean="0"/>
+              <a:t>returns </a:t>
+            </a:r>
+            <a:r>
+              <a:rPr lang="en-US" sz="4800" dirty="0"/>
+              <a:t>"</a:t>
+            </a:r>
+            <a:r>
+              <a:rPr lang="en-US" sz="4800" dirty="0" smtClean="0">
+                <a:solidFill>
+                  <a:srgbClr val="0000FF"/>
+                </a:solidFill>
+              </a:rPr>
+              <a:t>yes</a:t>
+            </a:r>
+            <a:r>
+              <a:rPr lang="en-US" sz="4800" dirty="0" smtClean="0"/>
+              <a:t>”</a:t>
+            </a:r>
+            <a:endParaRPr lang="en-US" sz="4800" dirty="0"/>
+          </a:p>
+        </p:txBody>
+      </p:sp>
+    </p:spTree>
+    <p:extLst>
+      <p:ext uri="{BB962C8B-B14F-4D97-AF65-F5344CB8AC3E}">
+        <p14:creationId xmlns:p14="http://schemas.microsoft.com/office/powerpoint/2010/main" val="3527254696"/>
+      </p:ext>
+    </p:extLst>
+  </p:cSld>
+  <p:clrMapOvr>
+    <a:masterClrMapping/>
+  </p:clrMapOvr>
+  <p:transition xmlns:p14="http://schemas.microsoft.com/office/powerpoint/2010/main" spd="slow">
+    <p:fade/>
+  </p:transition>
+  <p:timing>
+    <p:tnLst>
+      <p:par>
+        <p:cTn xmlns:p14="http://schemas.microsoft.com/office/powerpoint/2010/main" id="1" dur="indefinite" restart="never" nodeType="tmRoot">
+          <p:childTnLst>
+            <p:seq concurrent="1" nextAc="seek">
+              <p:cTn id="2" dur="indefinite" nodeType="mainSeq">
+                <p:childTnLst>
+                  <p:par>
+                    <p:cTn id="3" fill="hold">
+                      <p:stCondLst>
+                        <p:cond delay="indefinite"/>
+                      </p:stCondLst>
+                      <p:childTnLst>
+                        <p:par>
+                          <p:cTn id="4" fill="hold">
+                            <p:stCondLst>
+                              <p:cond delay="0"/>
+                            </p:stCondLst>
+                            <p:childTnLst>
+                              <p:par>
+                                <p:cTn id="5" presetID="9" presetClass="entr" presetSubtype="0" fill="hold" nodeType="clickEffect">
+                                  <p:stCondLst>
+                                    <p:cond delay="0"/>
+                                  </p:stCondLst>
+                                  <p:childTnLst>
+                                    <p:set>
+                                      <p:cBhvr>
+                                        <p:cTn id="6" dur="1" fill="hold">
+                                          <p:stCondLst>
+                                            <p:cond delay="0"/>
+                                          </p:stCondLst>
+                                        </p:cTn>
+                                        <p:tgtEl>
+                                          <p:spTgt spid="3">
+                                            <p:txEl>
+                                              <p:pRg st="1" end="1"/>
+                                            </p:txEl>
+                                          </p:spTgt>
+                                        </p:tgtEl>
+                                        <p:attrNameLst>
+                                          <p:attrName>style.visibility</p:attrName>
+                                        </p:attrNameLst>
+                                      </p:cBhvr>
+                                      <p:to>
+                                        <p:strVal val="visible"/>
+                                      </p:to>
+                                    </p:set>
+                                    <p:animEffect transition="in" filter="dissolve">
+                                      <p:cBhvr>
+                                        <p:cTn id="7" dur="500"/>
+                                        <p:tgtEl>
+                                          <p:spTgt spid="3">
+                                            <p:txEl>
+                                              <p:pRg st="1" end="1"/>
+                                            </p:txEl>
+                                          </p:spTgt>
+                                        </p:tgtEl>
+                                      </p:cBhvr>
+                                    </p:animEffect>
+                                  </p:childTnLst>
+                                </p:cTn>
+                              </p:par>
+                              <p:par>
+                                <p:cTn id="8" presetID="9" presetClass="entr" presetSubtype="0" fill="hold" nodeType="withEffect">
+                                  <p:stCondLst>
+                                    <p:cond delay="0"/>
+                                  </p:stCondLst>
+                                  <p:childTnLst>
+                                    <p:set>
+                                      <p:cBhvr>
+                                        <p:cTn id="9" dur="1" fill="hold">
+                                          <p:stCondLst>
+                                            <p:cond delay="0"/>
+                                          </p:stCondLst>
+                                        </p:cTn>
+                                        <p:tgtEl>
+                                          <p:spTgt spid="3">
+                                            <p:txEl>
+                                              <p:pRg st="2" end="2"/>
+                                            </p:txEl>
+                                          </p:spTgt>
+                                        </p:tgtEl>
+                                        <p:attrNameLst>
+                                          <p:attrName>style.visibility</p:attrName>
+                                        </p:attrNameLst>
+                                      </p:cBhvr>
+                                      <p:to>
+                                        <p:strVal val="visible"/>
+                                      </p:to>
+                                    </p:set>
+                                    <p:animEffect transition="in" filter="dissolve">
+                                      <p:cBhvr>
+                                        <p:cTn id="10" dur="500"/>
+                                        <p:tgtEl>
+                                          <p:spTgt spid="3">
+                                            <p:txEl>
+                                              <p:pRg st="2" end="2"/>
+                                            </p:txEl>
+                                          </p:spTgt>
+                                        </p:tgtEl>
+                                      </p:cBhvr>
+                                    </p:animEffect>
+                                  </p:childTnLst>
+                                </p:cTn>
+                              </p:par>
+                            </p:childTnLst>
+                          </p:cTn>
+                        </p:par>
+                      </p:childTnLst>
+                    </p:cTn>
+                  </p:par>
+                  <p:par>
+                    <p:cTn id="11" fill="hold">
+                      <p:stCondLst>
+                        <p:cond delay="indefinite"/>
+                      </p:stCondLst>
+                      <p:childTnLst>
+                        <p:par>
+                          <p:cTn id="12" fill="hold">
+                            <p:stCondLst>
+                              <p:cond delay="0"/>
+                            </p:stCondLst>
+                            <p:childTnLst>
+                              <p:par>
+                                <p:cTn id="13" presetID="9" presetClass="entr" presetSubtype="0" fill="hold" nodeType="clickEffect">
+                                  <p:stCondLst>
+                                    <p:cond delay="0"/>
+                                  </p:stCondLst>
+                                  <p:childTnLst>
+                                    <p:set>
+                                      <p:cBhvr>
+                                        <p:cTn id="14" dur="1" fill="hold">
+                                          <p:stCondLst>
+                                            <p:cond delay="0"/>
+                                          </p:stCondLst>
+                                        </p:cTn>
+                                        <p:tgtEl>
+                                          <p:spTgt spid="3">
+                                            <p:txEl>
+                                              <p:pRg st="3" end="3"/>
+                                            </p:txEl>
+                                          </p:spTgt>
+                                        </p:tgtEl>
+                                        <p:attrNameLst>
+                                          <p:attrName>style.visibility</p:attrName>
+                                        </p:attrNameLst>
+                                      </p:cBhvr>
+                                      <p:to>
+                                        <p:strVal val="visible"/>
+                                      </p:to>
+                                    </p:set>
+                                    <p:animEffect transition="in" filter="dissolve">
+                                      <p:cBhvr>
+                                        <p:cTn id="15" dur="500"/>
+                                        <p:tgtEl>
+                                          <p:spTgt spid="3">
+                                            <p:txEl>
+                                              <p:pRg st="3" end="3"/>
+                                            </p:txEl>
+                                          </p:spTgt>
+                                        </p:tgtEl>
+                                      </p:cBhvr>
+                                    </p:animEffect>
+                                  </p:childTnLst>
+                                </p:cTn>
+                              </p:par>
+                              <p:par>
+                                <p:cTn id="16" presetID="9" presetClass="entr" presetSubtype="0" fill="hold" nodeType="withEffect">
+                                  <p:stCondLst>
+                                    <p:cond delay="0"/>
+                                  </p:stCondLst>
+                                  <p:childTnLst>
+                                    <p:set>
+                                      <p:cBhvr>
+                                        <p:cTn id="17" dur="1" fill="hold">
+                                          <p:stCondLst>
+                                            <p:cond delay="0"/>
+                                          </p:stCondLst>
+                                        </p:cTn>
+                                        <p:tgtEl>
+                                          <p:spTgt spid="3">
+                                            <p:txEl>
+                                              <p:pRg st="4" end="4"/>
+                                            </p:txEl>
+                                          </p:spTgt>
+                                        </p:tgtEl>
+                                        <p:attrNameLst>
+                                          <p:attrName>style.visibility</p:attrName>
+                                        </p:attrNameLst>
+                                      </p:cBhvr>
+                                      <p:to>
+                                        <p:strVal val="visible"/>
+                                      </p:to>
+                                    </p:set>
+                                    <p:animEffect transition="in" filter="dissolve">
+                                      <p:cBhvr>
+                                        <p:cTn id="18" dur="500"/>
+                                        <p:tgtEl>
+                                          <p:spTgt spid="3">
+                                            <p:txEl>
+                                              <p:pRg st="4" end="4"/>
+                                            </p:txEl>
+                                          </p:spTgt>
+                                        </p:tgtEl>
+                                      </p:cBhvr>
+                                    </p:animEffect>
+                                  </p:childTnLst>
+                                </p:cTn>
+                              </p:par>
+                            </p:childTnLst>
+                          </p:cTn>
+                        </p:par>
+                      </p:childTnLst>
+                    </p:cTn>
+                  </p:par>
+                </p:childTnLst>
+              </p:cTn>
+              <p:prevCondLst>
+                <p:cond evt="onPrev" delay="0">
+                  <p:tgtEl>
+                    <p:sldTgt/>
+                  </p:tgtEl>
+                </p:cond>
+              </p:prevCondLst>
+              <p:nextCondLst>
+                <p:cond evt="onNext" delay="0">
+                  <p:tgtEl>
+                    <p:sldTgt/>
+                  </p:tgtEl>
+                </p:cond>
+              </p:nextCondLst>
+            </p:seq>
+          </p:childTnLst>
+        </p:cTn>
+      </p:par>
+    </p:tnLst>
+  </p:timing>
+</p:sld>
+</file>
+
+<file path=ppt/slides/slide9.xml><?xml version="1.0" encoding="utf-8"?>
+<p:sld xmlns:a="http://schemas.openxmlformats.org/drawingml/2006/main" xmlns:r="http://schemas.openxmlformats.org/officeDocument/2006/relationships" xmlns:p="http://schemas.openxmlformats.org/presentationml/2006/main">
+  <p:cSld>
+    <p:spTree>
+      <p:nvGrpSpPr>
+        <p:cNvPr id="1" name=""/>
+        <p:cNvGrpSpPr/>
+        <p:nvPr/>
+      </p:nvGrpSpPr>
+      <p:grpSpPr>
+        <a:xfrm>
+          <a:off x="0" y="0"/>
+          <a:ext cx="0" cy="0"/>
+          <a:chOff x="0" y="0"/>
+          <a:chExt cx="0" cy="0"/>
+        </a:xfrm>
+      </p:grpSpPr>
+      <p:sp>
+        <p:nvSpPr>
+          <p:cNvPr id="2" name="Title 1"/>
+          <p:cNvSpPr>
+            <a:spLocks noGrp="1"/>
+          </p:cNvSpPr>
+          <p:nvPr>
+            <p:ph type="title"/>
+          </p:nvPr>
+        </p:nvSpPr>
+        <p:spPr>
+          <a:xfrm>
+            <a:off x="1660549" y="363538"/>
+            <a:ext cx="6794500" cy="1003300"/>
+          </a:xfrm>
+        </p:spPr>
+        <p:txBody>
+          <a:bodyPr/>
+          <a:lstStyle/>
+          <a:p>
+            <a:r>
+              <a:rPr lang="en-US" dirty="0" smtClean="0"/>
+              <a:t>The Halting Problem</a:t>
+            </a:r>
+            <a:endParaRPr lang="en-US" dirty="0"/>
+          </a:p>
+        </p:txBody>
+      </p:sp>
+      <p:sp>
+        <p:nvSpPr>
+          <p:cNvPr id="3" name="Content Placeholder 2"/>
+          <p:cNvSpPr>
+            <a:spLocks noGrp="1"/>
+          </p:cNvSpPr>
+          <p:nvPr>
+            <p:ph idx="1"/>
+          </p:nvPr>
+        </p:nvSpPr>
+        <p:spPr>
+          <a:xfrm>
+            <a:off x="439025" y="1390139"/>
+            <a:ext cx="8307513" cy="3966405"/>
+          </a:xfrm>
+        </p:spPr>
+        <p:txBody>
+          <a:bodyPr/>
+          <a:lstStyle/>
+          <a:p>
+            <a:r>
+              <a:rPr lang="en-US" sz="6000" dirty="0"/>
+              <a:t>So</a:t>
+            </a:r>
+          </a:p>
+          <a:p>
+            <a:r>
+              <a:rPr lang="en-US" sz="6000" dirty="0"/>
+              <a:t> </a:t>
+            </a:r>
+            <a:r>
+              <a:rPr lang="en-US" sz="6000" dirty="0" smtClean="0">
+                <a:solidFill>
+                  <a:srgbClr val="0000FF"/>
+                </a:solidFill>
+              </a:rPr>
+              <a:t>s</a:t>
+            </a:r>
+            <a:r>
+              <a:rPr lang="en-US" sz="6000" dirty="0" smtClean="0"/>
+              <a:t> </a:t>
+            </a:r>
+            <a:r>
+              <a:rPr lang="en-US" sz="6000" dirty="0">
+                <a:solidFill>
+                  <a:srgbClr val="F50802"/>
+                </a:solidFill>
+              </a:rPr>
+              <a:t>HALTS</a:t>
+            </a:r>
+            <a:r>
+              <a:rPr lang="en-US" sz="6000" dirty="0"/>
+              <a:t> </a:t>
+            </a:r>
+            <a:r>
+              <a:rPr lang="en-US" sz="6000" dirty="0" err="1" smtClean="0"/>
+              <a:t>iff</a:t>
+            </a:r>
+            <a:endParaRPr lang="en-US" sz="6000" dirty="0" smtClean="0"/>
+          </a:p>
+          <a:p>
+            <a:r>
+              <a:rPr lang="en-US" sz="6000" dirty="0">
+                <a:solidFill>
+                  <a:srgbClr val="9933FF"/>
+                </a:solidFill>
+              </a:rPr>
+              <a:t> </a:t>
+            </a:r>
+            <a:r>
+              <a:rPr lang="en-US" sz="6000" dirty="0" smtClean="0">
+                <a:solidFill>
+                  <a:srgbClr val="9933FF"/>
+                </a:solidFill>
+              </a:rPr>
+              <a:t>Q'</a:t>
+            </a:r>
+            <a:r>
+              <a:rPr lang="en-US" sz="6000" dirty="0"/>
+              <a:t>(</a:t>
+            </a:r>
+            <a:r>
+              <a:rPr lang="en-US" sz="6000" dirty="0">
+                <a:solidFill>
+                  <a:srgbClr val="0000FF"/>
+                </a:solidFill>
+              </a:rPr>
+              <a:t>s</a:t>
+            </a:r>
+            <a:r>
+              <a:rPr lang="en-US" sz="6000" dirty="0"/>
+              <a:t>) returns nothing</a:t>
+            </a:r>
+          </a:p>
+        </p:txBody>
+      </p:sp>
+    </p:spTree>
+    <p:extLst>
+      <p:ext uri="{BB962C8B-B14F-4D97-AF65-F5344CB8AC3E}">
+        <p14:creationId xmlns:p14="http://schemas.microsoft.com/office/powerpoint/2010/main" val="3813480936"/>
+      </p:ext>
+    </p:extLst>
+  </p:cSld>
+  <p:clrMapOvr>
+    <a:masterClrMapping/>
+  </p:clrMapOvr>
+  <p:transition xmlns:p14="http://schemas.microsoft.com/office/powerpoint/2010/main" spd="slow">
+    <p:fade/>
+  </p:transition>
+  <p:timing>
+    <p:tnLst>
+      <p:par>
+        <p:cTn xmlns:p14="http://schemas.microsoft.com/office/powerpoint/2010/main" id="1" dur="indefinite" restart="never" nodeType="tmRoot">
+          <p:childTnLst>
+            <p:seq concurrent="1" nextAc="seek">
+              <p:cTn id="2" dur="indefinite" nodeType="mainSeq">
+                <p:childTnLst>
+                  <p:par>
+                    <p:cTn id="3" fill="hold">
+                      <p:stCondLst>
+                        <p:cond delay="indefinite"/>
+                      </p:stCondLst>
+                      <p:childTnLst>
+                        <p:par>
+                          <p:cTn id="4" fill="hold">
+                            <p:stCondLst>
+                              <p:cond delay="0"/>
+                            </p:stCondLst>
+                            <p:childTnLst>
+                              <p:par>
+                                <p:cTn id="5" presetID="9" presetClass="entr" presetSubtype="0" fill="hold" nodeType="clickEffect">
+                                  <p:stCondLst>
+                                    <p:cond delay="0"/>
+                                  </p:stCondLst>
+                                  <p:childTnLst>
+                                    <p:set>
+                                      <p:cBhvr>
+                                        <p:cTn id="6" dur="1" fill="hold">
+                                          <p:stCondLst>
+                                            <p:cond delay="0"/>
+                                          </p:stCondLst>
+                                        </p:cTn>
+                                        <p:tgtEl>
+                                          <p:spTgt spid="3">
+                                            <p:txEl>
+                                              <p:pRg st="2" end="2"/>
+                                            </p:txEl>
+                                          </p:spTgt>
+                                        </p:tgtEl>
+                                        <p:attrNameLst>
+                                          <p:attrName>style.visibility</p:attrName>
+                                        </p:attrNameLst>
+                                      </p:cBhvr>
+                                      <p:to>
+                                        <p:strVal val="visible"/>
+                                      </p:to>
+                                    </p:set>
+                                    <p:animEffect transition="in" filter="dissolve">
+                                      <p:cBhvr>
+                                        <p:cTn id="7" dur="500"/>
+                                        <p:tgtEl>
+                                          <p:spTgt spid="3">
+                                            <p:txEl>
+                                              <p:pRg st="2" end="2"/>
+                                            </p:txEl>
+                                          </p:spTgt>
+                                        </p:tgtEl>
+                                      </p:cBhvr>
+                                    </p:animEffect>
+                                  </p:childTnLst>
+                                </p:cTn>
+                              </p:par>
+                            </p:childTnLst>
+                          </p:cTn>
+                        </p:par>
+                      </p:childTnLst>
+                    </p:cTn>
+                  </p:par>
+                </p:childTnLst>
+              </p:cTn>
+              <p:prevCondLst>
+                <p:cond evt="onPrev" delay="0">
+                  <p:tgtEl>
+                    <p:sldTgt/>
+                  </p:tgtEl>
+                </p:cond>
+              </p:prevCondLst>
+              <p:nextCondLst>
+                <p:cond evt="onNext" delay="0">
+                  <p:tgtEl>
+                    <p:sldTgt/>
+                  </p:tgtEl>
+                </p:cond>
+              </p:nextCondLst>
+            </p:seq>
+          </p:childTnLst>
+        </p:cTn>
       </p:par>
     </p:tnLst>
   </p:timing>

--- a/spring13/slides13/halting-problem.pptx
+++ b/spring13/slides13/halting-problem.pptx
@@ -6,10 +6,10 @@
     <p:sldMasterId id="2147483664" r:id="rId2"/>
   </p:sldMasterIdLst>
   <p:notesMasterIdLst>
-    <p:notesMasterId r:id="rId23"/>
+    <p:notesMasterId r:id="rId24"/>
   </p:notesMasterIdLst>
   <p:handoutMasterIdLst>
-    <p:handoutMasterId r:id="rId24"/>
+    <p:handoutMasterId r:id="rId25"/>
   </p:handoutMasterIdLst>
   <p:sldIdLst>
     <p:sldId id="257" r:id="rId3"/>
@@ -23,20 +23,21 @@
     <p:sldId id="393" r:id="rId11"/>
     <p:sldId id="394" r:id="rId12"/>
     <p:sldId id="395" r:id="rId13"/>
-    <p:sldId id="389" r:id="rId14"/>
-    <p:sldId id="390" r:id="rId15"/>
-    <p:sldId id="380" r:id="rId16"/>
-    <p:sldId id="381" r:id="rId17"/>
-    <p:sldId id="382" r:id="rId18"/>
-    <p:sldId id="383" r:id="rId19"/>
-    <p:sldId id="384" r:id="rId20"/>
-    <p:sldId id="385" r:id="rId21"/>
-    <p:sldId id="386" r:id="rId22"/>
+    <p:sldId id="396" r:id="rId14"/>
+    <p:sldId id="389" r:id="rId15"/>
+    <p:sldId id="390" r:id="rId16"/>
+    <p:sldId id="380" r:id="rId17"/>
+    <p:sldId id="381" r:id="rId18"/>
+    <p:sldId id="382" r:id="rId19"/>
+    <p:sldId id="383" r:id="rId20"/>
+    <p:sldId id="384" r:id="rId21"/>
+    <p:sldId id="385" r:id="rId22"/>
+    <p:sldId id="386" r:id="rId23"/>
   </p:sldIdLst>
   <p:sldSz cx="9144000" cy="6858000" type="screen4x3"/>
   <p:notesSz cx="9601200" cy="7315200"/>
   <p:custDataLst>
-    <p:tags r:id="rId26"/>
+    <p:tags r:id="rId27"/>
   </p:custDataLst>
   <p:defaultTextStyle>
     <a:defPPr>
@@ -4315,8 +4316,8 @@
         </p:nvSpPr>
         <p:spPr bwMode="auto">
           <a:xfrm>
-            <a:off x="628890" y="1413784"/>
-            <a:ext cx="7831206" cy="4954870"/>
+            <a:off x="230915" y="1472150"/>
+            <a:ext cx="8803641" cy="4656994"/>
           </a:xfrm>
           <a:prstGeom prst="rect">
             <a:avLst/>
@@ -4484,15 +4485,15 @@
           </a:lstStyle>
           <a:p>
             <a:r>
-              <a:rPr lang="en-US" sz="4400" dirty="0"/>
+              <a:rPr lang="en-US" dirty="0"/>
               <a:t>P</a:t>
             </a:r>
             <a:r>
-              <a:rPr lang="en-US" sz="4400" dirty="0" smtClean="0"/>
+              <a:rPr lang="en-US" dirty="0" smtClean="0"/>
               <a:t>rocedure to compute </a:t>
             </a:r>
             <a:r>
-              <a:rPr lang="en-US" sz="4400" dirty="0" smtClean="0">
+              <a:rPr lang="en-US" dirty="0" smtClean="0">
                 <a:solidFill>
                   <a:srgbClr val="E45ECA"/>
                 </a:solidFill>
@@ -4500,7 +4501,7 @@
               <a:t>D</a:t>
             </a:r>
             <a:r>
-              <a:rPr lang="en-US" sz="4400" dirty="0" smtClean="0">
+              <a:rPr lang="en-US" dirty="0" smtClean="0">
                 <a:solidFill>
                   <a:srgbClr val="000000"/>
                 </a:solidFill>
@@ -4508,7 +4509,7 @@
               <a:t>(</a:t>
             </a:r>
             <a:r>
-              <a:rPr lang="en-US" sz="4400" dirty="0" smtClean="0">
+              <a:rPr lang="en-US" dirty="0" smtClean="0">
                 <a:solidFill>
                   <a:srgbClr val="0000FF"/>
                 </a:solidFill>
@@ -4516,7 +4517,7 @@
               <a:t>s</a:t>
             </a:r>
             <a:r>
-              <a:rPr lang="en-US" sz="4400" dirty="0" smtClean="0">
+              <a:rPr lang="en-US" dirty="0" smtClean="0">
                 <a:solidFill>
                   <a:srgbClr val="000000"/>
                 </a:solidFill>
@@ -4526,23 +4527,23 @@
           </a:p>
           <a:p>
             <a:r>
-              <a:rPr lang="en-US" sz="4400" dirty="0">
+              <a:rPr lang="en-US" dirty="0" smtClean="0">
                 <a:solidFill>
                   <a:srgbClr val="000000"/>
                 </a:solidFill>
               </a:rPr>
-              <a:t>C</a:t>
-            </a:r>
-            <a:r>
-              <a:rPr lang="en-US" sz="4400" dirty="0" smtClean="0">
+              <a:t>Test </a:t>
+            </a:r>
+            <a:r>
+              <a:rPr lang="en-US" dirty="0" smtClean="0">
                 <a:solidFill>
                   <a:srgbClr val="000000"/>
                 </a:solidFill>
               </a:rPr>
-              <a:t>alculate if </a:t>
-            </a:r>
-            <a:r>
-              <a:rPr lang="en-US" sz="4400" dirty="0">
+              <a:t>if </a:t>
+            </a:r>
+            <a:r>
+              <a:rPr lang="en-US" dirty="0">
                 <a:solidFill>
                   <a:srgbClr val="9751CB"/>
                 </a:solidFill>
@@ -4550,7 +4551,7 @@
               <a:t>compile</a:t>
             </a:r>
             <a:r>
-              <a:rPr lang="en-US" sz="4400" dirty="0">
+              <a:rPr lang="en-US" dirty="0">
                 <a:solidFill>
                   <a:srgbClr val="000000"/>
                 </a:solidFill>
@@ -4558,7 +4559,7 @@
               <a:t>(</a:t>
             </a:r>
             <a:r>
-              <a:rPr lang="en-US" sz="4400" dirty="0">
+              <a:rPr lang="en-US" dirty="0">
                 <a:solidFill>
                   <a:srgbClr val="0000FF"/>
                 </a:solidFill>
@@ -4566,7 +4567,7 @@
               <a:t>s</a:t>
             </a:r>
             <a:r>
-              <a:rPr lang="en-US" sz="4400" dirty="0">
+              <a:rPr lang="en-US" dirty="0" smtClean="0">
                 <a:solidFill>
                   <a:srgbClr val="000000"/>
                 </a:solidFill>
@@ -4574,172 +4575,265 @@
               <a:t>) </a:t>
             </a:r>
             <a:r>
-              <a:rPr lang="en-US" sz="4400" dirty="0" smtClean="0">
+              <a:rPr lang="en-US" dirty="0">
                 <a:solidFill>
                   <a:srgbClr val="000000"/>
                 </a:solidFill>
               </a:rPr>
-              <a:t>halts </a:t>
+              <a:t>applied </a:t>
+            </a:r>
+            <a:r>
+              <a:rPr lang="en-US" dirty="0" smtClean="0">
+                <a:solidFill>
+                  <a:srgbClr val="000000"/>
+                </a:solidFill>
+              </a:rPr>
+              <a:t>to </a:t>
+            </a:r>
+            <a:r>
+              <a:rPr lang="en-US" dirty="0" smtClean="0">
+                <a:solidFill>
+                  <a:srgbClr val="0000FF"/>
+                </a:solidFill>
+              </a:rPr>
+              <a:t>s </a:t>
+            </a:r>
+            <a:r>
+              <a:rPr lang="en-US" dirty="0" smtClean="0"/>
+              <a:t>h</a:t>
+            </a:r>
+            <a:r>
+              <a:rPr lang="en-US" dirty="0" smtClean="0">
+                <a:solidFill>
+                  <a:srgbClr val="000000"/>
+                </a:solidFill>
+              </a:rPr>
+              <a:t>alts</a:t>
+            </a:r>
+            <a:r>
+              <a:rPr lang="en-US" dirty="0" smtClean="0"/>
+              <a:t>.  </a:t>
             </a:r>
           </a:p>
           <a:p>
             <a:r>
-              <a:rPr lang="en-US" sz="4400" dirty="0" smtClean="0">
-                <a:solidFill>
-                  <a:srgbClr val="000000"/>
-                </a:solidFill>
-              </a:rPr>
-              <a:t>when </a:t>
-            </a:r>
-            <a:r>
-              <a:rPr lang="en-US" sz="4400" dirty="0">
-                <a:solidFill>
-                  <a:srgbClr val="000000"/>
-                </a:solidFill>
-              </a:rPr>
-              <a:t>applied to </a:t>
-            </a:r>
-            <a:r>
-              <a:rPr lang="en-US" sz="4400" dirty="0" smtClean="0">
+              <a:rPr lang="en-US" dirty="0" smtClean="0"/>
+              <a:t>If </a:t>
+            </a:r>
+            <a:r>
+              <a:rPr lang="en-US" dirty="0" smtClean="0"/>
+              <a:t>not, </a:t>
+            </a:r>
+            <a:r>
+              <a:rPr lang="en-US" dirty="0" smtClean="0"/>
+              <a:t>halt </a:t>
+            </a:r>
+            <a:r>
+              <a:rPr lang="en-US" dirty="0" smtClean="0"/>
+              <a:t>and </a:t>
+            </a:r>
+            <a:r>
+              <a:rPr lang="en-US" dirty="0" smtClean="0"/>
+              <a:t>return </a:t>
+            </a:r>
+            <a:r>
+              <a:rPr lang="en-US" dirty="0" smtClean="0">
                 <a:solidFill>
                   <a:srgbClr val="0000FF"/>
                 </a:solidFill>
               </a:rPr>
-              <a:t>s</a:t>
-            </a:r>
-            <a:r>
-              <a:rPr lang="en-US" sz="4400" dirty="0" smtClean="0"/>
-              <a:t>.  If not, </a:t>
-            </a:r>
+              <a:t>1.  </a:t>
+            </a:r>
+            <a:endParaRPr lang="en-US" dirty="0" smtClean="0">
+              <a:solidFill>
+                <a:srgbClr val="0000FF"/>
+              </a:solidFill>
+            </a:endParaRPr>
           </a:p>
           <a:p>
             <a:r>
-              <a:rPr lang="en-US" sz="4400" dirty="0" smtClean="0"/>
-              <a:t>halt and return </a:t>
-            </a:r>
-            <a:r>
-              <a:rPr lang="en-US" sz="4400" dirty="0" smtClean="0">
+              <a:rPr lang="en-US" dirty="0" smtClean="0"/>
+              <a:t>If </a:t>
+            </a:r>
+            <a:r>
+              <a:rPr lang="en-US" dirty="0" smtClean="0"/>
+              <a:t>so</a:t>
+            </a:r>
+            <a:r>
+              <a:rPr lang="en-US" dirty="0" smtClean="0"/>
+              <a:t>, </a:t>
+            </a:r>
+            <a:r>
+              <a:rPr lang="en-US" dirty="0" smtClean="0"/>
+              <a:t>apply</a:t>
+            </a:r>
+            <a:r>
+              <a:rPr lang="en-US" dirty="0" smtClean="0"/>
+              <a:t> </a:t>
+            </a:r>
+            <a:r>
+              <a:rPr lang="en-US" dirty="0" smtClean="0">
+                <a:solidFill>
+                  <a:srgbClr val="9751CB"/>
+                </a:solidFill>
+              </a:rPr>
+              <a:t>compile</a:t>
+            </a:r>
+            <a:r>
+              <a:rPr lang="en-US" dirty="0">
+                <a:solidFill>
+                  <a:srgbClr val="000000"/>
+                </a:solidFill>
+              </a:rPr>
+              <a:t>(</a:t>
+            </a:r>
+            <a:r>
+              <a:rPr lang="en-US" dirty="0">
                 <a:solidFill>
                   <a:srgbClr val="0000FF"/>
                 </a:solidFill>
               </a:rPr>
-              <a:t>1.  </a:t>
-            </a:r>
-            <a:r>
-              <a:rPr lang="en-US" sz="4400" dirty="0" smtClean="0"/>
-              <a:t>If so,</a:t>
+              <a:t>s</a:t>
+            </a:r>
+            <a:r>
+              <a:rPr lang="en-US" dirty="0" smtClean="0">
+                <a:solidFill>
+                  <a:srgbClr val="000000"/>
+                </a:solidFill>
+              </a:rPr>
+              <a:t>) to </a:t>
+            </a:r>
+            <a:r>
+              <a:rPr lang="en-US" dirty="0" smtClean="0">
+                <a:solidFill>
+                  <a:srgbClr val="0000FF"/>
+                </a:solidFill>
+              </a:rPr>
+              <a:t>s </a:t>
+            </a:r>
+            <a:r>
+              <a:rPr lang="en-US" dirty="0" smtClean="0">
+                <a:solidFill>
+                  <a:srgbClr val="000000"/>
+                </a:solidFill>
+              </a:rPr>
+              <a:t>and </a:t>
             </a:r>
           </a:p>
           <a:p>
             <a:r>
-              <a:rPr lang="en-US" sz="4400" dirty="0" smtClean="0"/>
-              <a:t>then run </a:t>
-            </a:r>
-            <a:r>
-              <a:rPr lang="en-US" sz="4400" dirty="0">
-                <a:solidFill>
-                  <a:srgbClr val="9751CB"/>
-                </a:solidFill>
-              </a:rPr>
-              <a:t>compile</a:t>
-            </a:r>
-            <a:r>
-              <a:rPr lang="en-US" sz="4400" dirty="0">
+              <a:rPr lang="en-US" dirty="0" smtClean="0">
                 <a:solidFill>
                   <a:srgbClr val="000000"/>
                 </a:solidFill>
               </a:rPr>
-              <a:t>(</a:t>
-            </a:r>
-            <a:r>
-              <a:rPr lang="en-US" sz="4400" dirty="0">
+              <a:t>return </a:t>
+            </a:r>
+            <a:r>
+              <a:rPr lang="en-US" dirty="0" smtClean="0">
                 <a:solidFill>
                   <a:srgbClr val="0000FF"/>
                 </a:solidFill>
               </a:rPr>
-              <a:t>s</a:t>
-            </a:r>
-            <a:r>
-              <a:rPr lang="en-US" sz="4400" dirty="0" smtClean="0">
+              <a:t>1 </a:t>
+            </a:r>
+            <a:r>
+              <a:rPr lang="en-US" dirty="0"/>
+              <a:t>or</a:t>
+            </a:r>
+            <a:r>
+              <a:rPr lang="en-US" dirty="0">
+                <a:solidFill>
+                  <a:srgbClr val="0000FF"/>
+                </a:solidFill>
+              </a:rPr>
+              <a:t> 0 </a:t>
+            </a:r>
+            <a:r>
+              <a:rPr lang="en-US" b="1" dirty="0" smtClean="0">
                 <a:solidFill>
                   <a:srgbClr val="000000"/>
                 </a:solidFill>
-              </a:rPr>
-              <a:t>) and </a:t>
+                <a:latin typeface="Euclid Symbol" charset="2"/>
+                <a:cs typeface="Euclid Symbol" charset="2"/>
+              </a:rPr>
+              <a:t>≠ </a:t>
+            </a:r>
+            <a:r>
+              <a:rPr lang="en-US" dirty="0" smtClean="0">
+                <a:latin typeface="Comic Sans MS"/>
+              </a:rPr>
+              <a:t>value </a:t>
+            </a:r>
+            <a:r>
+              <a:rPr lang="en-US" dirty="0">
+                <a:latin typeface="Comic Sans MS"/>
+              </a:rPr>
+              <a:t>returned </a:t>
+            </a:r>
+            <a:r>
+              <a:rPr lang="en-US" dirty="0" smtClean="0">
+                <a:latin typeface="Comic Sans MS"/>
+              </a:rPr>
+              <a:t>by </a:t>
+            </a:r>
+            <a:r>
+              <a:rPr lang="en-US" dirty="0" smtClean="0">
+                <a:latin typeface="Comic Sans MS"/>
+              </a:rPr>
+              <a:t> </a:t>
             </a:r>
           </a:p>
           <a:p>
             <a:r>
-              <a:rPr lang="en-US" sz="4400" dirty="0" smtClean="0">
+              <a:rPr lang="en-US" dirty="0" smtClean="0">
+                <a:solidFill>
+                  <a:srgbClr val="9751CB"/>
+                </a:solidFill>
+              </a:rPr>
+              <a:t>compile</a:t>
+            </a:r>
+            <a:r>
+              <a:rPr lang="en-US" dirty="0">
                 <a:solidFill>
                   <a:srgbClr val="000000"/>
                 </a:solidFill>
               </a:rPr>
-              <a:t>return </a:t>
-            </a:r>
-            <a:r>
-              <a:rPr lang="en-US" sz="4400" dirty="0">
+              <a:t>(</a:t>
+            </a:r>
+            <a:r>
+              <a:rPr lang="en-US" dirty="0">
                 <a:solidFill>
                   <a:srgbClr val="0000FF"/>
                 </a:solidFill>
               </a:rPr>
-              <a:t>1 </a:t>
-            </a:r>
-            <a:r>
-              <a:rPr lang="en-US" sz="4400" dirty="0"/>
-              <a:t>or</a:t>
-            </a:r>
-            <a:r>
-              <a:rPr lang="en-US" sz="4400" dirty="0">
+              <a:t>s</a:t>
+            </a:r>
+            <a:r>
+              <a:rPr lang="en-US" dirty="0" smtClean="0">
+                <a:solidFill>
+                  <a:srgbClr val="000000"/>
+                </a:solidFill>
+              </a:rPr>
+              <a:t>) applied to </a:t>
+            </a:r>
+            <a:r>
+              <a:rPr lang="en-US" dirty="0">
                 <a:solidFill>
                   <a:srgbClr val="0000FF"/>
                 </a:solidFill>
               </a:rPr>
-              <a:t> 0 </a:t>
-            </a:r>
-            <a:r>
-              <a:rPr lang="en-US" sz="4400" b="1" dirty="0" smtClean="0">
+              <a:t>s</a:t>
+            </a:r>
+            <a:r>
+              <a:rPr lang="en-US" dirty="0" smtClean="0">
                 <a:solidFill>
                   <a:srgbClr val="000000"/>
                 </a:solidFill>
-                <a:latin typeface="Euclid Symbol" charset="2"/>
-                <a:cs typeface="Euclid Symbol" charset="2"/>
-              </a:rPr>
-              <a:t>≠ </a:t>
-            </a:r>
-            <a:r>
-              <a:rPr lang="en-US" sz="4400" dirty="0">
-                <a:solidFill>
-                  <a:srgbClr val="9751CB"/>
-                </a:solidFill>
-              </a:rPr>
-              <a:t>compile</a:t>
-            </a:r>
-            <a:r>
-              <a:rPr lang="en-US" sz="4400" dirty="0">
-                <a:solidFill>
-                  <a:srgbClr val="000000"/>
-                </a:solidFill>
-              </a:rPr>
-              <a:t>(</a:t>
-            </a:r>
-            <a:r>
-              <a:rPr lang="en-US" sz="4400" dirty="0">
-                <a:solidFill>
-                  <a:srgbClr val="0000FF"/>
-                </a:solidFill>
-              </a:rPr>
-              <a:t>s</a:t>
-            </a:r>
-            <a:r>
-              <a:rPr lang="en-US" sz="4400" dirty="0" smtClean="0">
-                <a:solidFill>
-                  <a:srgbClr val="000000"/>
-                </a:solidFill>
-              </a:rPr>
-              <a:t>).</a:t>
-            </a:r>
-            <a:endParaRPr lang="en-US" sz="4400" b="1" dirty="0" smtClean="0">
+              </a:rPr>
+              <a:t>.</a:t>
+            </a:r>
+            <a:endParaRPr lang="en-US" b="1" dirty="0" smtClean="0">
               <a:solidFill>
                 <a:srgbClr val="000000"/>
               </a:solidFill>
@@ -4762,13 +4856,13 @@
   <p:clrMapOvr>
     <a:masterClrMapping/>
   </p:clrMapOvr>
-  <mc:AlternateContent xmlns:mc="http://schemas.openxmlformats.org/markup-compatibility/2006">
-    <mc:Choice xmlns:p14="http://schemas.microsoft.com/office/powerpoint/2010/main" Requires="p14">
+  <mc:AlternateContent xmlns:mc="http://schemas.openxmlformats.org/markup-compatibility/2006" xmlns:p14="http://schemas.microsoft.com/office/powerpoint/2010/main">
+    <mc:Choice Requires="p14">
       <p:transition spd="slow" p14:dur="900">
         <p:fade/>
       </p:transition>
     </mc:Choice>
-    <mc:Fallback>
+    <mc:Fallback xmlns="">
       <p:transition xmlns:p14="http://schemas.microsoft.com/office/powerpoint/2010/main" spd="slow">
         <p:fade/>
       </p:transition>
@@ -4837,15 +4931,33 @@
                                   </p:childTnLst>
                                 </p:cTn>
                               </p:par>
+                            </p:childTnLst>
+                          </p:cTn>
+                        </p:par>
+                      </p:childTnLst>
+                    </p:cTn>
+                  </p:par>
+                  <p:par>
+                    <p:cTn id="8" fill="hold">
+                      <p:stCondLst>
+                        <p:cond delay="indefinite"/>
+                      </p:stCondLst>
+                      <p:childTnLst>
+                        <p:par>
+                          <p:cTn id="9" fill="hold">
+                            <p:stCondLst>
+                              <p:cond delay="0"/>
+                            </p:stCondLst>
+                            <p:childTnLst>
                               <p:par>
-                                <p:cTn id="8" presetID="9" presetClass="entr" presetSubtype="0" fill="hold" nodeType="withEffect">
+                                <p:cTn id="10" presetID="9" presetClass="entr" presetSubtype="0" fill="hold" nodeType="clickEffect">
                                   <p:stCondLst>
                                     <p:cond delay="0"/>
                                   </p:stCondLst>
                                   <p:childTnLst>
                                     <p:set>
                                       <p:cBhvr>
-                                        <p:cTn id="9" dur="1" fill="hold">
+                                        <p:cTn id="11" dur="1" fill="hold">
                                           <p:stCondLst>
                                             <p:cond delay="0"/>
                                           </p:stCondLst>
@@ -4867,7 +4979,7 @@
                                     </p:set>
                                     <p:animEffect transition="in" filter="dissolve">
                                       <p:cBhvr>
-                                        <p:cTn id="10" dur="500"/>
+                                        <p:cTn id="12" dur="500"/>
                                         <p:tgtEl>
                                           <p:spTgt spid="15">
                                             <p:txEl>
@@ -4887,26 +4999,26 @@
                     </p:cTn>
                   </p:par>
                   <p:par>
-                    <p:cTn id="11" fill="hold">
+                    <p:cTn id="13" fill="hold">
                       <p:stCondLst>
                         <p:cond delay="indefinite"/>
                       </p:stCondLst>
                       <p:childTnLst>
                         <p:par>
-                          <p:cTn id="12" fill="hold">
+                          <p:cTn id="14" fill="hold">
                             <p:stCondLst>
                               <p:cond delay="0"/>
                             </p:stCondLst>
                             <p:childTnLst>
                               <p:par>
-                                <p:cTn id="13" presetID="9" presetClass="entr" presetSubtype="0" fill="hold" nodeType="clickEffect">
+                                <p:cTn id="15" presetID="9" presetClass="entr" presetSubtype="0" fill="hold" nodeType="clickEffect">
                                   <p:stCondLst>
                                     <p:cond delay="0"/>
                                   </p:stCondLst>
                                   <p:childTnLst>
                                     <p:set>
                                       <p:cBhvr>
-                                        <p:cTn id="14" dur="1" fill="hold">
+                                        <p:cTn id="16" dur="1" fill="hold">
                                           <p:stCondLst>
                                             <p:cond delay="0"/>
                                           </p:stCondLst>
@@ -4928,7 +5040,7 @@
                                     </p:set>
                                     <p:animEffect transition="in" filter="dissolve">
                                       <p:cBhvr>
-                                        <p:cTn id="15" dur="500"/>
+                                        <p:cTn id="17" dur="1000"/>
                                         <p:tgtEl>
                                           <p:spTgt spid="15">
                                             <p:txEl>
@@ -4948,26 +5060,26 @@
                     </p:cTn>
                   </p:par>
                   <p:par>
-                    <p:cTn id="16" fill="hold">
+                    <p:cTn id="18" fill="hold">
                       <p:stCondLst>
                         <p:cond delay="indefinite"/>
                       </p:stCondLst>
                       <p:childTnLst>
                         <p:par>
-                          <p:cTn id="17" fill="hold">
+                          <p:cTn id="19" fill="hold">
                             <p:stCondLst>
                               <p:cond delay="0"/>
                             </p:stCondLst>
                             <p:childTnLst>
                               <p:par>
-                                <p:cTn id="18" presetID="9" presetClass="entr" presetSubtype="0" fill="hold" nodeType="clickEffect">
+                                <p:cTn id="20" presetID="9" presetClass="entr" presetSubtype="0" fill="hold" nodeType="clickEffect">
                                   <p:stCondLst>
                                     <p:cond delay="0"/>
                                   </p:stCondLst>
                                   <p:childTnLst>
                                     <p:set>
                                       <p:cBhvr>
-                                        <p:cTn id="19" dur="1" fill="hold">
+                                        <p:cTn id="21" dur="1" fill="hold">
                                           <p:stCondLst>
                                             <p:cond delay="0"/>
                                           </p:stCondLst>
@@ -4989,7 +5101,7 @@
                                     </p:set>
                                     <p:animEffect transition="in" filter="dissolve">
                                       <p:cBhvr>
-                                        <p:cTn id="20" dur="500"/>
+                                        <p:cTn id="22" dur="500"/>
                                         <p:tgtEl>
                                           <p:spTgt spid="15">
                                             <p:txEl>
@@ -5006,20 +5118,20 @@
                           </p:cTn>
                         </p:par>
                         <p:par>
-                          <p:cTn id="21" fill="hold">
+                          <p:cTn id="23" fill="hold">
                             <p:stCondLst>
                               <p:cond delay="500"/>
                             </p:stCondLst>
                             <p:childTnLst>
                               <p:par>
-                                <p:cTn id="22" presetID="9" presetClass="entr" presetSubtype="0" fill="hold" nodeType="afterEffect">
+                                <p:cTn id="24" presetID="9" presetClass="entr" presetSubtype="0" fill="hold" nodeType="afterEffect">
                                   <p:stCondLst>
                                     <p:cond delay="0"/>
                                   </p:stCondLst>
                                   <p:childTnLst>
                                     <p:set>
                                       <p:cBhvr>
-                                        <p:cTn id="23" dur="1" fill="hold">
+                                        <p:cTn id="25" dur="1" fill="hold">
                                           <p:stCondLst>
                                             <p:cond delay="0"/>
                                           </p:stCondLst>
@@ -5041,7 +5153,7 @@
                                     </p:set>
                                     <p:animEffect transition="in" filter="dissolve">
                                       <p:cBhvr>
-                                        <p:cTn id="24" dur="500"/>
+                                        <p:cTn id="26" dur="1000"/>
                                         <p:tgtEl>
                                           <p:spTgt spid="15">
                                             <p:txEl>
@@ -5168,8 +5280,8 @@
         </p:nvSpPr>
         <p:spPr bwMode="auto">
           <a:xfrm>
-            <a:off x="628890" y="1499070"/>
-            <a:ext cx="8060358" cy="4468562"/>
+            <a:off x="144323" y="1691511"/>
+            <a:ext cx="8880611" cy="3302252"/>
           </a:xfrm>
           <a:prstGeom prst="rect">
             <a:avLst/>
@@ -5358,7 +5470,16 @@
             </a:r>
             <a:r>
               <a:rPr lang="en-US" sz="4400" dirty="0" smtClean="0"/>
-              <a:t>,</a:t>
+              <a:t>, </a:t>
+            </a:r>
+            <a:r>
+              <a:rPr lang="en-US" sz="4400" dirty="0" smtClean="0">
+                <a:solidFill>
+                  <a:srgbClr val="000000"/>
+                </a:solidFill>
+                <a:latin typeface="Comic Sans MS"/>
+              </a:rPr>
+              <a:t>so </a:t>
             </a:r>
           </a:p>
           <a:p>
@@ -5369,7 +5490,25 @@
                 </a:solidFill>
                 <a:latin typeface="Comic Sans MS"/>
               </a:rPr>
-              <a:t>so there must not be a way to</a:t>
+              <a:t>there </a:t>
+            </a:r>
+            <a:r>
+              <a:rPr lang="en-US" sz="4400" dirty="0" smtClean="0">
+                <a:solidFill>
+                  <a:srgbClr val="000000"/>
+                </a:solidFill>
+                <a:latin typeface="Comic Sans MS"/>
+              </a:rPr>
+              <a:t>must not be a way </a:t>
+            </a:r>
+            <a:r>
+              <a:rPr lang="en-US" sz="4400" dirty="0" smtClean="0">
+                <a:solidFill>
+                  <a:srgbClr val="000000"/>
+                </a:solidFill>
+                <a:latin typeface="Comic Sans MS"/>
+              </a:rPr>
+              <a:t>to test</a:t>
             </a:r>
           </a:p>
           <a:p>
@@ -5380,7 +5519,7 @@
                 </a:solidFill>
                 <a:latin typeface="Comic Sans MS"/>
               </a:rPr>
-              <a:t>calculate whether </a:t>
+              <a:t>whether </a:t>
             </a:r>
             <a:r>
               <a:rPr lang="en-US" sz="4400" dirty="0" smtClean="0">
@@ -5414,10 +5553,28 @@
               </a:rPr>
               <a:t>) </a:t>
             </a:r>
-            <a:endParaRPr lang="en-US" sz="4400" dirty="0" smtClean="0">
+            <a:r>
+              <a:rPr lang="en-US" sz="4400" dirty="0">
+                <a:solidFill>
+                  <a:srgbClr val="000000"/>
+                </a:solidFill>
+              </a:rPr>
+              <a:t>applied to </a:t>
+            </a:r>
+            <a:r>
+              <a:rPr lang="en-US" sz="4400" dirty="0" smtClean="0">
+                <a:solidFill>
+                  <a:srgbClr val="0000FF"/>
+                </a:solidFill>
+              </a:rPr>
+              <a:t>s</a:t>
+            </a:r>
+            <a:endParaRPr lang="en-US" sz="4400" b="1" dirty="0">
               <a:solidFill>
                 <a:srgbClr val="000000"/>
               </a:solidFill>
+              <a:latin typeface="Euclid Symbol" charset="2"/>
+              <a:cs typeface="Euclid Symbol" charset="2"/>
             </a:endParaRPr>
           </a:p>
           <a:p>
@@ -5427,7 +5584,7 @@
                   <a:srgbClr val="000000"/>
                 </a:solidFill>
               </a:rPr>
-              <a:t>halted </a:t>
+              <a:t>halts </a:t>
             </a:r>
             <a:r>
               <a:rPr lang="en-US" sz="4400" dirty="0">
@@ -5435,22 +5592,15 @@
                   <a:srgbClr val="000000"/>
                 </a:solidFill>
               </a:rPr>
-              <a:t>and returned a value </a:t>
-            </a:r>
-            <a:endParaRPr lang="en-US" sz="4400" dirty="0" smtClean="0">
-              <a:solidFill>
-                <a:srgbClr val="000000"/>
-              </a:solidFill>
-            </a:endParaRPr>
-          </a:p>
-          <a:p>
+              <a:t>and </a:t>
+            </a:r>
             <a:r>
               <a:rPr lang="en-US" sz="4400" dirty="0" smtClean="0">
                 <a:solidFill>
                   <a:srgbClr val="000000"/>
                 </a:solidFill>
               </a:rPr>
-              <a:t>when </a:t>
+              <a:t>returns </a:t>
             </a:r>
             <a:r>
               <a:rPr lang="en-US" sz="4400" dirty="0">
@@ -5458,31 +5608,15 @@
                   <a:srgbClr val="000000"/>
                 </a:solidFill>
               </a:rPr>
-              <a:t>applied to </a:t>
-            </a:r>
-            <a:r>
-              <a:rPr lang="en-US" sz="4400" dirty="0">
-                <a:solidFill>
-                  <a:srgbClr val="0000FF"/>
-                </a:solidFill>
-              </a:rPr>
-              <a:t>s</a:t>
+              <a:t>a </a:t>
             </a:r>
             <a:r>
               <a:rPr lang="en-US" sz="4400" dirty="0" smtClean="0">
                 <a:solidFill>
-                  <a:srgbClr val="0000FF"/>
-                </a:solidFill>
-              </a:rPr>
-              <a:t>’</a:t>
-            </a:r>
-            <a:r>
-              <a:rPr lang="en-US" sz="4400" dirty="0" smtClean="0">
-                <a:solidFill>
                   <a:srgbClr val="000000"/>
                 </a:solidFill>
               </a:rPr>
-              <a:t>.</a:t>
+              <a:t>value. </a:t>
             </a:r>
             <a:endParaRPr lang="en-US" sz="4400" b="1" dirty="0" smtClean="0">
               <a:solidFill>
@@ -5560,11 +5694,577 @@
                                     </p:set>
                                     <p:animEffect transition="in" filter="dissolve">
                                       <p:cBhvr>
-                                        <p:cTn id="7" dur="500"/>
+                                        <p:cTn id="7" dur="1000"/>
                                         <p:tgtEl>
                                           <p:spTgt spid="15">
                                             <p:txEl>
                                               <p:pRg st="1" end="1"/>
+                                            </p:txEl>
+                                          </p:spTgt>
+                                        </p:tgtEl>
+                                      </p:cBhvr>
+                                    </p:animEffect>
+                                  </p:childTnLst>
+                                </p:cTn>
+                              </p:par>
+                            </p:childTnLst>
+                          </p:cTn>
+                        </p:par>
+                        <p:par>
+                          <p:cTn id="8" fill="hold">
+                            <p:stCondLst>
+                              <p:cond delay="1000"/>
+                            </p:stCondLst>
+                            <p:childTnLst>
+                              <p:par>
+                                <p:cTn id="9" presetID="9" presetClass="entr" presetSubtype="0" fill="hold" nodeType="afterEffect">
+                                  <p:stCondLst>
+                                    <p:cond delay="0"/>
+                                  </p:stCondLst>
+                                  <p:childTnLst>
+                                    <p:set>
+                                      <p:cBhvr>
+                                        <p:cTn id="10" dur="1" fill="hold">
+                                          <p:stCondLst>
+                                            <p:cond delay="0"/>
+                                          </p:stCondLst>
+                                        </p:cTn>
+                                        <p:tgtEl>
+                                          <p:spTgt spid="15">
+                                            <p:txEl>
+                                              <p:pRg st="2" end="2"/>
+                                            </p:txEl>
+                                          </p:spTgt>
+                                        </p:tgtEl>
+                                        <p:attrNameLst>
+                                          <p:attrName>style.visibility</p:attrName>
+                                        </p:attrNameLst>
+                                      </p:cBhvr>
+                                      <p:to>
+                                        <p:strVal val="visible"/>
+                                      </p:to>
+                                    </p:set>
+                                    <p:animEffect transition="in" filter="dissolve">
+                                      <p:cBhvr>
+                                        <p:cTn id="11" dur="500"/>
+                                        <p:tgtEl>
+                                          <p:spTgt spid="15">
+                                            <p:txEl>
+                                              <p:pRg st="2" end="2"/>
+                                            </p:txEl>
+                                          </p:spTgt>
+                                        </p:tgtEl>
+                                      </p:cBhvr>
+                                    </p:animEffect>
+                                  </p:childTnLst>
+                                </p:cTn>
+                              </p:par>
+                            </p:childTnLst>
+                          </p:cTn>
+                        </p:par>
+                        <p:par>
+                          <p:cTn id="12" fill="hold">
+                            <p:stCondLst>
+                              <p:cond delay="1500"/>
+                            </p:stCondLst>
+                            <p:childTnLst>
+                              <p:par>
+                                <p:cTn id="13" presetID="9" presetClass="entr" presetSubtype="0" fill="hold" nodeType="afterEffect">
+                                  <p:stCondLst>
+                                    <p:cond delay="0"/>
+                                  </p:stCondLst>
+                                  <p:childTnLst>
+                                    <p:set>
+                                      <p:cBhvr>
+                                        <p:cTn id="14" dur="1" fill="hold">
+                                          <p:stCondLst>
+                                            <p:cond delay="0"/>
+                                          </p:stCondLst>
+                                        </p:cTn>
+                                        <p:tgtEl>
+                                          <p:spTgt spid="15">
+                                            <p:txEl>
+                                              <p:pRg st="3" end="3"/>
+                                            </p:txEl>
+                                          </p:spTgt>
+                                        </p:tgtEl>
+                                        <p:attrNameLst>
+                                          <p:attrName>style.visibility</p:attrName>
+                                        </p:attrNameLst>
+                                      </p:cBhvr>
+                                      <p:to>
+                                        <p:strVal val="visible"/>
+                                      </p:to>
+                                    </p:set>
+                                    <p:animEffect transition="in" filter="dissolve">
+                                      <p:cBhvr>
+                                        <p:cTn id="15" dur="500"/>
+                                        <p:tgtEl>
+                                          <p:spTgt spid="15">
+                                            <p:txEl>
+                                              <p:pRg st="3" end="3"/>
+                                            </p:txEl>
+                                          </p:spTgt>
+                                        </p:tgtEl>
+                                      </p:cBhvr>
+                                    </p:animEffect>
+                                  </p:childTnLst>
+                                </p:cTn>
+                              </p:par>
+                            </p:childTnLst>
+                          </p:cTn>
+                        </p:par>
+                      </p:childTnLst>
+                    </p:cTn>
+                  </p:par>
+                </p:childTnLst>
+              </p:cTn>
+              <p:prevCondLst>
+                <p:cond evt="onPrev" delay="0">
+                  <p:tgtEl>
+                    <p:sldTgt/>
+                  </p:tgtEl>
+                </p:cond>
+              </p:prevCondLst>
+              <p:nextCondLst>
+                <p:cond evt="onNext" delay="0">
+                  <p:tgtEl>
+                    <p:sldTgt/>
+                  </p:tgtEl>
+                </p:cond>
+              </p:nextCondLst>
+            </p:seq>
+          </p:childTnLst>
+        </p:cTn>
+      </p:par>
+    </p:tnLst>
+  </p:timing>
+</p:sld>
+</file>
+
+<file path=ppt/slides/slide12.xml><?xml version="1.0" encoding="utf-8"?>
+<p:sld xmlns:a="http://schemas.openxmlformats.org/drawingml/2006/main" xmlns:r="http://schemas.openxmlformats.org/officeDocument/2006/relationships" xmlns:p="http://schemas.openxmlformats.org/presentationml/2006/main">
+  <p:cSld>
+    <p:spTree>
+      <p:nvGrpSpPr>
+        <p:cNvPr id="1" name=""/>
+        <p:cNvGrpSpPr/>
+        <p:nvPr/>
+      </p:nvGrpSpPr>
+      <p:grpSpPr>
+        <a:xfrm>
+          <a:off x="0" y="0"/>
+          <a:ext cx="0" cy="0"/>
+          <a:chOff x="0" y="0"/>
+          <a:chExt cx="0" cy="0"/>
+        </a:xfrm>
+      </p:grpSpPr>
+      <p:sp>
+        <p:nvSpPr>
+          <p:cNvPr id="3" name="Content Placeholder 2"/>
+          <p:cNvSpPr>
+            <a:spLocks noGrp="1"/>
+          </p:cNvSpPr>
+          <p:nvPr>
+            <p:ph idx="1"/>
+          </p:nvPr>
+        </p:nvSpPr>
+        <p:spPr>
+          <a:xfrm>
+            <a:off x="352331" y="1355532"/>
+            <a:ext cx="8229600" cy="4525963"/>
+          </a:xfrm>
+        </p:spPr>
+        <p:txBody>
+          <a:bodyPr/>
+          <a:lstStyle/>
+          <a:p>
+            <a:r>
+              <a:rPr lang="en-US" dirty="0" smtClean="0"/>
+              <a:t> </a:t>
+            </a:r>
+            <a:endParaRPr lang="en-US" dirty="0"/>
+          </a:p>
+        </p:txBody>
+      </p:sp>
+      <p:sp>
+        <p:nvSpPr>
+          <p:cNvPr id="14" name="Title 1"/>
+          <p:cNvSpPr>
+            <a:spLocks noGrp="1"/>
+          </p:cNvSpPr>
+          <p:nvPr>
+            <p:ph type="title"/>
+          </p:nvPr>
+        </p:nvSpPr>
+        <p:spPr>
+          <a:xfrm>
+            <a:off x="1651000" y="363538"/>
+            <a:ext cx="6794500" cy="1003300"/>
+          </a:xfrm>
+        </p:spPr>
+        <p:txBody>
+          <a:bodyPr/>
+          <a:lstStyle/>
+          <a:p>
+            <a:r>
+              <a:rPr lang="en-US" dirty="0" smtClean="0"/>
+              <a:t>The Halting Problem</a:t>
+            </a:r>
+            <a:endParaRPr lang="en-US" dirty="0"/>
+          </a:p>
+        </p:txBody>
+      </p:sp>
+      <p:sp>
+        <p:nvSpPr>
+          <p:cNvPr id="15" name="Content Placeholder 2"/>
+          <p:cNvSpPr txBox="1">
+            <a:spLocks/>
+          </p:cNvSpPr>
+          <p:nvPr/>
+        </p:nvSpPr>
+        <p:spPr bwMode="auto">
+          <a:xfrm>
+            <a:off x="259776" y="1393229"/>
+            <a:ext cx="8543860" cy="4110487"/>
+          </a:xfrm>
+          <a:prstGeom prst="rect">
+            <a:avLst/>
+          </a:prstGeom>
+          <a:noFill/>
+          <a:ln w="9525">
+            <a:noFill/>
+            <a:miter lim="800000"/>
+            <a:headEnd/>
+            <a:tailEnd/>
+          </a:ln>
+          <a:effectLst/>
+        </p:spPr>
+        <p:txBody>
+          <a:bodyPr vert="horz" wrap="square" lIns="91440" tIns="45720" rIns="91440" bIns="45720" numCol="1" anchor="t" anchorCtr="0" compatLnSpc="1">
+            <a:prstTxWarp prst="textNoShape">
+              <a:avLst/>
+            </a:prstTxWarp>
+          </a:bodyPr>
+          <a:lstStyle>
+            <a:lvl1pPr marL="342900" indent="-342900" algn="l" rtl="0" fontAlgn="base">
+              <a:spcBef>
+                <a:spcPct val="20000"/>
+              </a:spcBef>
+              <a:spcAft>
+                <a:spcPct val="0"/>
+              </a:spcAft>
+              <a:defRPr sz="4000">
+                <a:solidFill>
+                  <a:schemeClr val="tx1"/>
+                </a:solidFill>
+                <a:latin typeface="Comic Sans MS" pitchFamily="66" charset="0"/>
+                <a:ea typeface="+mn-ea"/>
+                <a:cs typeface="Comic Sans MS"/>
+              </a:defRPr>
+            </a:lvl1pPr>
+            <a:lvl2pPr marL="742950" indent="-285750" algn="l" rtl="0" fontAlgn="base">
+              <a:spcBef>
+                <a:spcPct val="20000"/>
+              </a:spcBef>
+              <a:spcAft>
+                <a:spcPct val="0"/>
+              </a:spcAft>
+              <a:buChar char="–"/>
+              <a:defRPr sz="3600">
+                <a:solidFill>
+                  <a:schemeClr val="tx1"/>
+                </a:solidFill>
+                <a:latin typeface="Comic Sans MS" pitchFamily="66" charset="0"/>
+                <a:cs typeface="Comic Sans MS"/>
+              </a:defRPr>
+            </a:lvl2pPr>
+            <a:lvl3pPr marL="1143000" indent="-228600" algn="l" rtl="0" fontAlgn="base">
+              <a:spcBef>
+                <a:spcPct val="20000"/>
+              </a:spcBef>
+              <a:spcAft>
+                <a:spcPct val="0"/>
+              </a:spcAft>
+              <a:buChar char="•"/>
+              <a:defRPr sz="3200">
+                <a:solidFill>
+                  <a:schemeClr val="tx1"/>
+                </a:solidFill>
+                <a:latin typeface="Comic Sans MS" pitchFamily="66" charset="0"/>
+                <a:cs typeface="Comic Sans MS"/>
+              </a:defRPr>
+            </a:lvl3pPr>
+            <a:lvl4pPr marL="1600200" indent="-228600" algn="l" rtl="0" fontAlgn="base">
+              <a:spcBef>
+                <a:spcPct val="20000"/>
+              </a:spcBef>
+              <a:spcAft>
+                <a:spcPct val="0"/>
+              </a:spcAft>
+              <a:buChar char="–"/>
+              <a:defRPr sz="2800">
+                <a:solidFill>
+                  <a:schemeClr val="tx1"/>
+                </a:solidFill>
+                <a:latin typeface="Comic Sans MS" pitchFamily="66" charset="0"/>
+                <a:cs typeface="Comic Sans MS"/>
+              </a:defRPr>
+            </a:lvl4pPr>
+            <a:lvl5pPr marL="2057400" indent="-228600" algn="l" rtl="0" fontAlgn="base">
+              <a:spcBef>
+                <a:spcPct val="20000"/>
+              </a:spcBef>
+              <a:spcAft>
+                <a:spcPct val="0"/>
+              </a:spcAft>
+              <a:buChar char="»"/>
+              <a:defRPr sz="2800">
+                <a:solidFill>
+                  <a:schemeClr val="tx1"/>
+                </a:solidFill>
+                <a:latin typeface="Comic Sans MS" pitchFamily="66" charset="0"/>
+                <a:cs typeface="Comic Sans MS"/>
+              </a:defRPr>
+            </a:lvl5pPr>
+            <a:lvl6pPr marL="2514600" indent="-228600" algn="l" rtl="0" fontAlgn="base">
+              <a:spcBef>
+                <a:spcPct val="20000"/>
+              </a:spcBef>
+              <a:spcAft>
+                <a:spcPct val="0"/>
+              </a:spcAft>
+              <a:buChar char="»"/>
+              <a:defRPr sz="2000">
+                <a:solidFill>
+                  <a:schemeClr val="tx1"/>
+                </a:solidFill>
+                <a:latin typeface="+mn-lt"/>
+                <a:cs typeface="+mn-cs"/>
+              </a:defRPr>
+            </a:lvl6pPr>
+            <a:lvl7pPr marL="2971800" indent="-228600" algn="l" rtl="0" fontAlgn="base">
+              <a:spcBef>
+                <a:spcPct val="20000"/>
+              </a:spcBef>
+              <a:spcAft>
+                <a:spcPct val="0"/>
+              </a:spcAft>
+              <a:buChar char="»"/>
+              <a:defRPr sz="2000">
+                <a:solidFill>
+                  <a:schemeClr val="tx1"/>
+                </a:solidFill>
+                <a:latin typeface="+mn-lt"/>
+                <a:cs typeface="+mn-cs"/>
+              </a:defRPr>
+            </a:lvl7pPr>
+            <a:lvl8pPr marL="3429000" indent="-228600" algn="l" rtl="0" fontAlgn="base">
+              <a:spcBef>
+                <a:spcPct val="20000"/>
+              </a:spcBef>
+              <a:spcAft>
+                <a:spcPct val="0"/>
+              </a:spcAft>
+              <a:buChar char="»"/>
+              <a:defRPr sz="2000">
+                <a:solidFill>
+                  <a:schemeClr val="tx1"/>
+                </a:solidFill>
+                <a:latin typeface="+mn-lt"/>
+                <a:cs typeface="+mn-cs"/>
+              </a:defRPr>
+            </a:lvl8pPr>
+            <a:lvl9pPr marL="3886200" indent="-228600" algn="l" rtl="0" fontAlgn="base">
+              <a:spcBef>
+                <a:spcPct val="20000"/>
+              </a:spcBef>
+              <a:spcAft>
+                <a:spcPct val="0"/>
+              </a:spcAft>
+              <a:buChar char="»"/>
+              <a:defRPr sz="2000">
+                <a:solidFill>
+                  <a:schemeClr val="tx1"/>
+                </a:solidFill>
+                <a:latin typeface="+mn-lt"/>
+                <a:cs typeface="+mn-cs"/>
+              </a:defRPr>
+            </a:lvl9pPr>
+          </a:lstStyle>
+          <a:p>
+            <a:r>
+              <a:rPr lang="en-US" sz="4400" dirty="0" smtClean="0">
+                <a:latin typeface="Comic Sans MS"/>
+              </a:rPr>
+              <a:t>There is no test procedure for </a:t>
+            </a:r>
+          </a:p>
+          <a:p>
+            <a:r>
+              <a:rPr lang="en-US" sz="4400" dirty="0" smtClean="0">
+                <a:latin typeface="Comic Sans MS"/>
+              </a:rPr>
+              <a:t>halting of arbitrary procedures.</a:t>
+            </a:r>
+          </a:p>
+          <a:p>
+            <a:pPr algn="ctr"/>
+            <a:r>
+              <a:rPr lang="en-US" sz="4400" dirty="0" smtClean="0">
+                <a:latin typeface="Comic Sans MS"/>
+              </a:rPr>
+              <a:t>The </a:t>
+            </a:r>
+            <a:r>
+              <a:rPr lang="en-US" sz="4400" dirty="0" smtClean="0">
+                <a:solidFill>
+                  <a:srgbClr val="008000"/>
+                </a:solidFill>
+                <a:latin typeface="Comic Sans MS"/>
+              </a:rPr>
+              <a:t>Halting Problem</a:t>
+            </a:r>
+          </a:p>
+          <a:p>
+            <a:pPr algn="ctr"/>
+            <a:r>
+              <a:rPr lang="en-US" sz="4400" dirty="0" smtClean="0">
+                <a:solidFill>
+                  <a:srgbClr val="000000"/>
+                </a:solidFill>
+                <a:latin typeface="Comic Sans MS"/>
+              </a:rPr>
+              <a:t>is</a:t>
+            </a:r>
+            <a:r>
+              <a:rPr lang="en-US" sz="4400" dirty="0" smtClean="0">
+                <a:solidFill>
+                  <a:srgbClr val="008000"/>
+                </a:solidFill>
+                <a:latin typeface="Comic Sans MS"/>
+              </a:rPr>
+              <a:t> </a:t>
+            </a:r>
+            <a:r>
+              <a:rPr lang="en-US" sz="4400" dirty="0" smtClean="0">
+                <a:solidFill>
+                  <a:srgbClr val="F50802"/>
+                </a:solidFill>
+                <a:latin typeface="Comic Sans MS"/>
+              </a:rPr>
+              <a:t>not </a:t>
+            </a:r>
+            <a:r>
+              <a:rPr lang="en-US" sz="4400" dirty="0" smtClean="0">
+                <a:solidFill>
+                  <a:srgbClr val="F50802"/>
+                </a:solidFill>
+                <a:latin typeface="Comic Sans MS"/>
+              </a:rPr>
+              <a:t>decida</a:t>
+            </a:r>
+            <a:r>
+              <a:rPr lang="en-US" sz="4400" dirty="0" smtClean="0">
+                <a:solidFill>
+                  <a:srgbClr val="F50802"/>
+                </a:solidFill>
+                <a:latin typeface="Comic Sans MS"/>
+              </a:rPr>
+              <a:t>ble</a:t>
+            </a:r>
+          </a:p>
+          <a:p>
+            <a:pPr algn="ctr"/>
+            <a:r>
+              <a:rPr lang="en-US" sz="4400" dirty="0" smtClean="0">
+                <a:solidFill>
+                  <a:srgbClr val="000000"/>
+                </a:solidFill>
+                <a:latin typeface="Comic Sans MS"/>
+              </a:rPr>
+              <a:t>(by computer programs)</a:t>
+            </a:r>
+            <a:endParaRPr lang="en-US" sz="4400" dirty="0" smtClean="0">
+              <a:solidFill>
+                <a:srgbClr val="000000"/>
+              </a:solidFill>
+              <a:latin typeface="Comic Sans MS"/>
+            </a:endParaRPr>
+          </a:p>
+        </p:txBody>
+      </p:sp>
+    </p:spTree>
+    <p:custDataLst>
+      <p:tags r:id="rId1"/>
+    </p:custDataLst>
+    <p:extLst>
+      <p:ext uri="{BB962C8B-B14F-4D97-AF65-F5344CB8AC3E}">
+        <p14:creationId xmlns:p14="http://schemas.microsoft.com/office/powerpoint/2010/main" val="148997477"/>
+      </p:ext>
+    </p:extLst>
+  </p:cSld>
+  <p:clrMapOvr>
+    <a:masterClrMapping/>
+  </p:clrMapOvr>
+  <p:transition xmlns:p14="http://schemas.microsoft.com/office/powerpoint/2010/main" spd="slow">
+    <p:fade/>
+  </p:transition>
+  <p:timing>
+    <p:tnLst>
+      <p:par>
+        <p:cTn xmlns:p14="http://schemas.microsoft.com/office/powerpoint/2010/main" id="1" dur="indefinite" restart="never" nodeType="tmRoot">
+          <p:childTnLst>
+            <p:seq concurrent="1" nextAc="seek">
+              <p:cTn id="2" dur="indefinite" nodeType="mainSeq">
+                <p:childTnLst>
+                  <p:par>
+                    <p:cTn id="3" fill="hold">
+                      <p:stCondLst>
+                        <p:cond delay="indefinite"/>
+                      </p:stCondLst>
+                      <p:childTnLst>
+                        <p:par>
+                          <p:cTn id="4" fill="hold">
+                            <p:stCondLst>
+                              <p:cond delay="0"/>
+                            </p:stCondLst>
+                            <p:childTnLst>
+                              <p:par>
+                                <p:cTn id="5" presetID="9" presetClass="entr" presetSubtype="0" fill="hold" nodeType="clickEffect">
+                                  <p:stCondLst>
+                                    <p:cond delay="0"/>
+                                  </p:stCondLst>
+                                  <p:childTnLst>
+                                    <p:set>
+                                      <p:cBhvr>
+                                        <p:cTn id="6" dur="1" fill="hold">
+                                          <p:stCondLst>
+                                            <p:cond delay="0"/>
+                                          </p:stCondLst>
+                                        </p:cTn>
+                                        <p:tgtEl>
+                                          <p:spTgt spid="15">
+                                            <p:txEl>
+                                              <p:pRg st="2" end="2"/>
+                                            </p:txEl>
+                                          </p:spTgt>
+                                        </p:tgtEl>
+                                        <p:attrNameLst>
+                                          <p:attrName>style.visibility</p:attrName>
+                                        </p:attrNameLst>
+                                      </p:cBhvr>
+                                      <p:to>
+                                        <p:strVal val="visible"/>
+                                      </p:to>
+                                    </p:set>
+                                    <p:animEffect transition="in" filter="dissolve">
+                                      <p:cBhvr>
+                                        <p:cTn id="7" dur="1000"/>
+                                        <p:tgtEl>
+                                          <p:spTgt spid="15">
+                                            <p:txEl>
+                                              <p:pRg st="2" end="2"/>
                                             </p:txEl>
                                           </p:spTgt>
                                         </p:tgtEl>
@@ -5589,49 +6289,6 @@
                                         <p:tgtEl>
                                           <p:spTgt spid="15">
                                             <p:txEl>
-                                              <p:pRg st="2" end="2"/>
-                                            </p:txEl>
-                                          </p:spTgt>
-                                        </p:tgtEl>
-                                        <p:attrNameLst>
-                                          <p:attrName>style.visibility</p:attrName>
-                                        </p:attrNameLst>
-                                      </p:cBhvr>
-                                      <p:to>
-                                        <p:strVal val="visible"/>
-                                      </p:to>
-                                    </p:set>
-                                    <p:animEffect transition="in" filter="dissolve">
-                                      <p:cBhvr>
-                                        <p:cTn id="10" dur="500"/>
-                                        <p:tgtEl>
-                                          <p:spTgt spid="15">
-                                            <p:txEl>
-                                              <p:pRg st="2" end="2"/>
-                                            </p:txEl>
-                                          </p:spTgt>
-                                        </p:tgtEl>
-                                      </p:cBhvr>
-                                    </p:animEffect>
-                                  </p:childTnLst>
-                                </p:cTn>
-                              </p:par>
-                              <p:par>
-                                <p:cTn id="11" presetID="9" presetClass="entr" presetSubtype="0" fill="hold" nodeType="withEffect">
-                                  <p:stCondLst>
-                                    <p:cond delay="0"/>
-                                  </p:stCondLst>
-                                  <p:childTnLst>
-                                    <p:set>
-                                      <p:cBhvr>
-                                        <p:cTn id="12" dur="1" fill="hold">
-                                          <p:stCondLst>
-                                            <p:cond delay="0"/>
-                                          </p:stCondLst>
-                                        </p:cTn>
-                                        <p:tgtEl>
-                                          <p:spTgt spid="15">
-                                            <p:txEl>
                                               <p:pRg st="3" end="3"/>
                                             </p:txEl>
                                           </p:spTgt>
@@ -5646,7 +6303,7 @@
                                     </p:set>
                                     <p:animEffect transition="in" filter="dissolve">
                                       <p:cBhvr>
-                                        <p:cTn id="13" dur="500"/>
+                                        <p:cTn id="10" dur="1000"/>
                                         <p:tgtEl>
                                           <p:spTgt spid="15">
                                             <p:txEl>
@@ -5659,15 +6316,24 @@
                                   </p:childTnLst>
                                 </p:cTn>
                               </p:par>
+                            </p:childTnLst>
+                          </p:cTn>
+                        </p:par>
+                        <p:par>
+                          <p:cTn id="11" fill="hold">
+                            <p:stCondLst>
+                              <p:cond delay="1000"/>
+                            </p:stCondLst>
+                            <p:childTnLst>
                               <p:par>
-                                <p:cTn id="14" presetID="9" presetClass="entr" presetSubtype="0" fill="hold" nodeType="withEffect">
+                                <p:cTn id="12" presetID="9" presetClass="entr" presetSubtype="0" fill="hold" nodeType="afterEffect">
                                   <p:stCondLst>
                                     <p:cond delay="0"/>
                                   </p:stCondLst>
                                   <p:childTnLst>
                                     <p:set>
                                       <p:cBhvr>
-                                        <p:cTn id="15" dur="1" fill="hold">
+                                        <p:cTn id="13" dur="1" fill="hold">
                                           <p:stCondLst>
                                             <p:cond delay="0"/>
                                           </p:stCondLst>
@@ -5689,7 +6355,7 @@
                                     </p:set>
                                     <p:animEffect transition="in" filter="dissolve">
                                       <p:cBhvr>
-                                        <p:cTn id="16" dur="500"/>
+                                        <p:cTn id="14" dur="1000"/>
                                         <p:tgtEl>
                                           <p:spTgt spid="15">
                                             <p:txEl>
@@ -5733,7 +6399,7 @@
 </p:sld>
 </file>
 
-<file path=ppt/slides/slide12.xml><?xml version="1.0" encoding="utf-8"?>
+<file path=ppt/slides/slide13.xml><?xml version="1.0" encoding="utf-8"?>
 <p:sld xmlns:a="http://schemas.openxmlformats.org/drawingml/2006/main" xmlns:r="http://schemas.openxmlformats.org/officeDocument/2006/relationships" xmlns:p="http://schemas.openxmlformats.org/presentationml/2006/main" show="0">
   <p:cSld>
     <p:spTree>
@@ -6028,7 +6694,7 @@
           <a:graphicData uri="http://schemas.openxmlformats.org/presentationml/2006/ole">
             <mc:AlternateContent xmlns:mc="http://schemas.openxmlformats.org/markup-compatibility/2006">
               <mc:Choice xmlns:v="urn:schemas-microsoft-com:vml" Requires="v">
-                <p:oleObj spid="_x0000_s3082" name="Equation" r:id="rId4" imgW="1333500" imgH="393700" progId="Equation.DSMT4">
+                <p:oleObj spid="_x0000_s3087" name="Equation" r:id="rId4" imgW="1333500" imgH="393700" progId="Equation.DSMT4">
                   <p:embed/>
                 </p:oleObj>
               </mc:Choice>
@@ -6271,7 +6937,7 @@
           <a:graphicData uri="http://schemas.openxmlformats.org/presentationml/2006/ole">
             <mc:AlternateContent xmlns:mc="http://schemas.openxmlformats.org/markup-compatibility/2006">
               <mc:Choice xmlns:v="urn:schemas-microsoft-com:vml" Requires="v">
-                <p:oleObj spid="_x0000_s3083" name="Equation" r:id="rId6" imgW="457200" imgH="393700" progId="Equation.3">
+                <p:oleObj spid="_x0000_s3088" name="Equation" r:id="rId6" imgW="457200" imgH="393700" progId="Equation.3">
                   <p:embed/>
                 </p:oleObj>
               </mc:Choice>
@@ -6800,7 +7466,7 @@
 </p:sld>
 </file>
 
-<file path=ppt/slides/slide13.xml><?xml version="1.0" encoding="utf-8"?>
+<file path=ppt/slides/slide14.xml><?xml version="1.0" encoding="utf-8"?>
 <p:sld xmlns:a="http://schemas.openxmlformats.org/drawingml/2006/main" xmlns:r="http://schemas.openxmlformats.org/officeDocument/2006/relationships" xmlns:p="http://schemas.openxmlformats.org/presentationml/2006/main" show="0">
   <p:cSld>
     <p:spTree>
@@ -6927,7 +7593,7 @@
           <a:graphicData uri="http://schemas.openxmlformats.org/presentationml/2006/ole">
             <mc:AlternateContent xmlns:mc="http://schemas.openxmlformats.org/markup-compatibility/2006">
               <mc:Choice xmlns:v="urn:schemas-microsoft-com:vml" Requires="v">
-                <p:oleObj spid="_x0000_s4113" name="Equation" r:id="rId3" imgW="1727200" imgH="393700" progId="Equation.DSMT4">
+                <p:oleObj spid="_x0000_s4120" name="Equation" r:id="rId3" imgW="1727200" imgH="393700" progId="Equation.DSMT4">
                   <p:embed/>
                 </p:oleObj>
               </mc:Choice>
@@ -6984,7 +7650,7 @@
           <a:graphicData uri="http://schemas.openxmlformats.org/presentationml/2006/ole">
             <mc:AlternateContent xmlns:mc="http://schemas.openxmlformats.org/markup-compatibility/2006">
               <mc:Choice xmlns:v="urn:schemas-microsoft-com:vml" Requires="v">
-                <p:oleObj spid="_x0000_s4114" name="Equation" r:id="rId5" imgW="1143000" imgH="228600" progId="Equation.3">
+                <p:oleObj spid="_x0000_s4121" name="Equation" r:id="rId5" imgW="1143000" imgH="228600" progId="Equation.3">
                   <p:embed/>
                 </p:oleObj>
               </mc:Choice>
@@ -7041,7 +7707,7 @@
           <a:graphicData uri="http://schemas.openxmlformats.org/presentationml/2006/ole">
             <mc:AlternateContent xmlns:mc="http://schemas.openxmlformats.org/markup-compatibility/2006">
               <mc:Choice xmlns:v="urn:schemas-microsoft-com:vml" Requires="v">
-                <p:oleObj spid="_x0000_s4115" name="Equation" r:id="rId7" imgW="698500" imgH="393700" progId="Equation.3">
+                <p:oleObj spid="_x0000_s4122" name="Equation" r:id="rId7" imgW="698500" imgH="393700" progId="Equation.3">
                   <p:embed/>
                 </p:oleObj>
               </mc:Choice>
@@ -7319,7 +7985,7 @@
 </p:sld>
 </file>
 
-<file path=ppt/slides/slide14.xml><?xml version="1.0" encoding="utf-8"?>
+<file path=ppt/slides/slide15.xml><?xml version="1.0" encoding="utf-8"?>
 <p:sld xmlns:a="http://schemas.openxmlformats.org/drawingml/2006/main" xmlns:r="http://schemas.openxmlformats.org/officeDocument/2006/relationships" xmlns:p="http://schemas.openxmlformats.org/presentationml/2006/main" show="0">
   <p:cSld>
     <p:spTree>
@@ -7831,7 +8497,7 @@
 </p:sld>
 </file>
 
-<file path=ppt/slides/slide15.xml><?xml version="1.0" encoding="utf-8"?>
+<file path=ppt/slides/slide16.xml><?xml version="1.0" encoding="utf-8"?>
 <p:sld xmlns:a="http://schemas.openxmlformats.org/drawingml/2006/main" xmlns:r="http://schemas.openxmlformats.org/officeDocument/2006/relationships" xmlns:p="http://schemas.openxmlformats.org/presentationml/2006/main" show="0">
   <p:cSld>
     <p:spTree>
@@ -8093,7 +8759,7 @@
 </p:sld>
 </file>
 
-<file path=ppt/slides/slide16.xml><?xml version="1.0" encoding="utf-8"?>
+<file path=ppt/slides/slide17.xml><?xml version="1.0" encoding="utf-8"?>
 <p:sld xmlns:a="http://schemas.openxmlformats.org/drawingml/2006/main" xmlns:r="http://schemas.openxmlformats.org/officeDocument/2006/relationships" xmlns:p="http://schemas.openxmlformats.org/presentationml/2006/main" show="0">
   <p:cSld>
     <p:spTree>
@@ -8443,7 +9109,7 @@
 </p:sld>
 </file>
 
-<file path=ppt/slides/slide17.xml><?xml version="1.0" encoding="utf-8"?>
+<file path=ppt/slides/slide18.xml><?xml version="1.0" encoding="utf-8"?>
 <p:sld xmlns:a="http://schemas.openxmlformats.org/drawingml/2006/main" xmlns:r="http://schemas.openxmlformats.org/officeDocument/2006/relationships" xmlns:p="http://schemas.openxmlformats.org/presentationml/2006/main" show="0">
   <p:cSld>
     <p:spTree>
@@ -8957,7 +9623,7 @@
 </p:sld>
 </file>
 
-<file path=ppt/slides/slide18.xml><?xml version="1.0" encoding="utf-8"?>
+<file path=ppt/slides/slide19.xml><?xml version="1.0" encoding="utf-8"?>
 <p:sld xmlns:a="http://schemas.openxmlformats.org/drawingml/2006/main" xmlns:r="http://schemas.openxmlformats.org/officeDocument/2006/relationships" xmlns:p="http://schemas.openxmlformats.org/presentationml/2006/main" show="0">
   <p:cSld>
     <p:spTree>
@@ -9166,593 +9832,6 @@
                                           <p:spTgt spid="3">
                                             <p:txEl>
                                               <p:pRg st="2" end="2"/>
-                                            </p:txEl>
-                                          </p:spTgt>
-                                        </p:tgtEl>
-                                      </p:cBhvr>
-                                    </p:animEffect>
-                                  </p:childTnLst>
-                                </p:cTn>
-                              </p:par>
-                            </p:childTnLst>
-                          </p:cTn>
-                        </p:par>
-                      </p:childTnLst>
-                    </p:cTn>
-                  </p:par>
-                </p:childTnLst>
-              </p:cTn>
-              <p:prevCondLst>
-                <p:cond evt="onPrev" delay="0">
-                  <p:tgtEl>
-                    <p:sldTgt/>
-                  </p:tgtEl>
-                </p:cond>
-              </p:prevCondLst>
-              <p:nextCondLst>
-                <p:cond evt="onNext" delay="0">
-                  <p:tgtEl>
-                    <p:sldTgt/>
-                  </p:tgtEl>
-                </p:cond>
-              </p:nextCondLst>
-            </p:seq>
-          </p:childTnLst>
-        </p:cTn>
-      </p:par>
-    </p:tnLst>
-  </p:timing>
-</p:sld>
-</file>
-
-<file path=ppt/slides/slide19.xml><?xml version="1.0" encoding="utf-8"?>
-<p:sld xmlns:a="http://schemas.openxmlformats.org/drawingml/2006/main" xmlns:r="http://schemas.openxmlformats.org/officeDocument/2006/relationships" xmlns:p="http://schemas.openxmlformats.org/presentationml/2006/main" show="0">
-  <p:cSld>
-    <p:spTree>
-      <p:nvGrpSpPr>
-        <p:cNvPr id="1" name=""/>
-        <p:cNvGrpSpPr/>
-        <p:nvPr/>
-      </p:nvGrpSpPr>
-      <p:grpSpPr>
-        <a:xfrm>
-          <a:off x="0" y="0"/>
-          <a:ext cx="0" cy="0"/>
-          <a:chOff x="0" y="0"/>
-          <a:chExt cx="0" cy="0"/>
-        </a:xfrm>
-      </p:grpSpPr>
-      <p:sp>
-        <p:nvSpPr>
-          <p:cNvPr id="2" name="Title 1"/>
-          <p:cNvSpPr>
-            <a:spLocks noGrp="1"/>
-          </p:cNvSpPr>
-          <p:nvPr>
-            <p:ph type="title"/>
-          </p:nvPr>
-        </p:nvSpPr>
-        <p:spPr>
-          <a:xfrm>
-            <a:off x="1660549" y="363538"/>
-            <a:ext cx="6794500" cy="1003300"/>
-          </a:xfrm>
-        </p:spPr>
-        <p:txBody>
-          <a:bodyPr/>
-          <a:lstStyle/>
-          <a:p>
-            <a:r>
-              <a:rPr lang="en-US" dirty="0" smtClean="0"/>
-              <a:t>The Halting Problem</a:t>
-            </a:r>
-            <a:endParaRPr lang="en-US" dirty="0"/>
-          </a:p>
-        </p:txBody>
-      </p:sp>
-      <p:sp>
-        <p:nvSpPr>
-          <p:cNvPr id="3" name="Content Placeholder 2"/>
-          <p:cNvSpPr>
-            <a:spLocks noGrp="1"/>
-          </p:cNvSpPr>
-          <p:nvPr>
-            <p:ph idx="1"/>
-          </p:nvPr>
-        </p:nvSpPr>
-        <p:spPr>
-          <a:xfrm>
-            <a:off x="439025" y="1390139"/>
-            <a:ext cx="8431646" cy="5054901"/>
-          </a:xfrm>
-        </p:spPr>
-        <p:txBody>
-          <a:bodyPr/>
-          <a:lstStyle/>
-          <a:p>
-            <a:r>
-              <a:rPr lang="en-US" sz="3600" dirty="0"/>
-              <a:t>Let </a:t>
-            </a:r>
-            <a:r>
-              <a:rPr lang="en-US" sz="3600" dirty="0">
-                <a:solidFill>
-                  <a:srgbClr val="0000FF"/>
-                </a:solidFill>
-              </a:rPr>
-              <a:t>t</a:t>
-            </a:r>
-            <a:r>
-              <a:rPr lang="en-US" sz="3600" dirty="0"/>
-              <a:t> be the text </a:t>
-            </a:r>
-            <a:r>
-              <a:rPr lang="en-US" sz="3600" dirty="0" smtClean="0"/>
-              <a:t>for </a:t>
-            </a:r>
-            <a:r>
-              <a:rPr lang="en-US" sz="3600" dirty="0" smtClean="0">
-                <a:solidFill>
-                  <a:srgbClr val="9933FF"/>
-                </a:solidFill>
-              </a:rPr>
-              <a:t>Q’</a:t>
-            </a:r>
-            <a:endParaRPr lang="en-US" sz="3600" dirty="0">
-              <a:solidFill>
-                <a:srgbClr val="9933FF"/>
-              </a:solidFill>
-            </a:endParaRPr>
-          </a:p>
-          <a:p>
-            <a:r>
-              <a:rPr lang="en-US" sz="3600" dirty="0"/>
-              <a:t>So by </a:t>
-            </a:r>
-            <a:r>
-              <a:rPr lang="en-US" sz="3600" dirty="0" err="1" smtClean="0"/>
-              <a:t>def</a:t>
-            </a:r>
-            <a:r>
-              <a:rPr lang="en-US" sz="3600" dirty="0" smtClean="0"/>
-              <a:t> </a:t>
-            </a:r>
-            <a:r>
-              <a:rPr lang="en-US" sz="3600" dirty="0"/>
-              <a:t>of </a:t>
-            </a:r>
-            <a:r>
-              <a:rPr lang="en-US" sz="3600" dirty="0">
-                <a:solidFill>
-                  <a:srgbClr val="F50802"/>
-                </a:solidFill>
-              </a:rPr>
-              <a:t>HALTS</a:t>
-            </a:r>
-            <a:r>
-              <a:rPr lang="en-US" sz="3600" dirty="0"/>
-              <a:t>:</a:t>
-            </a:r>
-          </a:p>
-          <a:p>
-            <a:r>
-              <a:rPr lang="en-US" sz="3600" dirty="0"/>
-              <a:t>  </a:t>
-            </a:r>
-            <a:r>
-              <a:rPr lang="en-US" sz="3600" dirty="0" smtClean="0">
-                <a:solidFill>
-                  <a:srgbClr val="0000FF"/>
-                </a:solidFill>
-              </a:rPr>
-              <a:t>t</a:t>
-            </a:r>
-            <a:r>
-              <a:rPr lang="en-US" sz="3600" dirty="0" smtClean="0"/>
-              <a:t> </a:t>
-            </a:r>
-            <a:r>
-              <a:rPr lang="en-US" sz="3600" dirty="0">
-                <a:solidFill>
-                  <a:srgbClr val="F50802"/>
-                </a:solidFill>
-              </a:rPr>
-              <a:t>HALTS</a:t>
-            </a:r>
-            <a:r>
-              <a:rPr lang="en-US" sz="3600" dirty="0"/>
-              <a:t> </a:t>
-            </a:r>
-            <a:r>
-              <a:rPr lang="en-US" sz="3600" dirty="0" err="1"/>
-              <a:t>iff</a:t>
-            </a:r>
-            <a:r>
-              <a:rPr lang="en-US" sz="3600" dirty="0"/>
-              <a:t> </a:t>
-            </a:r>
-            <a:r>
-              <a:rPr lang="en-US" sz="3600" dirty="0">
-                <a:solidFill>
-                  <a:srgbClr val="9933FF"/>
-                </a:solidFill>
-              </a:rPr>
-              <a:t>Q'</a:t>
-            </a:r>
-            <a:r>
-              <a:rPr lang="en-US" sz="3600" dirty="0"/>
-              <a:t>(</a:t>
-            </a:r>
-            <a:r>
-              <a:rPr lang="en-US" sz="3600" dirty="0">
-                <a:solidFill>
-                  <a:srgbClr val="0000FF"/>
-                </a:solidFill>
-              </a:rPr>
-              <a:t>t</a:t>
-            </a:r>
-            <a:r>
-              <a:rPr lang="en-US" sz="3600" dirty="0"/>
-              <a:t>) returns something</a:t>
-            </a:r>
-          </a:p>
-          <a:p>
-            <a:r>
-              <a:rPr lang="en-US" sz="3600" dirty="0"/>
-              <a:t>and by </a:t>
-            </a:r>
-            <a:r>
-              <a:rPr lang="en-US" sz="3600" dirty="0" err="1"/>
-              <a:t>def</a:t>
-            </a:r>
-            <a:r>
-              <a:rPr lang="en-US" sz="3600" dirty="0"/>
-              <a:t> of </a:t>
-            </a:r>
-            <a:r>
-              <a:rPr lang="en-US" sz="3600" dirty="0">
-                <a:solidFill>
-                  <a:srgbClr val="9933FF"/>
-                </a:solidFill>
-              </a:rPr>
-              <a:t>Q'</a:t>
-            </a:r>
-          </a:p>
-          <a:p>
-            <a:r>
-              <a:rPr lang="en-US" sz="3600" dirty="0"/>
-              <a:t>  </a:t>
-            </a:r>
-            <a:r>
-              <a:rPr lang="en-US" sz="3600" dirty="0" smtClean="0">
-                <a:solidFill>
-                  <a:srgbClr val="9933FF"/>
-                </a:solidFill>
-              </a:rPr>
-              <a:t>Q</a:t>
-            </a:r>
-            <a:r>
-              <a:rPr lang="en-US" sz="3600" dirty="0">
-                <a:solidFill>
-                  <a:srgbClr val="9933FF"/>
-                </a:solidFill>
-              </a:rPr>
-              <a:t>'</a:t>
-            </a:r>
-            <a:r>
-              <a:rPr lang="en-US" sz="3600" dirty="0"/>
-              <a:t>(</a:t>
-            </a:r>
-            <a:r>
-              <a:rPr lang="en-US" sz="3600" dirty="0">
-                <a:solidFill>
-                  <a:srgbClr val="0000FF"/>
-                </a:solidFill>
-              </a:rPr>
-              <a:t>t</a:t>
-            </a:r>
-            <a:r>
-              <a:rPr lang="en-US" sz="3600" dirty="0"/>
-              <a:t>) returns something </a:t>
-            </a:r>
-            <a:r>
-              <a:rPr lang="en-US" sz="3600" dirty="0" err="1"/>
-              <a:t>iff</a:t>
-            </a:r>
-            <a:r>
-              <a:rPr lang="en-US" sz="3600" dirty="0"/>
-              <a:t> </a:t>
-            </a:r>
-            <a:r>
-              <a:rPr lang="en-US" sz="3600" dirty="0">
-                <a:solidFill>
-                  <a:srgbClr val="0000FF"/>
-                </a:solidFill>
-              </a:rPr>
-              <a:t>t</a:t>
-            </a:r>
-            <a:r>
-              <a:rPr lang="en-US" sz="3600" dirty="0"/>
-              <a:t> does </a:t>
-            </a:r>
-            <a:r>
-              <a:rPr lang="en-US" sz="3600" dirty="0">
-                <a:solidFill>
-                  <a:srgbClr val="F50802"/>
-                </a:solidFill>
-              </a:rPr>
-              <a:t>not</a:t>
-            </a:r>
-            <a:r>
-              <a:rPr lang="en-US" sz="3600" dirty="0"/>
-              <a:t> </a:t>
-            </a:r>
-            <a:r>
-              <a:rPr lang="en-US" sz="3600" dirty="0">
-                <a:solidFill>
-                  <a:srgbClr val="F50802"/>
-                </a:solidFill>
-              </a:rPr>
-              <a:t>HALT</a:t>
-            </a:r>
-            <a:r>
-              <a:rPr lang="en-US" sz="3600" dirty="0"/>
-              <a:t>.</a:t>
-            </a:r>
-          </a:p>
-        </p:txBody>
-      </p:sp>
-    </p:spTree>
-    <p:extLst>
-      <p:ext uri="{BB962C8B-B14F-4D97-AF65-F5344CB8AC3E}">
-        <p14:creationId xmlns:p14="http://schemas.microsoft.com/office/powerpoint/2010/main" val="1256317703"/>
-      </p:ext>
-    </p:extLst>
-  </p:cSld>
-  <p:clrMapOvr>
-    <a:masterClrMapping/>
-  </p:clrMapOvr>
-  <p:transition xmlns:p14="http://schemas.microsoft.com/office/powerpoint/2010/main" spd="slow">
-    <p:fade/>
-  </p:transition>
-  <p:timing>
-    <p:tnLst>
-      <p:par>
-        <p:cTn xmlns:p14="http://schemas.microsoft.com/office/powerpoint/2010/main" id="1" dur="indefinite" restart="never" nodeType="tmRoot">
-          <p:childTnLst>
-            <p:seq concurrent="1" nextAc="seek">
-              <p:cTn id="2" dur="indefinite" nodeType="mainSeq">
-                <p:childTnLst>
-                  <p:par>
-                    <p:cTn id="3" fill="hold">
-                      <p:stCondLst>
-                        <p:cond delay="indefinite"/>
-                      </p:stCondLst>
-                      <p:childTnLst>
-                        <p:par>
-                          <p:cTn id="4" fill="hold">
-                            <p:stCondLst>
-                              <p:cond delay="0"/>
-                            </p:stCondLst>
-                            <p:childTnLst>
-                              <p:par>
-                                <p:cTn id="5" presetID="9" presetClass="entr" presetSubtype="0" fill="hold" nodeType="clickEffect">
-                                  <p:stCondLst>
-                                    <p:cond delay="0"/>
-                                  </p:stCondLst>
-                                  <p:childTnLst>
-                                    <p:set>
-                                      <p:cBhvr>
-                                        <p:cTn id="6" dur="1" fill="hold">
-                                          <p:stCondLst>
-                                            <p:cond delay="0"/>
-                                          </p:stCondLst>
-                                        </p:cTn>
-                                        <p:tgtEl>
-                                          <p:spTgt spid="3">
-                                            <p:txEl>
-                                              <p:pRg st="1" end="1"/>
-                                            </p:txEl>
-                                          </p:spTgt>
-                                        </p:tgtEl>
-                                        <p:attrNameLst>
-                                          <p:attrName>style.visibility</p:attrName>
-                                        </p:attrNameLst>
-                                      </p:cBhvr>
-                                      <p:to>
-                                        <p:strVal val="visible"/>
-                                      </p:to>
-                                    </p:set>
-                                    <p:animEffect transition="in" filter="dissolve">
-                                      <p:cBhvr>
-                                        <p:cTn id="7" dur="500"/>
-                                        <p:tgtEl>
-                                          <p:spTgt spid="3">
-                                            <p:txEl>
-                                              <p:pRg st="1" end="1"/>
-                                            </p:txEl>
-                                          </p:spTgt>
-                                        </p:tgtEl>
-                                      </p:cBhvr>
-                                    </p:animEffect>
-                                  </p:childTnLst>
-                                </p:cTn>
-                              </p:par>
-                            </p:childTnLst>
-                          </p:cTn>
-                        </p:par>
-                      </p:childTnLst>
-                    </p:cTn>
-                  </p:par>
-                  <p:par>
-                    <p:cTn id="8" fill="hold">
-                      <p:stCondLst>
-                        <p:cond delay="indefinite"/>
-                      </p:stCondLst>
-                      <p:childTnLst>
-                        <p:par>
-                          <p:cTn id="9" fill="hold">
-                            <p:stCondLst>
-                              <p:cond delay="0"/>
-                            </p:stCondLst>
-                            <p:childTnLst>
-                              <p:par>
-                                <p:cTn id="10" presetID="9" presetClass="entr" presetSubtype="0" fill="hold" nodeType="clickEffect">
-                                  <p:stCondLst>
-                                    <p:cond delay="0"/>
-                                  </p:stCondLst>
-                                  <p:childTnLst>
-                                    <p:set>
-                                      <p:cBhvr>
-                                        <p:cTn id="11" dur="1" fill="hold">
-                                          <p:stCondLst>
-                                            <p:cond delay="0"/>
-                                          </p:stCondLst>
-                                        </p:cTn>
-                                        <p:tgtEl>
-                                          <p:spTgt spid="3">
-                                            <p:txEl>
-                                              <p:pRg st="2" end="2"/>
-                                            </p:txEl>
-                                          </p:spTgt>
-                                        </p:tgtEl>
-                                        <p:attrNameLst>
-                                          <p:attrName>style.visibility</p:attrName>
-                                        </p:attrNameLst>
-                                      </p:cBhvr>
-                                      <p:to>
-                                        <p:strVal val="visible"/>
-                                      </p:to>
-                                    </p:set>
-                                    <p:animEffect transition="in" filter="dissolve">
-                                      <p:cBhvr>
-                                        <p:cTn id="12" dur="500"/>
-                                        <p:tgtEl>
-                                          <p:spTgt spid="3">
-                                            <p:txEl>
-                                              <p:pRg st="2" end="2"/>
-                                            </p:txEl>
-                                          </p:spTgt>
-                                        </p:tgtEl>
-                                      </p:cBhvr>
-                                    </p:animEffect>
-                                  </p:childTnLst>
-                                </p:cTn>
-                              </p:par>
-                            </p:childTnLst>
-                          </p:cTn>
-                        </p:par>
-                      </p:childTnLst>
-                    </p:cTn>
-                  </p:par>
-                  <p:par>
-                    <p:cTn id="13" fill="hold">
-                      <p:stCondLst>
-                        <p:cond delay="indefinite"/>
-                      </p:stCondLst>
-                      <p:childTnLst>
-                        <p:par>
-                          <p:cTn id="14" fill="hold">
-                            <p:stCondLst>
-                              <p:cond delay="0"/>
-                            </p:stCondLst>
-                            <p:childTnLst>
-                              <p:par>
-                                <p:cTn id="15" presetID="9" presetClass="entr" presetSubtype="0" fill="hold" nodeType="clickEffect">
-                                  <p:stCondLst>
-                                    <p:cond delay="0"/>
-                                  </p:stCondLst>
-                                  <p:childTnLst>
-                                    <p:set>
-                                      <p:cBhvr>
-                                        <p:cTn id="16" dur="1" fill="hold">
-                                          <p:stCondLst>
-                                            <p:cond delay="0"/>
-                                          </p:stCondLst>
-                                        </p:cTn>
-                                        <p:tgtEl>
-                                          <p:spTgt spid="3">
-                                            <p:txEl>
-                                              <p:pRg st="3" end="3"/>
-                                            </p:txEl>
-                                          </p:spTgt>
-                                        </p:tgtEl>
-                                        <p:attrNameLst>
-                                          <p:attrName>style.visibility</p:attrName>
-                                        </p:attrNameLst>
-                                      </p:cBhvr>
-                                      <p:to>
-                                        <p:strVal val="visible"/>
-                                      </p:to>
-                                    </p:set>
-                                    <p:animEffect transition="in" filter="dissolve">
-                                      <p:cBhvr>
-                                        <p:cTn id="17" dur="500"/>
-                                        <p:tgtEl>
-                                          <p:spTgt spid="3">
-                                            <p:txEl>
-                                              <p:pRg st="3" end="3"/>
-                                            </p:txEl>
-                                          </p:spTgt>
-                                        </p:tgtEl>
-                                      </p:cBhvr>
-                                    </p:animEffect>
-                                  </p:childTnLst>
-                                </p:cTn>
-                              </p:par>
-                            </p:childTnLst>
-                          </p:cTn>
-                        </p:par>
-                      </p:childTnLst>
-                    </p:cTn>
-                  </p:par>
-                  <p:par>
-                    <p:cTn id="18" fill="hold">
-                      <p:stCondLst>
-                        <p:cond delay="indefinite"/>
-                      </p:stCondLst>
-                      <p:childTnLst>
-                        <p:par>
-                          <p:cTn id="19" fill="hold">
-                            <p:stCondLst>
-                              <p:cond delay="0"/>
-                            </p:stCondLst>
-                            <p:childTnLst>
-                              <p:par>
-                                <p:cTn id="20" presetID="9" presetClass="entr" presetSubtype="0" fill="hold" nodeType="clickEffect">
-                                  <p:stCondLst>
-                                    <p:cond delay="0"/>
-                                  </p:stCondLst>
-                                  <p:childTnLst>
-                                    <p:set>
-                                      <p:cBhvr>
-                                        <p:cTn id="21" dur="1" fill="hold">
-                                          <p:stCondLst>
-                                            <p:cond delay="0"/>
-                                          </p:stCondLst>
-                                        </p:cTn>
-                                        <p:tgtEl>
-                                          <p:spTgt spid="3">
-                                            <p:txEl>
-                                              <p:pRg st="4" end="4"/>
-                                            </p:txEl>
-                                          </p:spTgt>
-                                        </p:tgtEl>
-                                        <p:attrNameLst>
-                                          <p:attrName>style.visibility</p:attrName>
-                                        </p:attrNameLst>
-                                      </p:cBhvr>
-                                      <p:to>
-                                        <p:strVal val="visible"/>
-                                      </p:to>
-                                    </p:set>
-                                    <p:animEffect transition="in" filter="dissolve">
-                                      <p:cBhvr>
-                                        <p:cTn id="22" dur="500"/>
-                                        <p:tgtEl>
-                                          <p:spTgt spid="3">
-                                            <p:txEl>
-                                              <p:pRg st="4" end="4"/>
                                             </p:txEl>
                                           </p:spTgt>
                                         </p:tgtEl>
@@ -10363,6 +10442,593 @@
 </file>
 
 <file path=ppt/slides/slide20.xml><?xml version="1.0" encoding="utf-8"?>
+<p:sld xmlns:a="http://schemas.openxmlformats.org/drawingml/2006/main" xmlns:r="http://schemas.openxmlformats.org/officeDocument/2006/relationships" xmlns:p="http://schemas.openxmlformats.org/presentationml/2006/main" show="0">
+  <p:cSld>
+    <p:spTree>
+      <p:nvGrpSpPr>
+        <p:cNvPr id="1" name=""/>
+        <p:cNvGrpSpPr/>
+        <p:nvPr/>
+      </p:nvGrpSpPr>
+      <p:grpSpPr>
+        <a:xfrm>
+          <a:off x="0" y="0"/>
+          <a:ext cx="0" cy="0"/>
+          <a:chOff x="0" y="0"/>
+          <a:chExt cx="0" cy="0"/>
+        </a:xfrm>
+      </p:grpSpPr>
+      <p:sp>
+        <p:nvSpPr>
+          <p:cNvPr id="2" name="Title 1"/>
+          <p:cNvSpPr>
+            <a:spLocks noGrp="1"/>
+          </p:cNvSpPr>
+          <p:nvPr>
+            <p:ph type="title"/>
+          </p:nvPr>
+        </p:nvSpPr>
+        <p:spPr>
+          <a:xfrm>
+            <a:off x="1660549" y="363538"/>
+            <a:ext cx="6794500" cy="1003300"/>
+          </a:xfrm>
+        </p:spPr>
+        <p:txBody>
+          <a:bodyPr/>
+          <a:lstStyle/>
+          <a:p>
+            <a:r>
+              <a:rPr lang="en-US" dirty="0" smtClean="0"/>
+              <a:t>The Halting Problem</a:t>
+            </a:r>
+            <a:endParaRPr lang="en-US" dirty="0"/>
+          </a:p>
+        </p:txBody>
+      </p:sp>
+      <p:sp>
+        <p:nvSpPr>
+          <p:cNvPr id="3" name="Content Placeholder 2"/>
+          <p:cNvSpPr>
+            <a:spLocks noGrp="1"/>
+          </p:cNvSpPr>
+          <p:nvPr>
+            <p:ph idx="1"/>
+          </p:nvPr>
+        </p:nvSpPr>
+        <p:spPr>
+          <a:xfrm>
+            <a:off x="439025" y="1390139"/>
+            <a:ext cx="8431646" cy="5054901"/>
+          </a:xfrm>
+        </p:spPr>
+        <p:txBody>
+          <a:bodyPr/>
+          <a:lstStyle/>
+          <a:p>
+            <a:r>
+              <a:rPr lang="en-US" sz="3600" dirty="0"/>
+              <a:t>Let </a:t>
+            </a:r>
+            <a:r>
+              <a:rPr lang="en-US" sz="3600" dirty="0">
+                <a:solidFill>
+                  <a:srgbClr val="0000FF"/>
+                </a:solidFill>
+              </a:rPr>
+              <a:t>t</a:t>
+            </a:r>
+            <a:r>
+              <a:rPr lang="en-US" sz="3600" dirty="0"/>
+              <a:t> be the text </a:t>
+            </a:r>
+            <a:r>
+              <a:rPr lang="en-US" sz="3600" dirty="0" smtClean="0"/>
+              <a:t>for </a:t>
+            </a:r>
+            <a:r>
+              <a:rPr lang="en-US" sz="3600" dirty="0" smtClean="0">
+                <a:solidFill>
+                  <a:srgbClr val="9933FF"/>
+                </a:solidFill>
+              </a:rPr>
+              <a:t>Q’</a:t>
+            </a:r>
+            <a:endParaRPr lang="en-US" sz="3600" dirty="0">
+              <a:solidFill>
+                <a:srgbClr val="9933FF"/>
+              </a:solidFill>
+            </a:endParaRPr>
+          </a:p>
+          <a:p>
+            <a:r>
+              <a:rPr lang="en-US" sz="3600" dirty="0"/>
+              <a:t>So by </a:t>
+            </a:r>
+            <a:r>
+              <a:rPr lang="en-US" sz="3600" dirty="0" err="1" smtClean="0"/>
+              <a:t>def</a:t>
+            </a:r>
+            <a:r>
+              <a:rPr lang="en-US" sz="3600" dirty="0" smtClean="0"/>
+              <a:t> </a:t>
+            </a:r>
+            <a:r>
+              <a:rPr lang="en-US" sz="3600" dirty="0"/>
+              <a:t>of </a:t>
+            </a:r>
+            <a:r>
+              <a:rPr lang="en-US" sz="3600" dirty="0">
+                <a:solidFill>
+                  <a:srgbClr val="F50802"/>
+                </a:solidFill>
+              </a:rPr>
+              <a:t>HALTS</a:t>
+            </a:r>
+            <a:r>
+              <a:rPr lang="en-US" sz="3600" dirty="0"/>
+              <a:t>:</a:t>
+            </a:r>
+          </a:p>
+          <a:p>
+            <a:r>
+              <a:rPr lang="en-US" sz="3600" dirty="0"/>
+              <a:t>  </a:t>
+            </a:r>
+            <a:r>
+              <a:rPr lang="en-US" sz="3600" dirty="0" smtClean="0">
+                <a:solidFill>
+                  <a:srgbClr val="0000FF"/>
+                </a:solidFill>
+              </a:rPr>
+              <a:t>t</a:t>
+            </a:r>
+            <a:r>
+              <a:rPr lang="en-US" sz="3600" dirty="0" smtClean="0"/>
+              <a:t> </a:t>
+            </a:r>
+            <a:r>
+              <a:rPr lang="en-US" sz="3600" dirty="0">
+                <a:solidFill>
+                  <a:srgbClr val="F50802"/>
+                </a:solidFill>
+              </a:rPr>
+              <a:t>HALTS</a:t>
+            </a:r>
+            <a:r>
+              <a:rPr lang="en-US" sz="3600" dirty="0"/>
+              <a:t> </a:t>
+            </a:r>
+            <a:r>
+              <a:rPr lang="en-US" sz="3600" dirty="0" err="1"/>
+              <a:t>iff</a:t>
+            </a:r>
+            <a:r>
+              <a:rPr lang="en-US" sz="3600" dirty="0"/>
+              <a:t> </a:t>
+            </a:r>
+            <a:r>
+              <a:rPr lang="en-US" sz="3600" dirty="0">
+                <a:solidFill>
+                  <a:srgbClr val="9933FF"/>
+                </a:solidFill>
+              </a:rPr>
+              <a:t>Q'</a:t>
+            </a:r>
+            <a:r>
+              <a:rPr lang="en-US" sz="3600" dirty="0"/>
+              <a:t>(</a:t>
+            </a:r>
+            <a:r>
+              <a:rPr lang="en-US" sz="3600" dirty="0">
+                <a:solidFill>
+                  <a:srgbClr val="0000FF"/>
+                </a:solidFill>
+              </a:rPr>
+              <a:t>t</a:t>
+            </a:r>
+            <a:r>
+              <a:rPr lang="en-US" sz="3600" dirty="0"/>
+              <a:t>) returns something</a:t>
+            </a:r>
+          </a:p>
+          <a:p>
+            <a:r>
+              <a:rPr lang="en-US" sz="3600" dirty="0"/>
+              <a:t>and by </a:t>
+            </a:r>
+            <a:r>
+              <a:rPr lang="en-US" sz="3600" dirty="0" err="1"/>
+              <a:t>def</a:t>
+            </a:r>
+            <a:r>
+              <a:rPr lang="en-US" sz="3600" dirty="0"/>
+              <a:t> of </a:t>
+            </a:r>
+            <a:r>
+              <a:rPr lang="en-US" sz="3600" dirty="0">
+                <a:solidFill>
+                  <a:srgbClr val="9933FF"/>
+                </a:solidFill>
+              </a:rPr>
+              <a:t>Q'</a:t>
+            </a:r>
+          </a:p>
+          <a:p>
+            <a:r>
+              <a:rPr lang="en-US" sz="3600" dirty="0"/>
+              <a:t>  </a:t>
+            </a:r>
+            <a:r>
+              <a:rPr lang="en-US" sz="3600" dirty="0" smtClean="0">
+                <a:solidFill>
+                  <a:srgbClr val="9933FF"/>
+                </a:solidFill>
+              </a:rPr>
+              <a:t>Q</a:t>
+            </a:r>
+            <a:r>
+              <a:rPr lang="en-US" sz="3600" dirty="0">
+                <a:solidFill>
+                  <a:srgbClr val="9933FF"/>
+                </a:solidFill>
+              </a:rPr>
+              <a:t>'</a:t>
+            </a:r>
+            <a:r>
+              <a:rPr lang="en-US" sz="3600" dirty="0"/>
+              <a:t>(</a:t>
+            </a:r>
+            <a:r>
+              <a:rPr lang="en-US" sz="3600" dirty="0">
+                <a:solidFill>
+                  <a:srgbClr val="0000FF"/>
+                </a:solidFill>
+              </a:rPr>
+              <a:t>t</a:t>
+            </a:r>
+            <a:r>
+              <a:rPr lang="en-US" sz="3600" dirty="0"/>
+              <a:t>) returns something </a:t>
+            </a:r>
+            <a:r>
+              <a:rPr lang="en-US" sz="3600" dirty="0" err="1"/>
+              <a:t>iff</a:t>
+            </a:r>
+            <a:r>
+              <a:rPr lang="en-US" sz="3600" dirty="0"/>
+              <a:t> </a:t>
+            </a:r>
+            <a:r>
+              <a:rPr lang="en-US" sz="3600" dirty="0">
+                <a:solidFill>
+                  <a:srgbClr val="0000FF"/>
+                </a:solidFill>
+              </a:rPr>
+              <a:t>t</a:t>
+            </a:r>
+            <a:r>
+              <a:rPr lang="en-US" sz="3600" dirty="0"/>
+              <a:t> does </a:t>
+            </a:r>
+            <a:r>
+              <a:rPr lang="en-US" sz="3600" dirty="0">
+                <a:solidFill>
+                  <a:srgbClr val="F50802"/>
+                </a:solidFill>
+              </a:rPr>
+              <a:t>not</a:t>
+            </a:r>
+            <a:r>
+              <a:rPr lang="en-US" sz="3600" dirty="0"/>
+              <a:t> </a:t>
+            </a:r>
+            <a:r>
+              <a:rPr lang="en-US" sz="3600" dirty="0">
+                <a:solidFill>
+                  <a:srgbClr val="F50802"/>
+                </a:solidFill>
+              </a:rPr>
+              <a:t>HALT</a:t>
+            </a:r>
+            <a:r>
+              <a:rPr lang="en-US" sz="3600" dirty="0"/>
+              <a:t>.</a:t>
+            </a:r>
+          </a:p>
+        </p:txBody>
+      </p:sp>
+    </p:spTree>
+    <p:extLst>
+      <p:ext uri="{BB962C8B-B14F-4D97-AF65-F5344CB8AC3E}">
+        <p14:creationId xmlns:p14="http://schemas.microsoft.com/office/powerpoint/2010/main" val="1256317703"/>
+      </p:ext>
+    </p:extLst>
+  </p:cSld>
+  <p:clrMapOvr>
+    <a:masterClrMapping/>
+  </p:clrMapOvr>
+  <p:transition xmlns:p14="http://schemas.microsoft.com/office/powerpoint/2010/main" spd="slow">
+    <p:fade/>
+  </p:transition>
+  <p:timing>
+    <p:tnLst>
+      <p:par>
+        <p:cTn xmlns:p14="http://schemas.microsoft.com/office/powerpoint/2010/main" id="1" dur="indefinite" restart="never" nodeType="tmRoot">
+          <p:childTnLst>
+            <p:seq concurrent="1" nextAc="seek">
+              <p:cTn id="2" dur="indefinite" nodeType="mainSeq">
+                <p:childTnLst>
+                  <p:par>
+                    <p:cTn id="3" fill="hold">
+                      <p:stCondLst>
+                        <p:cond delay="indefinite"/>
+                      </p:stCondLst>
+                      <p:childTnLst>
+                        <p:par>
+                          <p:cTn id="4" fill="hold">
+                            <p:stCondLst>
+                              <p:cond delay="0"/>
+                            </p:stCondLst>
+                            <p:childTnLst>
+                              <p:par>
+                                <p:cTn id="5" presetID="9" presetClass="entr" presetSubtype="0" fill="hold" nodeType="clickEffect">
+                                  <p:stCondLst>
+                                    <p:cond delay="0"/>
+                                  </p:stCondLst>
+                                  <p:childTnLst>
+                                    <p:set>
+                                      <p:cBhvr>
+                                        <p:cTn id="6" dur="1" fill="hold">
+                                          <p:stCondLst>
+                                            <p:cond delay="0"/>
+                                          </p:stCondLst>
+                                        </p:cTn>
+                                        <p:tgtEl>
+                                          <p:spTgt spid="3">
+                                            <p:txEl>
+                                              <p:pRg st="1" end="1"/>
+                                            </p:txEl>
+                                          </p:spTgt>
+                                        </p:tgtEl>
+                                        <p:attrNameLst>
+                                          <p:attrName>style.visibility</p:attrName>
+                                        </p:attrNameLst>
+                                      </p:cBhvr>
+                                      <p:to>
+                                        <p:strVal val="visible"/>
+                                      </p:to>
+                                    </p:set>
+                                    <p:animEffect transition="in" filter="dissolve">
+                                      <p:cBhvr>
+                                        <p:cTn id="7" dur="500"/>
+                                        <p:tgtEl>
+                                          <p:spTgt spid="3">
+                                            <p:txEl>
+                                              <p:pRg st="1" end="1"/>
+                                            </p:txEl>
+                                          </p:spTgt>
+                                        </p:tgtEl>
+                                      </p:cBhvr>
+                                    </p:animEffect>
+                                  </p:childTnLst>
+                                </p:cTn>
+                              </p:par>
+                            </p:childTnLst>
+                          </p:cTn>
+                        </p:par>
+                      </p:childTnLst>
+                    </p:cTn>
+                  </p:par>
+                  <p:par>
+                    <p:cTn id="8" fill="hold">
+                      <p:stCondLst>
+                        <p:cond delay="indefinite"/>
+                      </p:stCondLst>
+                      <p:childTnLst>
+                        <p:par>
+                          <p:cTn id="9" fill="hold">
+                            <p:stCondLst>
+                              <p:cond delay="0"/>
+                            </p:stCondLst>
+                            <p:childTnLst>
+                              <p:par>
+                                <p:cTn id="10" presetID="9" presetClass="entr" presetSubtype="0" fill="hold" nodeType="clickEffect">
+                                  <p:stCondLst>
+                                    <p:cond delay="0"/>
+                                  </p:stCondLst>
+                                  <p:childTnLst>
+                                    <p:set>
+                                      <p:cBhvr>
+                                        <p:cTn id="11" dur="1" fill="hold">
+                                          <p:stCondLst>
+                                            <p:cond delay="0"/>
+                                          </p:stCondLst>
+                                        </p:cTn>
+                                        <p:tgtEl>
+                                          <p:spTgt spid="3">
+                                            <p:txEl>
+                                              <p:pRg st="2" end="2"/>
+                                            </p:txEl>
+                                          </p:spTgt>
+                                        </p:tgtEl>
+                                        <p:attrNameLst>
+                                          <p:attrName>style.visibility</p:attrName>
+                                        </p:attrNameLst>
+                                      </p:cBhvr>
+                                      <p:to>
+                                        <p:strVal val="visible"/>
+                                      </p:to>
+                                    </p:set>
+                                    <p:animEffect transition="in" filter="dissolve">
+                                      <p:cBhvr>
+                                        <p:cTn id="12" dur="500"/>
+                                        <p:tgtEl>
+                                          <p:spTgt spid="3">
+                                            <p:txEl>
+                                              <p:pRg st="2" end="2"/>
+                                            </p:txEl>
+                                          </p:spTgt>
+                                        </p:tgtEl>
+                                      </p:cBhvr>
+                                    </p:animEffect>
+                                  </p:childTnLst>
+                                </p:cTn>
+                              </p:par>
+                            </p:childTnLst>
+                          </p:cTn>
+                        </p:par>
+                      </p:childTnLst>
+                    </p:cTn>
+                  </p:par>
+                  <p:par>
+                    <p:cTn id="13" fill="hold">
+                      <p:stCondLst>
+                        <p:cond delay="indefinite"/>
+                      </p:stCondLst>
+                      <p:childTnLst>
+                        <p:par>
+                          <p:cTn id="14" fill="hold">
+                            <p:stCondLst>
+                              <p:cond delay="0"/>
+                            </p:stCondLst>
+                            <p:childTnLst>
+                              <p:par>
+                                <p:cTn id="15" presetID="9" presetClass="entr" presetSubtype="0" fill="hold" nodeType="clickEffect">
+                                  <p:stCondLst>
+                                    <p:cond delay="0"/>
+                                  </p:stCondLst>
+                                  <p:childTnLst>
+                                    <p:set>
+                                      <p:cBhvr>
+                                        <p:cTn id="16" dur="1" fill="hold">
+                                          <p:stCondLst>
+                                            <p:cond delay="0"/>
+                                          </p:stCondLst>
+                                        </p:cTn>
+                                        <p:tgtEl>
+                                          <p:spTgt spid="3">
+                                            <p:txEl>
+                                              <p:pRg st="3" end="3"/>
+                                            </p:txEl>
+                                          </p:spTgt>
+                                        </p:tgtEl>
+                                        <p:attrNameLst>
+                                          <p:attrName>style.visibility</p:attrName>
+                                        </p:attrNameLst>
+                                      </p:cBhvr>
+                                      <p:to>
+                                        <p:strVal val="visible"/>
+                                      </p:to>
+                                    </p:set>
+                                    <p:animEffect transition="in" filter="dissolve">
+                                      <p:cBhvr>
+                                        <p:cTn id="17" dur="500"/>
+                                        <p:tgtEl>
+                                          <p:spTgt spid="3">
+                                            <p:txEl>
+                                              <p:pRg st="3" end="3"/>
+                                            </p:txEl>
+                                          </p:spTgt>
+                                        </p:tgtEl>
+                                      </p:cBhvr>
+                                    </p:animEffect>
+                                  </p:childTnLst>
+                                </p:cTn>
+                              </p:par>
+                            </p:childTnLst>
+                          </p:cTn>
+                        </p:par>
+                      </p:childTnLst>
+                    </p:cTn>
+                  </p:par>
+                  <p:par>
+                    <p:cTn id="18" fill="hold">
+                      <p:stCondLst>
+                        <p:cond delay="indefinite"/>
+                      </p:stCondLst>
+                      <p:childTnLst>
+                        <p:par>
+                          <p:cTn id="19" fill="hold">
+                            <p:stCondLst>
+                              <p:cond delay="0"/>
+                            </p:stCondLst>
+                            <p:childTnLst>
+                              <p:par>
+                                <p:cTn id="20" presetID="9" presetClass="entr" presetSubtype="0" fill="hold" nodeType="clickEffect">
+                                  <p:stCondLst>
+                                    <p:cond delay="0"/>
+                                  </p:stCondLst>
+                                  <p:childTnLst>
+                                    <p:set>
+                                      <p:cBhvr>
+                                        <p:cTn id="21" dur="1" fill="hold">
+                                          <p:stCondLst>
+                                            <p:cond delay="0"/>
+                                          </p:stCondLst>
+                                        </p:cTn>
+                                        <p:tgtEl>
+                                          <p:spTgt spid="3">
+                                            <p:txEl>
+                                              <p:pRg st="4" end="4"/>
+                                            </p:txEl>
+                                          </p:spTgt>
+                                        </p:tgtEl>
+                                        <p:attrNameLst>
+                                          <p:attrName>style.visibility</p:attrName>
+                                        </p:attrNameLst>
+                                      </p:cBhvr>
+                                      <p:to>
+                                        <p:strVal val="visible"/>
+                                      </p:to>
+                                    </p:set>
+                                    <p:animEffect transition="in" filter="dissolve">
+                                      <p:cBhvr>
+                                        <p:cTn id="22" dur="500"/>
+                                        <p:tgtEl>
+                                          <p:spTgt spid="3">
+                                            <p:txEl>
+                                              <p:pRg st="4" end="4"/>
+                                            </p:txEl>
+                                          </p:spTgt>
+                                        </p:tgtEl>
+                                      </p:cBhvr>
+                                    </p:animEffect>
+                                  </p:childTnLst>
+                                </p:cTn>
+                              </p:par>
+                            </p:childTnLst>
+                          </p:cTn>
+                        </p:par>
+                      </p:childTnLst>
+                    </p:cTn>
+                  </p:par>
+                </p:childTnLst>
+              </p:cTn>
+              <p:prevCondLst>
+                <p:cond evt="onPrev" delay="0">
+                  <p:tgtEl>
+                    <p:sldTgt/>
+                  </p:tgtEl>
+                </p:cond>
+              </p:prevCondLst>
+              <p:nextCondLst>
+                <p:cond evt="onNext" delay="0">
+                  <p:tgtEl>
+                    <p:sldTgt/>
+                  </p:tgtEl>
+                </p:cond>
+              </p:nextCondLst>
+            </p:seq>
+          </p:childTnLst>
+        </p:cTn>
+      </p:par>
+    </p:tnLst>
+  </p:timing>
+</p:sld>
+</file>
+
+<file path=ppt/slides/slide21.xml><?xml version="1.0" encoding="utf-8"?>
 <p:sld xmlns:a="http://schemas.openxmlformats.org/drawingml/2006/main" xmlns:r="http://schemas.openxmlformats.org/officeDocument/2006/relationships" xmlns:p="http://schemas.openxmlformats.org/presentationml/2006/main" show="0">
   <p:cSld>
     <p:spTree>
@@ -11811,30 +12477,21 @@
                             </p:childTnLst>
                           </p:cTn>
                         </p:par>
-                      </p:childTnLst>
-                    </p:cTn>
-                  </p:par>
-                  <p:par>
-                    <p:cTn id="8" fill="hold">
-                      <p:stCondLst>
-                        <p:cond delay="indefinite"/>
-                      </p:stCondLst>
-                      <p:childTnLst>
                         <p:par>
-                          <p:cTn id="9" fill="hold">
+                          <p:cTn id="8" fill="hold">
                             <p:stCondLst>
-                              <p:cond delay="0"/>
+                              <p:cond delay="500"/>
                             </p:stCondLst>
                             <p:childTnLst>
                               <p:par>
-                                <p:cTn id="10" presetID="9" presetClass="entr" presetSubtype="0" fill="hold" grpId="0" nodeType="clickEffect">
+                                <p:cTn id="9" presetID="9" presetClass="entr" presetSubtype="0" fill="hold" grpId="0" nodeType="afterEffect">
                                   <p:stCondLst>
                                     <p:cond delay="0"/>
                                   </p:stCondLst>
                                   <p:childTnLst>
                                     <p:set>
                                       <p:cBhvr>
-                                        <p:cTn id="11" dur="1" fill="hold">
+                                        <p:cTn id="10" dur="1" fill="hold">
                                           <p:stCondLst>
                                             <p:cond delay="0"/>
                                           </p:stCondLst>
@@ -11852,7 +12509,7 @@
                                     </p:set>
                                     <p:animEffect transition="in" filter="dissolve">
                                       <p:cBhvr>
-                                        <p:cTn id="12" dur="1000"/>
+                                        <p:cTn id="11" dur="1000"/>
                                         <p:tgtEl>
                                           <p:spTgt spid="7"/>
                                         </p:tgtEl>
@@ -11864,30 +12521,21 @@
                             </p:childTnLst>
                           </p:cTn>
                         </p:par>
-                      </p:childTnLst>
-                    </p:cTn>
-                  </p:par>
-                  <p:par>
-                    <p:cTn id="13" fill="hold">
-                      <p:stCondLst>
-                        <p:cond delay="indefinite"/>
-                      </p:stCondLst>
-                      <p:childTnLst>
                         <p:par>
-                          <p:cTn id="14" fill="hold">
+                          <p:cTn id="12" fill="hold">
                             <p:stCondLst>
-                              <p:cond delay="0"/>
+                              <p:cond delay="1500"/>
                             </p:stCondLst>
                             <p:childTnLst>
                               <p:par>
-                                <p:cTn id="15" presetID="9" presetClass="entr" presetSubtype="0" fill="hold" grpId="0" nodeType="clickEffect">
+                                <p:cTn id="13" presetID="9" presetClass="entr" presetSubtype="0" fill="hold" grpId="0" nodeType="afterEffect">
                                   <p:stCondLst>
                                     <p:cond delay="0"/>
                                   </p:stCondLst>
                                   <p:childTnLst>
                                     <p:set>
                                       <p:cBhvr>
-                                        <p:cTn id="16" dur="1" fill="hold">
+                                        <p:cTn id="14" dur="1" fill="hold">
                                           <p:stCondLst>
                                             <p:cond delay="0"/>
                                           </p:stCondLst>
@@ -11909,7 +12557,7 @@
                                     </p:set>
                                     <p:animEffect transition="in" filter="dissolve">
                                       <p:cBhvr>
-                                        <p:cTn id="17" dur="500"/>
+                                        <p:cTn id="15" dur="500"/>
                                         <p:tgtEl>
                                           <p:spTgt spid="8">
                                             <p:txEl>
@@ -13816,7 +14464,7 @@
           <a:graphicData uri="http://schemas.openxmlformats.org/presentationml/2006/ole">
             <mc:AlternateContent xmlns:mc="http://schemas.openxmlformats.org/markup-compatibility/2006">
               <mc:Choice xmlns:v="urn:schemas-microsoft-com:vml" Requires="v">
-                <p:oleObj spid="_x0000_s1047" name="Equation" r:id="rId4" imgW="1727200" imgH="393700" progId="Equation.DSMT4">
+                <p:oleObj spid="_x0000_s1052" name="Equation" r:id="rId4" imgW="1727200" imgH="393700" progId="Equation.DSMT4">
                   <p:embed/>
                 </p:oleObj>
               </mc:Choice>
@@ -13873,7 +14521,7 @@
           <a:graphicData uri="http://schemas.openxmlformats.org/presentationml/2006/ole">
             <mc:AlternateContent xmlns:mc="http://schemas.openxmlformats.org/markup-compatibility/2006">
               <mc:Choice xmlns:v="urn:schemas-microsoft-com:vml" Requires="v">
-                <p:oleObj spid="_x0000_s1048" name="Equation" r:id="rId6" imgW="3035300" imgH="838200" progId="Equation.DSMT4">
+                <p:oleObj spid="_x0000_s1053" name="Equation" r:id="rId6" imgW="3035300" imgH="838200" progId="Equation.DSMT4">
                   <p:embed/>
                 </p:oleObj>
               </mc:Choice>
@@ -16568,7 +17216,7 @@
           <a:graphicData uri="http://schemas.openxmlformats.org/presentationml/2006/ole">
             <mc:AlternateContent xmlns:mc="http://schemas.openxmlformats.org/markup-compatibility/2006">
               <mc:Choice xmlns:v="urn:schemas-microsoft-com:vml" Requires="v">
-                <p:oleObj spid="_x0000_s5127" name="Equation" r:id="rId4" imgW="1562100" imgH="393700" progId="Equation.DSMT4">
+                <p:oleObj spid="_x0000_s5131" name="Equation" r:id="rId4" imgW="1562100" imgH="393700" progId="Equation.DSMT4">
                   <p:embed/>
                 </p:oleObj>
               </mc:Choice>
@@ -16644,13 +17292,13 @@
   <p:clrMapOvr>
     <a:masterClrMapping/>
   </p:clrMapOvr>
-  <mc:AlternateContent xmlns:mc="http://schemas.openxmlformats.org/markup-compatibility/2006">
-    <mc:Choice xmlns:p14="http://schemas.microsoft.com/office/powerpoint/2010/main" Requires="p14">
+  <mc:AlternateContent xmlns:mc="http://schemas.openxmlformats.org/markup-compatibility/2006" xmlns:p14="http://schemas.microsoft.com/office/powerpoint/2010/main">
+    <mc:Choice Requires="p14">
       <p:transition spd="slow" p14:dur="900">
         <p:fade/>
       </p:transition>
     </mc:Choice>
-    <mc:Fallback>
+    <mc:Fallback xmlns="">
       <p:transition xmlns:p14="http://schemas.microsoft.com/office/powerpoint/2010/main" spd="slow">
         <p:fade/>
       </p:transition>
@@ -16713,63 +17361,6 @@
       </p:sp>
       <p:graphicFrame>
         <p:nvGraphicFramePr>
-          <p:cNvPr id="5" name="Object 4"/>
-          <p:cNvGraphicFramePr>
-            <a:graphicFrameLocks noChangeAspect="1"/>
-          </p:cNvGraphicFramePr>
-          <p:nvPr>
-            <p:extLst>
-              <p:ext uri="{D42A27DB-BD31-4B8C-83A1-F6EECF244321}">
-                <p14:modId xmlns:p14="http://schemas.microsoft.com/office/powerpoint/2010/main" val="2545341306"/>
-              </p:ext>
-            </p:extLst>
-          </p:nvPr>
-        </p:nvGraphicFramePr>
-        <p:xfrm>
-          <a:off x="2652406" y="988657"/>
-          <a:ext cx="4398962" cy="1296988"/>
-        </p:xfrm>
-        <a:graphic>
-          <a:graphicData uri="http://schemas.openxmlformats.org/presentationml/2006/ole">
-            <mc:AlternateContent xmlns:mc="http://schemas.openxmlformats.org/markup-compatibility/2006">
-              <mc:Choice xmlns:v="urn:schemas-microsoft-com:vml" Requires="v">
-                <p:oleObj spid="_x0000_s2056" name="Equation" r:id="rId4" imgW="1333500" imgH="393700" progId="Equation.3">
-                  <p:embed/>
-                </p:oleObj>
-              </mc:Choice>
-              <mc:Fallback>
-                <p:oleObj name="Equation" r:id="rId4" imgW="1333500" imgH="393700" progId="Equation.3">
-                  <p:embed/>
-                  <p:pic>
-                    <p:nvPicPr>
-                      <p:cNvPr id="0" name=""/>
-                      <p:cNvPicPr/>
-                      <p:nvPr/>
-                    </p:nvPicPr>
-                    <p:blipFill>
-                      <a:blip r:embed="rId5"/>
-                      <a:stretch>
-                        <a:fillRect/>
-                      </a:stretch>
-                    </p:blipFill>
-                    <p:spPr>
-                      <a:xfrm>
-                        <a:off x="2652406" y="988657"/>
-                        <a:ext cx="4398962" cy="1296988"/>
-                      </a:xfrm>
-                      <a:prstGeom prst="rect">
-                        <a:avLst/>
-                      </a:prstGeom>
-                    </p:spPr>
-                  </p:pic>
-                </p:oleObj>
-              </mc:Fallback>
-            </mc:AlternateContent>
-          </a:graphicData>
-        </a:graphic>
-      </p:graphicFrame>
-      <p:graphicFrame>
-        <p:nvGraphicFramePr>
           <p:cNvPr id="8" name="Table 7"/>
           <p:cNvGraphicFramePr>
             <a:graphicFrameLocks noGrp="1"/>
@@ -19269,6 +19860,63 @@
           </a:p>
         </p:txBody>
       </p:sp>
+      <p:graphicFrame>
+        <p:nvGraphicFramePr>
+          <p:cNvPr id="15" name="Object 14"/>
+          <p:cNvGraphicFramePr>
+            <a:graphicFrameLocks noChangeAspect="1"/>
+          </p:cNvGraphicFramePr>
+          <p:nvPr>
+            <p:extLst>
+              <p:ext uri="{D42A27DB-BD31-4B8C-83A1-F6EECF244321}">
+                <p14:modId xmlns:p14="http://schemas.microsoft.com/office/powerpoint/2010/main" val="956097972"/>
+              </p:ext>
+            </p:extLst>
+          </p:nvPr>
+        </p:nvGraphicFramePr>
+        <p:xfrm>
+          <a:off x="2665646" y="1097473"/>
+          <a:ext cx="4113875" cy="1036830"/>
+        </p:xfrm>
+        <a:graphic>
+          <a:graphicData uri="http://schemas.openxmlformats.org/presentationml/2006/ole">
+            <mc:AlternateContent xmlns:mc="http://schemas.openxmlformats.org/markup-compatibility/2006">
+              <mc:Choice xmlns:v="urn:schemas-microsoft-com:vml" Requires="v">
+                <p:oleObj spid="_x0000_s2060" name="Equation" r:id="rId4" imgW="1562100" imgH="393700" progId="Equation.DSMT4">
+                  <p:embed/>
+                </p:oleObj>
+              </mc:Choice>
+              <mc:Fallback>
+                <p:oleObj name="Equation" r:id="rId4" imgW="1562100" imgH="393700" progId="Equation.DSMT4">
+                  <p:embed/>
+                  <p:pic>
+                    <p:nvPicPr>
+                      <p:cNvPr id="0" name=""/>
+                      <p:cNvPicPr/>
+                      <p:nvPr/>
+                    </p:nvPicPr>
+                    <p:blipFill>
+                      <a:blip r:embed="rId5"/>
+                      <a:stretch>
+                        <a:fillRect/>
+                      </a:stretch>
+                    </p:blipFill>
+                    <p:spPr>
+                      <a:xfrm>
+                        <a:off x="2665646" y="1097473"/>
+                        <a:ext cx="4113875" cy="1036830"/>
+                      </a:xfrm>
+                      <a:prstGeom prst="rect">
+                        <a:avLst/>
+                      </a:prstGeom>
+                    </p:spPr>
+                  </p:pic>
+                </p:oleObj>
+              </mc:Fallback>
+            </mc:AlternateContent>
+          </a:graphicData>
+        </a:graphic>
+      </p:graphicFrame>
     </p:spTree>
     <p:custDataLst>
       <p:tags r:id="rId2"/>
@@ -19282,13 +19930,13 @@
   <p:clrMapOvr>
     <a:masterClrMapping/>
   </p:clrMapOvr>
-  <mc:AlternateContent xmlns:mc="http://schemas.openxmlformats.org/markup-compatibility/2006">
-    <mc:Choice xmlns:p14="http://schemas.microsoft.com/office/powerpoint/2010/main" Requires="p14">
+  <mc:AlternateContent xmlns:mc="http://schemas.openxmlformats.org/markup-compatibility/2006" xmlns:p14="http://schemas.microsoft.com/office/powerpoint/2010/main">
+    <mc:Choice Requires="p14">
       <p:transition spd="slow" p14:dur="900">
         <p:fade/>
       </p:transition>
     </mc:Choice>
-    <mc:Fallback>
+    <mc:Fallback xmlns="">
       <p:transition xmlns:p14="http://schemas.microsoft.com/office/powerpoint/2010/main" spd="slow">
         <p:fade/>
       </p:transition>
@@ -19387,8 +20035,8 @@
         </p:nvSpPr>
         <p:spPr bwMode="auto">
           <a:xfrm>
-            <a:off x="246929" y="1413784"/>
-            <a:ext cx="8634219" cy="4959248"/>
+            <a:off x="295034" y="1413784"/>
+            <a:ext cx="8489361" cy="4340104"/>
           </a:xfrm>
           <a:prstGeom prst="rect">
             <a:avLst/>
@@ -19594,10 +20242,18 @@
             <a:r>
               <a:rPr lang="en-US" sz="4400" dirty="0" smtClean="0">
                 <a:solidFill>
+                  <a:srgbClr val="E45ECA"/>
+                </a:solidFill>
+              </a:rPr>
+              <a:t>1−</a:t>
+            </a:r>
+            <a:r>
+              <a:rPr lang="en-US" sz="4400" dirty="0" smtClean="0">
+                <a:solidFill>
                   <a:srgbClr val="0000FF"/>
                 </a:solidFill>
               </a:rPr>
-              <a:t>1−M</a:t>
+              <a:t>M</a:t>
             </a:r>
             <a:r>
               <a:rPr lang="en-US" sz="4400" baseline="-25000" dirty="0" smtClean="0">
@@ -19715,13 +20371,13 @@
   <p:clrMapOvr>
     <a:masterClrMapping/>
   </p:clrMapOvr>
-  <mc:AlternateContent xmlns:mc="http://schemas.openxmlformats.org/markup-compatibility/2006">
-    <mc:Choice xmlns:p14="http://schemas.microsoft.com/office/powerpoint/2010/main" Requires="p14">
+  <mc:AlternateContent xmlns:mc="http://schemas.openxmlformats.org/markup-compatibility/2006" xmlns:p14="http://schemas.microsoft.com/office/powerpoint/2010/main">
+    <mc:Choice Requires="p14">
       <p:transition spd="med" p14:dur="700">
         <p:fade thruBlk="1"/>
       </p:transition>
     </mc:Choice>
-    <mc:Fallback>
+    <mc:Fallback xmlns="">
       <p:transition xmlns:p14="http://schemas.microsoft.com/office/powerpoint/2010/main" spd="med">
         <p:fade thruBlk="1"/>
       </p:transition>
@@ -20069,8 +20725,8 @@
         </p:nvSpPr>
         <p:spPr bwMode="auto">
           <a:xfrm>
-            <a:off x="246929" y="1413784"/>
-            <a:ext cx="8634219" cy="4959248"/>
+            <a:off x="218066" y="1413784"/>
+            <a:ext cx="8749140" cy="4166910"/>
           </a:xfrm>
           <a:prstGeom prst="rect">
             <a:avLst/>
@@ -20249,7 +20905,23 @@
                   <a:srgbClr val="000000"/>
                 </a:solidFill>
               </a:rPr>
-              <a:t>that calculated whether</a:t>
+              <a:t>that </a:t>
+            </a:r>
+            <a:r>
+              <a:rPr lang="en-US" sz="4400" dirty="0" smtClean="0">
+                <a:solidFill>
+                  <a:srgbClr val="000000"/>
+                </a:solidFill>
+              </a:rPr>
+              <a:t>tested </a:t>
+            </a:r>
+            <a:r>
+              <a:rPr lang="en-US" sz="4400" dirty="0" smtClean="0">
+                <a:solidFill>
+                  <a:srgbClr val="000000"/>
+                </a:solidFill>
+              </a:rPr>
+              <a:t>whether</a:t>
             </a:r>
           </a:p>
           <a:p>
@@ -20283,7 +20955,30 @@
                   <a:srgbClr val="000000"/>
                 </a:solidFill>
               </a:rPr>
-              <a:t>) halted and returned a value when applied to </a:t>
+              <a:t>) halted and returned a </a:t>
+            </a:r>
+            <a:endParaRPr lang="en-US" sz="4400" dirty="0" smtClean="0">
+              <a:solidFill>
+                <a:srgbClr val="000000"/>
+              </a:solidFill>
+            </a:endParaRPr>
+          </a:p>
+          <a:p>
+            <a:r>
+              <a:rPr lang="en-US" sz="4400" dirty="0" smtClean="0">
+                <a:solidFill>
+                  <a:srgbClr val="000000"/>
+                </a:solidFill>
+              </a:rPr>
+              <a:t>value </a:t>
+            </a:r>
+            <a:r>
+              <a:rPr lang="en-US" sz="4400" dirty="0" smtClean="0">
+                <a:solidFill>
+                  <a:srgbClr val="000000"/>
+                </a:solidFill>
+              </a:rPr>
+              <a:t>when applied to </a:t>
             </a:r>
             <a:r>
               <a:rPr lang="en-US" sz="4400" dirty="0" smtClean="0">
@@ -20347,13 +21042,13 @@
   <p:clrMapOvr>
     <a:masterClrMapping/>
   </p:clrMapOvr>
-  <mc:AlternateContent xmlns:mc="http://schemas.openxmlformats.org/markup-compatibility/2006">
-    <mc:Choice xmlns:p14="http://schemas.microsoft.com/office/powerpoint/2010/main" Requires="p14">
+  <mc:AlternateContent xmlns:mc="http://schemas.openxmlformats.org/markup-compatibility/2006" xmlns:p14="http://schemas.microsoft.com/office/powerpoint/2010/main">
+    <mc:Choice Requires="p14">
       <p:transition spd="slow" p14:dur="900">
         <p:fade/>
       </p:transition>
     </mc:Choice>
-    <mc:Fallback>
+    <mc:Fallback xmlns="">
       <p:transition xmlns:p14="http://schemas.microsoft.com/office/powerpoint/2010/main" spd="slow">
         <p:fade/>
       </p:transition>
@@ -20395,7 +21090,7 @@
                                         <p:tgtEl>
                                           <p:spTgt spid="15">
                                             <p:txEl>
-                                              <p:pRg st="3" end="3"/>
+                                              <p:pRg st="4" end="4"/>
                                             </p:txEl>
                                           </p:spTgt>
                                         </p:tgtEl>
@@ -20413,7 +21108,7 @@
                                         <p:tgtEl>
                                           <p:spTgt spid="15">
                                             <p:txEl>
-                                              <p:pRg st="3" end="3"/>
+                                              <p:pRg st="4" end="4"/>
                                             </p:txEl>
                                           </p:spTgt>
                                         </p:tgtEl>
@@ -20491,6 +21186,12 @@
 </file>
 
 <file path=ppt/tags/tag12.xml><?xml version="1.0" encoding="utf-8"?>
+<p:tagLst xmlns:a="http://schemas.openxmlformats.org/drawingml/2006/main" xmlns:r="http://schemas.openxmlformats.org/officeDocument/2006/relationships" xmlns:p="http://schemas.openxmlformats.org/presentationml/2006/main">
+  <p:tag name="TIMING" val="|8.4|3.7|1.5|0.8|0.8|1.1"/>
+</p:tagLst>
+</file>
+
+<file path=ppt/tags/tag13.xml><?xml version="1.0" encoding="utf-8"?>
 <p:tagLst xmlns:a="http://schemas.openxmlformats.org/drawingml/2006/main" xmlns:r="http://schemas.openxmlformats.org/officeDocument/2006/relationships" xmlns:p="http://schemas.openxmlformats.org/presentationml/2006/main">
   <p:tag name="TIMING" val="|1|21.3|9.1"/>
 </p:tagLst>

--- a/spring13/slides13/halting-problem.pptx
+++ b/spring13/slides13/halting-problem.pptx
@@ -918,6 +918,176 @@
 </p:notes>
 </file>
 
+<file path=ppt/notesSlides/notesSlide10.xml><?xml version="1.0" encoding="utf-8"?>
+<p:notes xmlns:a="http://schemas.openxmlformats.org/drawingml/2006/main" xmlns:r="http://schemas.openxmlformats.org/officeDocument/2006/relationships" xmlns:p="http://schemas.openxmlformats.org/presentationml/2006/main">
+  <p:cSld>
+    <p:spTree>
+      <p:nvGrpSpPr>
+        <p:cNvPr id="1" name=""/>
+        <p:cNvGrpSpPr/>
+        <p:nvPr/>
+      </p:nvGrpSpPr>
+      <p:grpSpPr>
+        <a:xfrm>
+          <a:off x="0" y="0"/>
+          <a:ext cx="0" cy="0"/>
+          <a:chOff x="0" y="0"/>
+          <a:chExt cx="0" cy="0"/>
+        </a:xfrm>
+      </p:grpSpPr>
+      <p:sp>
+        <p:nvSpPr>
+          <p:cNvPr id="2" name="Slide Image Placeholder 1"/>
+          <p:cNvSpPr>
+            <a:spLocks noGrp="1" noRot="1" noChangeAspect="1"/>
+          </p:cNvSpPr>
+          <p:nvPr>
+            <p:ph type="sldImg"/>
+          </p:nvPr>
+        </p:nvSpPr>
+        <p:spPr/>
+      </p:sp>
+      <p:sp>
+        <p:nvSpPr>
+          <p:cNvPr id="3" name="Notes Placeholder 2"/>
+          <p:cNvSpPr>
+            <a:spLocks noGrp="1"/>
+          </p:cNvSpPr>
+          <p:nvPr>
+            <p:ph type="body" idx="1"/>
+          </p:nvPr>
+        </p:nvSpPr>
+        <p:spPr/>
+        <p:txBody>
+          <a:bodyPr/>
+          <a:lstStyle/>
+          <a:p>
+            <a:endParaRPr lang="en-US"/>
+          </a:p>
+        </p:txBody>
+      </p:sp>
+      <p:sp>
+        <p:nvSpPr>
+          <p:cNvPr id="4" name="Slide Number Placeholder 3"/>
+          <p:cNvSpPr>
+            <a:spLocks noGrp="1"/>
+          </p:cNvSpPr>
+          <p:nvPr>
+            <p:ph type="sldNum" sz="quarter" idx="10"/>
+          </p:nvPr>
+        </p:nvSpPr>
+        <p:spPr/>
+        <p:txBody>
+          <a:bodyPr/>
+          <a:lstStyle/>
+          <a:p>
+            <a:fld id="{A02B9F3F-3042-489F-AF35-1A733968F079}" type="slidenum">
+              <a:rPr lang="en-US" smtClean="0"/>
+              <a:pPr/>
+              <a:t>11</a:t>
+            </a:fld>
+            <a:endParaRPr lang="en-US" dirty="0"/>
+          </a:p>
+        </p:txBody>
+      </p:sp>
+    </p:spTree>
+    <p:extLst>
+      <p:ext uri="{BB962C8B-B14F-4D97-AF65-F5344CB8AC3E}">
+        <p14:creationId xmlns:p14="http://schemas.microsoft.com/office/powerpoint/2010/main" val="3328010046"/>
+      </p:ext>
+    </p:extLst>
+  </p:cSld>
+  <p:clrMapOvr>
+    <a:masterClrMapping/>
+  </p:clrMapOvr>
+</p:notes>
+</file>
+
+<file path=ppt/notesSlides/notesSlide11.xml><?xml version="1.0" encoding="utf-8"?>
+<p:notes xmlns:a="http://schemas.openxmlformats.org/drawingml/2006/main" xmlns:r="http://schemas.openxmlformats.org/officeDocument/2006/relationships" xmlns:p="http://schemas.openxmlformats.org/presentationml/2006/main">
+  <p:cSld>
+    <p:spTree>
+      <p:nvGrpSpPr>
+        <p:cNvPr id="1" name=""/>
+        <p:cNvGrpSpPr/>
+        <p:nvPr/>
+      </p:nvGrpSpPr>
+      <p:grpSpPr>
+        <a:xfrm>
+          <a:off x="0" y="0"/>
+          <a:ext cx="0" cy="0"/>
+          <a:chOff x="0" y="0"/>
+          <a:chExt cx="0" cy="0"/>
+        </a:xfrm>
+      </p:grpSpPr>
+      <p:sp>
+        <p:nvSpPr>
+          <p:cNvPr id="2" name="Slide Image Placeholder 1"/>
+          <p:cNvSpPr>
+            <a:spLocks noGrp="1" noRot="1" noChangeAspect="1"/>
+          </p:cNvSpPr>
+          <p:nvPr>
+            <p:ph type="sldImg"/>
+          </p:nvPr>
+        </p:nvSpPr>
+        <p:spPr/>
+      </p:sp>
+      <p:sp>
+        <p:nvSpPr>
+          <p:cNvPr id="3" name="Notes Placeholder 2"/>
+          <p:cNvSpPr>
+            <a:spLocks noGrp="1"/>
+          </p:cNvSpPr>
+          <p:nvPr>
+            <p:ph type="body" idx="1"/>
+          </p:nvPr>
+        </p:nvSpPr>
+        <p:spPr/>
+        <p:txBody>
+          <a:bodyPr/>
+          <a:lstStyle/>
+          <a:p>
+            <a:endParaRPr lang="en-US"/>
+          </a:p>
+        </p:txBody>
+      </p:sp>
+      <p:sp>
+        <p:nvSpPr>
+          <p:cNvPr id="4" name="Slide Number Placeholder 3"/>
+          <p:cNvSpPr>
+            <a:spLocks noGrp="1"/>
+          </p:cNvSpPr>
+          <p:nvPr>
+            <p:ph type="sldNum" sz="quarter" idx="10"/>
+          </p:nvPr>
+        </p:nvSpPr>
+        <p:spPr/>
+        <p:txBody>
+          <a:bodyPr/>
+          <a:lstStyle/>
+          <a:p>
+            <a:fld id="{A02B9F3F-3042-489F-AF35-1A733968F079}" type="slidenum">
+              <a:rPr lang="en-US" smtClean="0"/>
+              <a:pPr/>
+              <a:t>12</a:t>
+            </a:fld>
+            <a:endParaRPr lang="en-US" dirty="0"/>
+          </a:p>
+        </p:txBody>
+      </p:sp>
+    </p:spTree>
+    <p:extLst>
+      <p:ext uri="{BB962C8B-B14F-4D97-AF65-F5344CB8AC3E}">
+        <p14:creationId xmlns:p14="http://schemas.microsoft.com/office/powerpoint/2010/main" val="2392847480"/>
+      </p:ext>
+    </p:extLst>
+  </p:cSld>
+  <p:clrMapOvr>
+    <a:masterClrMapping/>
+  </p:clrMapOvr>
+</p:notes>
+</file>
+
 <file path=ppt/notesSlides/notesSlide2.xml><?xml version="1.0" encoding="utf-8"?>
 <p:notes xmlns:a="http://schemas.openxmlformats.org/drawingml/2006/main" xmlns:r="http://schemas.openxmlformats.org/officeDocument/2006/relationships" xmlns:p="http://schemas.openxmlformats.org/presentationml/2006/main">
   <p:cSld>
@@ -1164,6 +1334,431 @@
 </p:notes>
 </file>
 
+<file path=ppt/notesSlides/notesSlide5.xml><?xml version="1.0" encoding="utf-8"?>
+<p:notes xmlns:a="http://schemas.openxmlformats.org/drawingml/2006/main" xmlns:r="http://schemas.openxmlformats.org/officeDocument/2006/relationships" xmlns:p="http://schemas.openxmlformats.org/presentationml/2006/main">
+  <p:cSld>
+    <p:spTree>
+      <p:nvGrpSpPr>
+        <p:cNvPr id="1" name=""/>
+        <p:cNvGrpSpPr/>
+        <p:nvPr/>
+      </p:nvGrpSpPr>
+      <p:grpSpPr>
+        <a:xfrm>
+          <a:off x="0" y="0"/>
+          <a:ext cx="0" cy="0"/>
+          <a:chOff x="0" y="0"/>
+          <a:chExt cx="0" cy="0"/>
+        </a:xfrm>
+      </p:grpSpPr>
+      <p:sp>
+        <p:nvSpPr>
+          <p:cNvPr id="2" name="Slide Image Placeholder 1"/>
+          <p:cNvSpPr>
+            <a:spLocks noGrp="1" noRot="1" noChangeAspect="1"/>
+          </p:cNvSpPr>
+          <p:nvPr>
+            <p:ph type="sldImg"/>
+          </p:nvPr>
+        </p:nvSpPr>
+        <p:spPr/>
+      </p:sp>
+      <p:sp>
+        <p:nvSpPr>
+          <p:cNvPr id="3" name="Notes Placeholder 2"/>
+          <p:cNvSpPr>
+            <a:spLocks noGrp="1"/>
+          </p:cNvSpPr>
+          <p:nvPr>
+            <p:ph type="body" idx="1"/>
+          </p:nvPr>
+        </p:nvSpPr>
+        <p:spPr/>
+        <p:txBody>
+          <a:bodyPr/>
+          <a:lstStyle/>
+          <a:p>
+            <a:endParaRPr lang="en-US"/>
+          </a:p>
+        </p:txBody>
+      </p:sp>
+      <p:sp>
+        <p:nvSpPr>
+          <p:cNvPr id="4" name="Slide Number Placeholder 3"/>
+          <p:cNvSpPr>
+            <a:spLocks noGrp="1"/>
+          </p:cNvSpPr>
+          <p:nvPr>
+            <p:ph type="sldNum" sz="quarter" idx="10"/>
+          </p:nvPr>
+        </p:nvSpPr>
+        <p:spPr/>
+        <p:txBody>
+          <a:bodyPr/>
+          <a:lstStyle/>
+          <a:p>
+            <a:fld id="{A02B9F3F-3042-489F-AF35-1A733968F079}" type="slidenum">
+              <a:rPr lang="en-US" smtClean="0"/>
+              <a:pPr/>
+              <a:t>5</a:t>
+            </a:fld>
+            <a:endParaRPr lang="en-US" dirty="0"/>
+          </a:p>
+        </p:txBody>
+      </p:sp>
+    </p:spTree>
+    <p:extLst>
+      <p:ext uri="{BB962C8B-B14F-4D97-AF65-F5344CB8AC3E}">
+        <p14:creationId xmlns:p14="http://schemas.microsoft.com/office/powerpoint/2010/main" val="2278790605"/>
+      </p:ext>
+    </p:extLst>
+  </p:cSld>
+  <p:clrMapOvr>
+    <a:masterClrMapping/>
+  </p:clrMapOvr>
+</p:notes>
+</file>
+
+<file path=ppt/notesSlides/notesSlide6.xml><?xml version="1.0" encoding="utf-8"?>
+<p:notes xmlns:a="http://schemas.openxmlformats.org/drawingml/2006/main" xmlns:r="http://schemas.openxmlformats.org/officeDocument/2006/relationships" xmlns:p="http://schemas.openxmlformats.org/presentationml/2006/main">
+  <p:cSld>
+    <p:spTree>
+      <p:nvGrpSpPr>
+        <p:cNvPr id="1" name=""/>
+        <p:cNvGrpSpPr/>
+        <p:nvPr/>
+      </p:nvGrpSpPr>
+      <p:grpSpPr>
+        <a:xfrm>
+          <a:off x="0" y="0"/>
+          <a:ext cx="0" cy="0"/>
+          <a:chOff x="0" y="0"/>
+          <a:chExt cx="0" cy="0"/>
+        </a:xfrm>
+      </p:grpSpPr>
+      <p:sp>
+        <p:nvSpPr>
+          <p:cNvPr id="2" name="Slide Image Placeholder 1"/>
+          <p:cNvSpPr>
+            <a:spLocks noGrp="1" noRot="1" noChangeAspect="1"/>
+          </p:cNvSpPr>
+          <p:nvPr>
+            <p:ph type="sldImg"/>
+          </p:nvPr>
+        </p:nvSpPr>
+        <p:spPr/>
+      </p:sp>
+      <p:sp>
+        <p:nvSpPr>
+          <p:cNvPr id="3" name="Notes Placeholder 2"/>
+          <p:cNvSpPr>
+            <a:spLocks noGrp="1"/>
+          </p:cNvSpPr>
+          <p:nvPr>
+            <p:ph type="body" idx="1"/>
+          </p:nvPr>
+        </p:nvSpPr>
+        <p:spPr/>
+        <p:txBody>
+          <a:bodyPr/>
+          <a:lstStyle/>
+          <a:p>
+            <a:endParaRPr lang="en-US"/>
+          </a:p>
+        </p:txBody>
+      </p:sp>
+      <p:sp>
+        <p:nvSpPr>
+          <p:cNvPr id="4" name="Slide Number Placeholder 3"/>
+          <p:cNvSpPr>
+            <a:spLocks noGrp="1"/>
+          </p:cNvSpPr>
+          <p:nvPr>
+            <p:ph type="sldNum" sz="quarter" idx="10"/>
+          </p:nvPr>
+        </p:nvSpPr>
+        <p:spPr/>
+        <p:txBody>
+          <a:bodyPr/>
+          <a:lstStyle/>
+          <a:p>
+            <a:fld id="{A02B9F3F-3042-489F-AF35-1A733968F079}" type="slidenum">
+              <a:rPr lang="en-US" smtClean="0"/>
+              <a:pPr/>
+              <a:t>6</a:t>
+            </a:fld>
+            <a:endParaRPr lang="en-US" dirty="0"/>
+          </a:p>
+        </p:txBody>
+      </p:sp>
+    </p:spTree>
+    <p:extLst>
+      <p:ext uri="{BB962C8B-B14F-4D97-AF65-F5344CB8AC3E}">
+        <p14:creationId xmlns:p14="http://schemas.microsoft.com/office/powerpoint/2010/main" val="97650557"/>
+      </p:ext>
+    </p:extLst>
+  </p:cSld>
+  <p:clrMapOvr>
+    <a:masterClrMapping/>
+  </p:clrMapOvr>
+</p:notes>
+</file>
+
+<file path=ppt/notesSlides/notesSlide7.xml><?xml version="1.0" encoding="utf-8"?>
+<p:notes xmlns:a="http://schemas.openxmlformats.org/drawingml/2006/main" xmlns:r="http://schemas.openxmlformats.org/officeDocument/2006/relationships" xmlns:p="http://schemas.openxmlformats.org/presentationml/2006/main">
+  <p:cSld>
+    <p:spTree>
+      <p:nvGrpSpPr>
+        <p:cNvPr id="1" name=""/>
+        <p:cNvGrpSpPr/>
+        <p:nvPr/>
+      </p:nvGrpSpPr>
+      <p:grpSpPr>
+        <a:xfrm>
+          <a:off x="0" y="0"/>
+          <a:ext cx="0" cy="0"/>
+          <a:chOff x="0" y="0"/>
+          <a:chExt cx="0" cy="0"/>
+        </a:xfrm>
+      </p:grpSpPr>
+      <p:sp>
+        <p:nvSpPr>
+          <p:cNvPr id="2" name="Slide Image Placeholder 1"/>
+          <p:cNvSpPr>
+            <a:spLocks noGrp="1" noRot="1" noChangeAspect="1"/>
+          </p:cNvSpPr>
+          <p:nvPr>
+            <p:ph type="sldImg"/>
+          </p:nvPr>
+        </p:nvSpPr>
+        <p:spPr/>
+      </p:sp>
+      <p:sp>
+        <p:nvSpPr>
+          <p:cNvPr id="3" name="Notes Placeholder 2"/>
+          <p:cNvSpPr>
+            <a:spLocks noGrp="1"/>
+          </p:cNvSpPr>
+          <p:nvPr>
+            <p:ph type="body" idx="1"/>
+          </p:nvPr>
+        </p:nvSpPr>
+        <p:spPr/>
+        <p:txBody>
+          <a:bodyPr/>
+          <a:lstStyle/>
+          <a:p>
+            <a:endParaRPr lang="en-US"/>
+          </a:p>
+        </p:txBody>
+      </p:sp>
+      <p:sp>
+        <p:nvSpPr>
+          <p:cNvPr id="4" name="Slide Number Placeholder 3"/>
+          <p:cNvSpPr>
+            <a:spLocks noGrp="1"/>
+          </p:cNvSpPr>
+          <p:nvPr>
+            <p:ph type="sldNum" sz="quarter" idx="10"/>
+          </p:nvPr>
+        </p:nvSpPr>
+        <p:spPr/>
+        <p:txBody>
+          <a:bodyPr/>
+          <a:lstStyle/>
+          <a:p>
+            <a:fld id="{A02B9F3F-3042-489F-AF35-1A733968F079}" type="slidenum">
+              <a:rPr lang="en-US" smtClean="0"/>
+              <a:pPr/>
+              <a:t>7</a:t>
+            </a:fld>
+            <a:endParaRPr lang="en-US" dirty="0"/>
+          </a:p>
+        </p:txBody>
+      </p:sp>
+    </p:spTree>
+    <p:extLst>
+      <p:ext uri="{BB962C8B-B14F-4D97-AF65-F5344CB8AC3E}">
+        <p14:creationId xmlns:p14="http://schemas.microsoft.com/office/powerpoint/2010/main" val="2999041144"/>
+      </p:ext>
+    </p:extLst>
+  </p:cSld>
+  <p:clrMapOvr>
+    <a:masterClrMapping/>
+  </p:clrMapOvr>
+</p:notes>
+</file>
+
+<file path=ppt/notesSlides/notesSlide8.xml><?xml version="1.0" encoding="utf-8"?>
+<p:notes xmlns:a="http://schemas.openxmlformats.org/drawingml/2006/main" xmlns:r="http://schemas.openxmlformats.org/officeDocument/2006/relationships" xmlns:p="http://schemas.openxmlformats.org/presentationml/2006/main">
+  <p:cSld>
+    <p:spTree>
+      <p:nvGrpSpPr>
+        <p:cNvPr id="1" name=""/>
+        <p:cNvGrpSpPr/>
+        <p:nvPr/>
+      </p:nvGrpSpPr>
+      <p:grpSpPr>
+        <a:xfrm>
+          <a:off x="0" y="0"/>
+          <a:ext cx="0" cy="0"/>
+          <a:chOff x="0" y="0"/>
+          <a:chExt cx="0" cy="0"/>
+        </a:xfrm>
+      </p:grpSpPr>
+      <p:sp>
+        <p:nvSpPr>
+          <p:cNvPr id="2" name="Slide Image Placeholder 1"/>
+          <p:cNvSpPr>
+            <a:spLocks noGrp="1" noRot="1" noChangeAspect="1"/>
+          </p:cNvSpPr>
+          <p:nvPr>
+            <p:ph type="sldImg"/>
+          </p:nvPr>
+        </p:nvSpPr>
+        <p:spPr/>
+      </p:sp>
+      <p:sp>
+        <p:nvSpPr>
+          <p:cNvPr id="3" name="Notes Placeholder 2"/>
+          <p:cNvSpPr>
+            <a:spLocks noGrp="1"/>
+          </p:cNvSpPr>
+          <p:nvPr>
+            <p:ph type="body" idx="1"/>
+          </p:nvPr>
+        </p:nvSpPr>
+        <p:spPr/>
+        <p:txBody>
+          <a:bodyPr/>
+          <a:lstStyle/>
+          <a:p>
+            <a:endParaRPr lang="en-US"/>
+          </a:p>
+        </p:txBody>
+      </p:sp>
+      <p:sp>
+        <p:nvSpPr>
+          <p:cNvPr id="4" name="Slide Number Placeholder 3"/>
+          <p:cNvSpPr>
+            <a:spLocks noGrp="1"/>
+          </p:cNvSpPr>
+          <p:nvPr>
+            <p:ph type="sldNum" sz="quarter" idx="10"/>
+          </p:nvPr>
+        </p:nvSpPr>
+        <p:spPr/>
+        <p:txBody>
+          <a:bodyPr/>
+          <a:lstStyle/>
+          <a:p>
+            <a:fld id="{A02B9F3F-3042-489F-AF35-1A733968F079}" type="slidenum">
+              <a:rPr lang="en-US" smtClean="0"/>
+              <a:pPr/>
+              <a:t>9</a:t>
+            </a:fld>
+            <a:endParaRPr lang="en-US" dirty="0"/>
+          </a:p>
+        </p:txBody>
+      </p:sp>
+    </p:spTree>
+    <p:extLst>
+      <p:ext uri="{BB962C8B-B14F-4D97-AF65-F5344CB8AC3E}">
+        <p14:creationId xmlns:p14="http://schemas.microsoft.com/office/powerpoint/2010/main" val="2087573930"/>
+      </p:ext>
+    </p:extLst>
+  </p:cSld>
+  <p:clrMapOvr>
+    <a:masterClrMapping/>
+  </p:clrMapOvr>
+</p:notes>
+</file>
+
+<file path=ppt/notesSlides/notesSlide9.xml><?xml version="1.0" encoding="utf-8"?>
+<p:notes xmlns:a="http://schemas.openxmlformats.org/drawingml/2006/main" xmlns:r="http://schemas.openxmlformats.org/officeDocument/2006/relationships" xmlns:p="http://schemas.openxmlformats.org/presentationml/2006/main">
+  <p:cSld>
+    <p:spTree>
+      <p:nvGrpSpPr>
+        <p:cNvPr id="1" name=""/>
+        <p:cNvGrpSpPr/>
+        <p:nvPr/>
+      </p:nvGrpSpPr>
+      <p:grpSpPr>
+        <a:xfrm>
+          <a:off x="0" y="0"/>
+          <a:ext cx="0" cy="0"/>
+          <a:chOff x="0" y="0"/>
+          <a:chExt cx="0" cy="0"/>
+        </a:xfrm>
+      </p:grpSpPr>
+      <p:sp>
+        <p:nvSpPr>
+          <p:cNvPr id="2" name="Slide Image Placeholder 1"/>
+          <p:cNvSpPr>
+            <a:spLocks noGrp="1" noRot="1" noChangeAspect="1"/>
+          </p:cNvSpPr>
+          <p:nvPr>
+            <p:ph type="sldImg"/>
+          </p:nvPr>
+        </p:nvSpPr>
+        <p:spPr/>
+      </p:sp>
+      <p:sp>
+        <p:nvSpPr>
+          <p:cNvPr id="3" name="Notes Placeholder 2"/>
+          <p:cNvSpPr>
+            <a:spLocks noGrp="1"/>
+          </p:cNvSpPr>
+          <p:nvPr>
+            <p:ph type="body" idx="1"/>
+          </p:nvPr>
+        </p:nvSpPr>
+        <p:spPr/>
+        <p:txBody>
+          <a:bodyPr/>
+          <a:lstStyle/>
+          <a:p>
+            <a:endParaRPr lang="en-US"/>
+          </a:p>
+        </p:txBody>
+      </p:sp>
+      <p:sp>
+        <p:nvSpPr>
+          <p:cNvPr id="4" name="Slide Number Placeholder 3"/>
+          <p:cNvSpPr>
+            <a:spLocks noGrp="1"/>
+          </p:cNvSpPr>
+          <p:nvPr>
+            <p:ph type="sldNum" sz="quarter" idx="10"/>
+          </p:nvPr>
+        </p:nvSpPr>
+        <p:spPr/>
+        <p:txBody>
+          <a:bodyPr/>
+          <a:lstStyle/>
+          <a:p>
+            <a:fld id="{A02B9F3F-3042-489F-AF35-1A733968F079}" type="slidenum">
+              <a:rPr lang="en-US" smtClean="0"/>
+              <a:pPr/>
+              <a:t>10</a:t>
+            </a:fld>
+            <a:endParaRPr lang="en-US" dirty="0"/>
+          </a:p>
+        </p:txBody>
+      </p:sp>
+    </p:spTree>
+    <p:extLst>
+      <p:ext uri="{BB962C8B-B14F-4D97-AF65-F5344CB8AC3E}">
+        <p14:creationId xmlns:p14="http://schemas.microsoft.com/office/powerpoint/2010/main" val="346789339"/>
+      </p:ext>
+    </p:extLst>
+  </p:cSld>
+  <p:clrMapOvr>
+    <a:masterClrMapping/>
+  </p:clrMapOvr>
+</p:notes>
+</file>
+
 <file path=ppt/slideLayouts/slideLayout1.xml><?xml version="1.0" encoding="utf-8"?>
 <p:sldLayout xmlns:a="http://schemas.openxmlformats.org/drawingml/2006/main" xmlns:r="http://schemas.openxmlformats.org/officeDocument/2006/relationships" xmlns:p="http://schemas.openxmlformats.org/presentationml/2006/main" type="title" preserve="1">
   <p:cSld name="Title Slide">
@@ -1279,6 +1874,18 @@
   <p:clrMapOvr>
     <a:masterClrMapping/>
   </p:clrMapOvr>
+  <mc:AlternateContent xmlns:mc="http://schemas.openxmlformats.org/markup-compatibility/2006">
+    <mc:Choice xmlns:p14="http://schemas.microsoft.com/office/powerpoint/2010/main" Requires="p14">
+      <p:transition spd="slow" p14:dur="800" advClick="0">
+        <p:fade/>
+      </p:transition>
+    </mc:Choice>
+    <mc:Fallback>
+      <p:transition xmlns:p14="http://schemas.microsoft.com/office/powerpoint/2010/main" spd="slow" advClick="0">
+        <p:fade/>
+      </p:transition>
+    </mc:Fallback>
+  </mc:AlternateContent>
   <p:timing>
     <p:tnLst>
       <p:par>
@@ -1339,6 +1946,18 @@
   <p:clrMapOvr>
     <a:masterClrMapping/>
   </p:clrMapOvr>
+  <mc:AlternateContent xmlns:mc="http://schemas.openxmlformats.org/markup-compatibility/2006">
+    <mc:Choice xmlns:p14="http://schemas.microsoft.com/office/powerpoint/2010/main" Requires="p14">
+      <p:transition spd="slow" p14:dur="800" advClick="0">
+        <p:fade/>
+      </p:transition>
+    </mc:Choice>
+    <mc:Fallback>
+      <p:transition xmlns:p14="http://schemas.microsoft.com/office/powerpoint/2010/main" spd="slow" advClick="0">
+        <p:fade/>
+      </p:transition>
+    </mc:Fallback>
+  </mc:AlternateContent>
   <p:timing>
     <p:tnLst>
       <p:par>
@@ -1376,6 +1995,18 @@
   <p:clrMapOvr>
     <a:masterClrMapping/>
   </p:clrMapOvr>
+  <mc:AlternateContent xmlns:mc="http://schemas.openxmlformats.org/markup-compatibility/2006">
+    <mc:Choice xmlns:p14="http://schemas.microsoft.com/office/powerpoint/2010/main" Requires="p14">
+      <p:transition spd="slow" p14:dur="800" advClick="0">
+        <p:fade/>
+      </p:transition>
+    </mc:Choice>
+    <mc:Fallback>
+      <p:transition xmlns:p14="http://schemas.microsoft.com/office/powerpoint/2010/main" spd="slow" advClick="0">
+        <p:fade/>
+      </p:transition>
+    </mc:Fallback>
+  </mc:AlternateContent>
   <p:timing>
     <p:tnLst>
       <p:par>
@@ -1571,6 +2202,18 @@
   <p:clrMapOvr>
     <a:masterClrMapping/>
   </p:clrMapOvr>
+  <mc:AlternateContent xmlns:mc="http://schemas.openxmlformats.org/markup-compatibility/2006">
+    <mc:Choice xmlns:p14="http://schemas.microsoft.com/office/powerpoint/2010/main" Requires="p14">
+      <p:transition spd="slow" p14:dur="800" advClick="0">
+        <p:fade/>
+      </p:transition>
+    </mc:Choice>
+    <mc:Fallback>
+      <p:transition xmlns:p14="http://schemas.microsoft.com/office/powerpoint/2010/main" spd="slow" advClick="0">
+        <p:fade/>
+      </p:transition>
+    </mc:Fallback>
+  </mc:AlternateContent>
   <p:timing>
     <p:tnLst>
       <p:par>
@@ -1710,6 +2353,18 @@
   <p:clrMapOvr>
     <a:masterClrMapping/>
   </p:clrMapOvr>
+  <mc:AlternateContent xmlns:mc="http://schemas.openxmlformats.org/markup-compatibility/2006">
+    <mc:Choice xmlns:p14="http://schemas.microsoft.com/office/powerpoint/2010/main" Requires="p14">
+      <p:transition spd="slow" p14:dur="800" advClick="0">
+        <p:fade/>
+      </p:transition>
+    </mc:Choice>
+    <mc:Fallback>
+      <p:transition xmlns:p14="http://schemas.microsoft.com/office/powerpoint/2010/main" spd="slow" advClick="0">
+        <p:fade/>
+      </p:transition>
+    </mc:Fallback>
+  </mc:AlternateContent>
   <p:timing>
     <p:tnLst>
       <p:par>
@@ -1839,6 +2494,18 @@
   <p:clrMapOvr>
     <a:masterClrMapping/>
   </p:clrMapOvr>
+  <mc:AlternateContent xmlns:mc="http://schemas.openxmlformats.org/markup-compatibility/2006">
+    <mc:Choice xmlns:p14="http://schemas.microsoft.com/office/powerpoint/2010/main" Requires="p14">
+      <p:transition spd="slow" p14:dur="800" advClick="0">
+        <p:fade/>
+      </p:transition>
+    </mc:Choice>
+    <mc:Fallback>
+      <p:transition xmlns:p14="http://schemas.microsoft.com/office/powerpoint/2010/main" spd="slow" advClick="0">
+        <p:fade/>
+      </p:transition>
+    </mc:Fallback>
+  </mc:AlternateContent>
   <p:timing>
     <p:tnLst>
       <p:par>
@@ -1894,6 +2561,18 @@
   <p:clrMapOvr>
     <a:masterClrMapping/>
   </p:clrMapOvr>
+  <mc:AlternateContent xmlns:mc="http://schemas.openxmlformats.org/markup-compatibility/2006">
+    <mc:Choice xmlns:p14="http://schemas.microsoft.com/office/powerpoint/2010/main" Requires="p14">
+      <p:transition spd="slow" p14:dur="800" advClick="0">
+        <p:fade/>
+      </p:transition>
+    </mc:Choice>
+    <mc:Fallback>
+      <p:transition xmlns:p14="http://schemas.microsoft.com/office/powerpoint/2010/main" spd="slow" advClick="0">
+        <p:fade/>
+      </p:transition>
+    </mc:Fallback>
+  </mc:AlternateContent>
   <p:timing>
     <p:tnLst>
       <p:par>
@@ -1926,6 +2605,18 @@
   <p:clrMapOvr>
     <a:masterClrMapping/>
   </p:clrMapOvr>
+  <mc:AlternateContent xmlns:mc="http://schemas.openxmlformats.org/markup-compatibility/2006">
+    <mc:Choice xmlns:p14="http://schemas.microsoft.com/office/powerpoint/2010/main" Requires="p14">
+      <p:transition spd="slow" p14:dur="800" advClick="0">
+        <p:fade/>
+      </p:transition>
+    </mc:Choice>
+    <mc:Fallback>
+      <p:transition xmlns:p14="http://schemas.microsoft.com/office/powerpoint/2010/main" spd="slow" advClick="0">
+        <p:fade/>
+      </p:transition>
+    </mc:Fallback>
+  </mc:AlternateContent>
   <p:timing>
     <p:tnLst>
       <p:par>
@@ -2116,6 +2807,18 @@
   <p:clrMapOvr>
     <a:masterClrMapping/>
   </p:clrMapOvr>
+  <mc:AlternateContent xmlns:mc="http://schemas.openxmlformats.org/markup-compatibility/2006">
+    <mc:Choice xmlns:p14="http://schemas.microsoft.com/office/powerpoint/2010/main" Requires="p14">
+      <p:transition spd="slow" p14:dur="800" advClick="0">
+        <p:fade/>
+      </p:transition>
+    </mc:Choice>
+    <mc:Fallback>
+      <p:transition xmlns:p14="http://schemas.microsoft.com/office/powerpoint/2010/main" spd="slow" advClick="0">
+        <p:fade/>
+      </p:transition>
+    </mc:Fallback>
+  </mc:AlternateContent>
   <p:timing>
     <p:tnLst>
       <p:par>
@@ -2246,6 +2949,18 @@
   <p:clrMapOvr>
     <a:masterClrMapping/>
   </p:clrMapOvr>
+  <mc:AlternateContent xmlns:mc="http://schemas.openxmlformats.org/markup-compatibility/2006">
+    <mc:Choice xmlns:p14="http://schemas.microsoft.com/office/powerpoint/2010/main" Requires="p14">
+      <p:transition spd="slow" p14:dur="800" advClick="0">
+        <p:fade/>
+      </p:transition>
+    </mc:Choice>
+    <mc:Fallback>
+      <p:transition xmlns:p14="http://schemas.microsoft.com/office/powerpoint/2010/main" spd="slow" advClick="0">
+        <p:fade/>
+      </p:transition>
+    </mc:Fallback>
+  </mc:AlternateContent>
   <p:timing>
     <p:tnLst>
       <p:par>
@@ -2433,6 +3148,18 @@
   <p:clrMapOvr>
     <a:masterClrMapping/>
   </p:clrMapOvr>
+  <mc:AlternateContent xmlns:mc="http://schemas.openxmlformats.org/markup-compatibility/2006">
+    <mc:Choice xmlns:p14="http://schemas.microsoft.com/office/powerpoint/2010/main" Requires="p14">
+      <p:transition spd="slow" p14:dur="800" advClick="0">
+        <p:fade/>
+      </p:transition>
+    </mc:Choice>
+    <mc:Fallback>
+      <p:transition xmlns:p14="http://schemas.microsoft.com/office/powerpoint/2010/main" spd="slow" advClick="0">
+        <p:fade/>
+      </p:transition>
+    </mc:Fallback>
+  </mc:AlternateContent>
   <p:timing>
     <p:tnLst>
       <p:par>
@@ -2620,6 +3347,18 @@
   <p:clrMapOvr>
     <a:masterClrMapping/>
   </p:clrMapOvr>
+  <mc:AlternateContent xmlns:mc="http://schemas.openxmlformats.org/markup-compatibility/2006">
+    <mc:Choice xmlns:p14="http://schemas.microsoft.com/office/powerpoint/2010/main" Requires="p14">
+      <p:transition spd="slow" p14:dur="800" advClick="0">
+        <p:fade/>
+      </p:transition>
+    </mc:Choice>
+    <mc:Fallback>
+      <p:transition xmlns:p14="http://schemas.microsoft.com/office/powerpoint/2010/main" spd="slow" advClick="0">
+        <p:fade/>
+      </p:transition>
+    </mc:Fallback>
+  </mc:AlternateContent>
   <p:timing>
     <p:tnLst>
       <p:par>
@@ -2938,6 +3677,18 @@
     <p:sldLayoutId id="2147483657" r:id="rId5"/>
     <p:sldLayoutId id="2147483659" r:id="rId6"/>
   </p:sldLayoutIdLst>
+  <mc:AlternateContent xmlns:mc="http://schemas.openxmlformats.org/markup-compatibility/2006">
+    <mc:Choice xmlns:p14="http://schemas.microsoft.com/office/powerpoint/2010/main" Requires="p14">
+      <p:transition spd="slow" p14:dur="800" advClick="0">
+        <p:fade/>
+      </p:transition>
+    </mc:Choice>
+    <mc:Fallback>
+      <p:transition xmlns:p14="http://schemas.microsoft.com/office/powerpoint/2010/main" spd="slow" advClick="0">
+        <p:fade/>
+      </p:transition>
+    </mc:Fallback>
+  </mc:AlternateContent>
   <p:timing>
     <p:tnLst>
       <p:par>
@@ -3627,6 +4378,18 @@
     <p:sldLayoutId id="2147483672" r:id="rId5"/>
     <p:sldLayoutId id="2147483674" r:id="rId6"/>
   </p:sldLayoutIdLst>
+  <mc:AlternateContent xmlns:mc="http://schemas.openxmlformats.org/markup-compatibility/2006">
+    <mc:Choice xmlns:p14="http://schemas.microsoft.com/office/powerpoint/2010/main" Requires="p14">
+      <p:transition spd="slow" p14:dur="800" advClick="0">
+        <p:fade/>
+      </p:transition>
+    </mc:Choice>
+    <mc:Fallback>
+      <p:transition xmlns:p14="http://schemas.microsoft.com/office/powerpoint/2010/main" spd="slow" advClick="0">
+        <p:fade/>
+      </p:transition>
+    </mc:Fallback>
+  </mc:AlternateContent>
   <p:timing>
     <p:tnLst>
       <p:par>
@@ -4215,12 +4978,12 @@
   <p:clrMapOvr>
     <a:masterClrMapping/>
   </p:clrMapOvr>
-  <mc:AlternateContent xmlns:mc="http://schemas.openxmlformats.org/markup-compatibility/2006" xmlns:p14="http://schemas.microsoft.com/office/powerpoint/2010/main">
-    <mc:Choice Requires="p14">
-      <p:transition spd="slow" p14:dur="2000" advTm="47159"/>
+  <mc:AlternateContent xmlns:mc="http://schemas.openxmlformats.org/markup-compatibility/2006">
+    <mc:Choice xmlns:p14="http://schemas.microsoft.com/office/powerpoint/2010/main" Requires="p14">
+      <p:transition p14:dur="0" advClick="0"/>
     </mc:Choice>
-    <mc:Fallback xmlns="">
-      <p:transition xmlns:p14="http://schemas.microsoft.com/office/powerpoint/2010/main" spd="slow" advTm="47159"/>
+    <mc:Fallback>
+      <p:transition xmlns:p14="http://schemas.microsoft.com/office/powerpoint/2010/main" advClick="0"/>
     </mc:Fallback>
   </mc:AlternateContent>
   <p:timing>
@@ -4532,15 +5295,7 @@
                   <a:srgbClr val="000000"/>
                 </a:solidFill>
               </a:rPr>
-              <a:t>Test </a:t>
-            </a:r>
-            <a:r>
-              <a:rPr lang="en-US" dirty="0" smtClean="0">
-                <a:solidFill>
-                  <a:srgbClr val="000000"/>
-                </a:solidFill>
-              </a:rPr>
-              <a:t>if </a:t>
+              <a:t>Test if </a:t>
             </a:r>
             <a:r>
               <a:rPr lang="en-US" dirty="0">
@@ -4618,23 +5373,7 @@
           <a:p>
             <a:r>
               <a:rPr lang="en-US" dirty="0" smtClean="0"/>
-              <a:t>If </a:t>
-            </a:r>
-            <a:r>
-              <a:rPr lang="en-US" dirty="0" smtClean="0"/>
-              <a:t>not, </a:t>
-            </a:r>
-            <a:r>
-              <a:rPr lang="en-US" dirty="0" smtClean="0"/>
-              <a:t>halt </a:t>
-            </a:r>
-            <a:r>
-              <a:rPr lang="en-US" dirty="0" smtClean="0"/>
-              <a:t>and </a:t>
-            </a:r>
-            <a:r>
-              <a:rPr lang="en-US" dirty="0" smtClean="0"/>
-              <a:t>return </a:t>
+              <a:t>If not, halt and return </a:t>
             </a:r>
             <a:r>
               <a:rPr lang="en-US" dirty="0" smtClean="0">
@@ -4642,7 +5381,7 @@
                   <a:srgbClr val="0000FF"/>
                 </a:solidFill>
               </a:rPr>
-              <a:t>1.  </a:t>
+              <a:t>0.  </a:t>
             </a:r>
             <a:endParaRPr lang="en-US" dirty="0" smtClean="0">
               <a:solidFill>
@@ -4653,23 +5392,7 @@
           <a:p>
             <a:r>
               <a:rPr lang="en-US" dirty="0" smtClean="0"/>
-              <a:t>If </a:t>
-            </a:r>
-            <a:r>
-              <a:rPr lang="en-US" dirty="0" smtClean="0"/>
-              <a:t>so</a:t>
-            </a:r>
-            <a:r>
-              <a:rPr lang="en-US" dirty="0" smtClean="0"/>
-              <a:t>, </a:t>
-            </a:r>
-            <a:r>
-              <a:rPr lang="en-US" dirty="0" smtClean="0"/>
-              <a:t>apply</a:t>
-            </a:r>
-            <a:r>
-              <a:rPr lang="en-US" dirty="0" smtClean="0"/>
-              <a:t> </a:t>
+              <a:t>If so, apply </a:t>
             </a:r>
             <a:r>
               <a:rPr lang="en-US" dirty="0" smtClean="0">
@@ -4775,13 +5498,7 @@
               <a:rPr lang="en-US" dirty="0" smtClean="0">
                 <a:latin typeface="Comic Sans MS"/>
               </a:rPr>
-              <a:t>by </a:t>
-            </a:r>
-            <a:r>
-              <a:rPr lang="en-US" dirty="0" smtClean="0">
-                <a:latin typeface="Comic Sans MS"/>
-              </a:rPr>
-              <a:t> </a:t>
+              <a:t>by  </a:t>
             </a:r>
           </a:p>
           <a:p>
@@ -4856,14 +5573,14 @@
   <p:clrMapOvr>
     <a:masterClrMapping/>
   </p:clrMapOvr>
-  <mc:AlternateContent xmlns:mc="http://schemas.openxmlformats.org/markup-compatibility/2006" xmlns:p14="http://schemas.microsoft.com/office/powerpoint/2010/main">
-    <mc:Choice Requires="p14">
-      <p:transition spd="slow" p14:dur="900">
+  <mc:AlternateContent xmlns:mc="http://schemas.openxmlformats.org/markup-compatibility/2006">
+    <mc:Choice xmlns:p14="http://schemas.microsoft.com/office/powerpoint/2010/main" Requires="p14">
+      <p:transition spd="slow" p14:dur="800" advClick="0">
         <p:fade/>
       </p:transition>
     </mc:Choice>
-    <mc:Fallback xmlns="">
-      <p:transition xmlns:p14="http://schemas.microsoft.com/office/powerpoint/2010/main" spd="slow">
+    <mc:Fallback>
+      <p:transition xmlns:p14="http://schemas.microsoft.com/office/powerpoint/2010/main" spd="slow" advClick="0">
         <p:fade/>
       </p:transition>
     </mc:Fallback>
@@ -5490,25 +6207,7 @@
                 </a:solidFill>
                 <a:latin typeface="Comic Sans MS"/>
               </a:rPr>
-              <a:t>there </a:t>
-            </a:r>
-            <a:r>
-              <a:rPr lang="en-US" sz="4400" dirty="0" smtClean="0">
-                <a:solidFill>
-                  <a:srgbClr val="000000"/>
-                </a:solidFill>
-                <a:latin typeface="Comic Sans MS"/>
-              </a:rPr>
-              <a:t>must not be a way </a:t>
-            </a:r>
-            <a:r>
-              <a:rPr lang="en-US" sz="4400" dirty="0" smtClean="0">
-                <a:solidFill>
-                  <a:srgbClr val="000000"/>
-                </a:solidFill>
-                <a:latin typeface="Comic Sans MS"/>
-              </a:rPr>
-              <a:t>to test</a:t>
+              <a:t>there must not be a way to test</a:t>
             </a:r>
           </a:p>
           <a:p>
@@ -5551,15 +6250,7 @@
                   <a:srgbClr val="000000"/>
                 </a:solidFill>
               </a:rPr>
-              <a:t>) </a:t>
-            </a:r>
-            <a:r>
-              <a:rPr lang="en-US" sz="4400" dirty="0">
-                <a:solidFill>
-                  <a:srgbClr val="000000"/>
-                </a:solidFill>
-              </a:rPr>
-              <a:t>applied to </a:t>
+              <a:t>) applied to </a:t>
             </a:r>
             <a:r>
               <a:rPr lang="en-US" sz="4400" dirty="0" smtClean="0">
@@ -5641,9 +6332,18 @@
   <p:clrMapOvr>
     <a:masterClrMapping/>
   </p:clrMapOvr>
-  <p:transition xmlns:p14="http://schemas.microsoft.com/office/powerpoint/2010/main" spd="slow">
-    <p:fade/>
-  </p:transition>
+  <mc:AlternateContent xmlns:mc="http://schemas.openxmlformats.org/markup-compatibility/2006">
+    <mc:Choice xmlns:p14="http://schemas.microsoft.com/office/powerpoint/2010/main" Requires="p14">
+      <p:transition spd="slow" p14:dur="800" advClick="0">
+        <p:fade/>
+      </p:transition>
+    </mc:Choice>
+    <mc:Fallback>
+      <p:transition xmlns:p14="http://schemas.microsoft.com/office/powerpoint/2010/main" spd="slow" advClick="0">
+        <p:fade/>
+      </p:transition>
+    </mc:Fallback>
+  </mc:AlternateContent>
   <p:timing>
     <p:tnLst>
       <p:par>
@@ -6153,25 +6853,7 @@
                 </a:solidFill>
                 <a:latin typeface="Comic Sans MS"/>
               </a:rPr>
-              <a:t>not </a:t>
-            </a:r>
-            <a:r>
-              <a:rPr lang="en-US" sz="4400" dirty="0" smtClean="0">
-                <a:solidFill>
-                  <a:srgbClr val="F50802"/>
-                </a:solidFill>
-                <a:latin typeface="Comic Sans MS"/>
-              </a:rPr>
-              <a:t>decida</a:t>
-            </a:r>
-            <a:r>
-              <a:rPr lang="en-US" sz="4400" dirty="0" smtClean="0">
-                <a:solidFill>
-                  <a:srgbClr val="F50802"/>
-                </a:solidFill>
-                <a:latin typeface="Comic Sans MS"/>
-              </a:rPr>
-              <a:t>ble</a:t>
+              <a:t>not decidable</a:t>
             </a:r>
           </a:p>
           <a:p>
@@ -6185,12 +6867,6 @@
               </a:rPr>
               <a:t>(by computer programs)</a:t>
             </a:r>
-            <a:endParaRPr lang="en-US" sz="4400" dirty="0" smtClean="0">
-              <a:solidFill>
-                <a:srgbClr val="000000"/>
-              </a:solidFill>
-              <a:latin typeface="Comic Sans MS"/>
-            </a:endParaRPr>
           </a:p>
         </p:txBody>
       </p:sp>
@@ -6207,9 +6883,18 @@
   <p:clrMapOvr>
     <a:masterClrMapping/>
   </p:clrMapOvr>
-  <p:transition xmlns:p14="http://schemas.microsoft.com/office/powerpoint/2010/main" spd="slow">
-    <p:fade/>
-  </p:transition>
+  <mc:AlternateContent xmlns:mc="http://schemas.openxmlformats.org/markup-compatibility/2006">
+    <mc:Choice xmlns:p14="http://schemas.microsoft.com/office/powerpoint/2010/main" Requires="p14">
+      <p:transition spd="slow" p14:dur="800" advClick="0">
+        <p:fade/>
+      </p:transition>
+    </mc:Choice>
+    <mc:Fallback>
+      <p:transition xmlns:p14="http://schemas.microsoft.com/office/powerpoint/2010/main" spd="slow" advClick="0">
+        <p:fade/>
+      </p:transition>
+    </mc:Fallback>
+  </mc:AlternateContent>
   <p:timing>
     <p:tnLst>
       <p:par>
@@ -6694,7 +7379,7 @@
           <a:graphicData uri="http://schemas.openxmlformats.org/presentationml/2006/ole">
             <mc:AlternateContent xmlns:mc="http://schemas.openxmlformats.org/markup-compatibility/2006">
               <mc:Choice xmlns:v="urn:schemas-microsoft-com:vml" Requires="v">
-                <p:oleObj spid="_x0000_s3087" name="Equation" r:id="rId4" imgW="1333500" imgH="393700" progId="Equation.DSMT4">
+                <p:oleObj spid="_x0000_s3094" name="Equation" r:id="rId4" imgW="1333500" imgH="393700" progId="Equation.DSMT4">
                   <p:embed/>
                 </p:oleObj>
               </mc:Choice>
@@ -6937,7 +7622,7 @@
           <a:graphicData uri="http://schemas.openxmlformats.org/presentationml/2006/ole">
             <mc:AlternateContent xmlns:mc="http://schemas.openxmlformats.org/markup-compatibility/2006">
               <mc:Choice xmlns:v="urn:schemas-microsoft-com:vml" Requires="v">
-                <p:oleObj spid="_x0000_s3088" name="Equation" r:id="rId6" imgW="457200" imgH="393700" progId="Equation.3">
+                <p:oleObj spid="_x0000_s3095" name="Equation" r:id="rId6" imgW="457200" imgH="393700" progId="Equation.3">
                   <p:embed/>
                 </p:oleObj>
               </mc:Choice>
@@ -6987,12 +7672,12 @@
   </p:clrMapOvr>
   <mc:AlternateContent xmlns:mc="http://schemas.openxmlformats.org/markup-compatibility/2006">
     <mc:Choice xmlns:p14="http://schemas.microsoft.com/office/powerpoint/2010/main" Requires="p14">
-      <p:transition spd="med" p14:dur="700">
+      <p:transition spd="slow" p14:dur="800" advClick="0">
         <p:fade/>
       </p:transition>
     </mc:Choice>
     <mc:Fallback>
-      <p:transition xmlns:p14="http://schemas.microsoft.com/office/powerpoint/2010/main" spd="med">
+      <p:transition xmlns:p14="http://schemas.microsoft.com/office/powerpoint/2010/main" spd="slow" advClick="0">
         <p:fade/>
       </p:transition>
     </mc:Fallback>
@@ -7593,7 +8278,7 @@
           <a:graphicData uri="http://schemas.openxmlformats.org/presentationml/2006/ole">
             <mc:AlternateContent xmlns:mc="http://schemas.openxmlformats.org/markup-compatibility/2006">
               <mc:Choice xmlns:v="urn:schemas-microsoft-com:vml" Requires="v">
-                <p:oleObj spid="_x0000_s4120" name="Equation" r:id="rId3" imgW="1727200" imgH="393700" progId="Equation.DSMT4">
+                <p:oleObj spid="_x0000_s4130" name="Equation" r:id="rId3" imgW="1727200" imgH="393700" progId="Equation.DSMT4">
                   <p:embed/>
                 </p:oleObj>
               </mc:Choice>
@@ -7650,7 +8335,7 @@
           <a:graphicData uri="http://schemas.openxmlformats.org/presentationml/2006/ole">
             <mc:AlternateContent xmlns:mc="http://schemas.openxmlformats.org/markup-compatibility/2006">
               <mc:Choice xmlns:v="urn:schemas-microsoft-com:vml" Requires="v">
-                <p:oleObj spid="_x0000_s4121" name="Equation" r:id="rId5" imgW="1143000" imgH="228600" progId="Equation.3">
+                <p:oleObj spid="_x0000_s4131" name="Equation" r:id="rId5" imgW="1143000" imgH="228600" progId="Equation.3">
                   <p:embed/>
                 </p:oleObj>
               </mc:Choice>
@@ -7707,7 +8392,7 @@
           <a:graphicData uri="http://schemas.openxmlformats.org/presentationml/2006/ole">
             <mc:AlternateContent xmlns:mc="http://schemas.openxmlformats.org/markup-compatibility/2006">
               <mc:Choice xmlns:v="urn:schemas-microsoft-com:vml" Requires="v">
-                <p:oleObj spid="_x0000_s4122" name="Equation" r:id="rId7" imgW="698500" imgH="393700" progId="Equation.3">
+                <p:oleObj spid="_x0000_s4132" name="Equation" r:id="rId7" imgW="698500" imgH="393700" progId="Equation.3">
                   <p:embed/>
                 </p:oleObj>
               </mc:Choice>
@@ -7754,10 +8439,14 @@
   </p:clrMapOvr>
   <mc:AlternateContent xmlns:mc="http://schemas.openxmlformats.org/markup-compatibility/2006">
     <mc:Choice xmlns:p14="http://schemas.microsoft.com/office/powerpoint/2010/main" Requires="p14">
-      <p:transition spd="slow" p14:dur="2000"/>
+      <p:transition spd="slow" p14:dur="800" advClick="0">
+        <p:fade/>
+      </p:transition>
     </mc:Choice>
     <mc:Fallback>
-      <p:transition xmlns:p14="http://schemas.microsoft.com/office/powerpoint/2010/main" spd="slow"/>
+      <p:transition xmlns:p14="http://schemas.microsoft.com/office/powerpoint/2010/main" spd="slow" advClick="0">
+        <p:fade/>
+      </p:transition>
     </mc:Fallback>
   </mc:AlternateContent>
   <p:timing>
@@ -8210,13 +8899,13 @@
   </p:clrMapOvr>
   <mc:AlternateContent xmlns:mc="http://schemas.openxmlformats.org/markup-compatibility/2006">
     <mc:Choice xmlns:p14="http://schemas.microsoft.com/office/powerpoint/2010/main" Requires="p14">
-      <p:transition spd="slow" p14:dur="1200">
-        <p:fade thruBlk="1"/>
+      <p:transition spd="slow" p14:dur="800" advClick="0">
+        <p:fade/>
       </p:transition>
     </mc:Choice>
     <mc:Fallback>
-      <p:transition xmlns:p14="http://schemas.microsoft.com/office/powerpoint/2010/main" spd="slow">
-        <p:fade thruBlk="1"/>
+      <p:transition xmlns:p14="http://schemas.microsoft.com/office/powerpoint/2010/main" spd="slow" advClick="0">
+        <p:fade/>
       </p:transition>
     </mc:Fallback>
   </mc:AlternateContent>
@@ -8662,9 +9351,18 @@
   <p:clrMapOvr>
     <a:masterClrMapping/>
   </p:clrMapOvr>
-  <p:transition xmlns:p14="http://schemas.microsoft.com/office/powerpoint/2010/main" spd="slow">
-    <p:fade/>
-  </p:transition>
+  <mc:AlternateContent xmlns:mc="http://schemas.openxmlformats.org/markup-compatibility/2006">
+    <mc:Choice xmlns:p14="http://schemas.microsoft.com/office/powerpoint/2010/main" Requires="p14">
+      <p:transition spd="slow" p14:dur="800" advClick="0">
+        <p:fade/>
+      </p:transition>
+    </mc:Choice>
+    <mc:Fallback>
+      <p:transition xmlns:p14="http://schemas.microsoft.com/office/powerpoint/2010/main" spd="slow" advClick="0">
+        <p:fade/>
+      </p:transition>
+    </mc:Fallback>
+  </mc:AlternateContent>
   <p:timing>
     <p:tnLst>
       <p:par>
@@ -8951,9 +9649,18 @@
   <p:clrMapOvr>
     <a:masterClrMapping/>
   </p:clrMapOvr>
-  <p:transition xmlns:p14="http://schemas.microsoft.com/office/powerpoint/2010/main" spd="slow">
-    <p:fade/>
-  </p:transition>
+  <mc:AlternateContent xmlns:mc="http://schemas.openxmlformats.org/markup-compatibility/2006">
+    <mc:Choice xmlns:p14="http://schemas.microsoft.com/office/powerpoint/2010/main" Requires="p14">
+      <p:transition spd="slow" p14:dur="800" advClick="0">
+        <p:fade/>
+      </p:transition>
+    </mc:Choice>
+    <mc:Fallback>
+      <p:transition xmlns:p14="http://schemas.microsoft.com/office/powerpoint/2010/main" spd="slow" advClick="0">
+        <p:fade/>
+      </p:transition>
+    </mc:Fallback>
+  </mc:AlternateContent>
   <p:timing>
     <p:tnLst>
       <p:par>
@@ -9379,9 +10086,18 @@
   <p:clrMapOvr>
     <a:masterClrMapping/>
   </p:clrMapOvr>
-  <p:transition xmlns:p14="http://schemas.microsoft.com/office/powerpoint/2010/main" spd="slow">
-    <p:fade/>
-  </p:transition>
+  <mc:AlternateContent xmlns:mc="http://schemas.openxmlformats.org/markup-compatibility/2006">
+    <mc:Choice xmlns:p14="http://schemas.microsoft.com/office/powerpoint/2010/main" Requires="p14">
+      <p:transition spd="slow" p14:dur="800" advClick="0">
+        <p:fade/>
+      </p:transition>
+    </mc:Choice>
+    <mc:Fallback>
+      <p:transition xmlns:p14="http://schemas.microsoft.com/office/powerpoint/2010/main" spd="slow" advClick="0">
+        <p:fade/>
+      </p:transition>
+    </mc:Fallback>
+  </mc:AlternateContent>
   <p:timing>
     <p:tnLst>
       <p:par>
@@ -9774,9 +10490,18 @@
   <p:clrMapOvr>
     <a:masterClrMapping/>
   </p:clrMapOvr>
-  <p:transition xmlns:p14="http://schemas.microsoft.com/office/powerpoint/2010/main" spd="slow">
-    <p:fade/>
-  </p:transition>
+  <mc:AlternateContent xmlns:mc="http://schemas.openxmlformats.org/markup-compatibility/2006">
+    <mc:Choice xmlns:p14="http://schemas.microsoft.com/office/powerpoint/2010/main" Requires="p14">
+      <p:transition spd="slow" p14:dur="800" advClick="0">
+        <p:fade/>
+      </p:transition>
+    </mc:Choice>
+    <mc:Fallback>
+      <p:transition xmlns:p14="http://schemas.microsoft.com/office/powerpoint/2010/main" spd="slow" advClick="0">
+        <p:fade/>
+      </p:transition>
+    </mc:Fallback>
+  </mc:AlternateContent>
   <p:timing>
     <p:tnLst>
       <p:par>
@@ -10136,7 +10861,7 @@
   <p:clrMapOvr>
     <a:masterClrMapping/>
   </p:clrMapOvr>
-  <p:transition xmlns:p14="http://schemas.microsoft.com/office/powerpoint/2010/main" spd="slow" advTm="70222">
+  <p:transition xmlns:p14="http://schemas.microsoft.com/office/powerpoint/2010/main" spd="slow" advClick="0">
     <p:fade thruBlk="1"/>
   </p:transition>
   <p:timing>
@@ -10748,9 +11473,18 @@
   <p:clrMapOvr>
     <a:masterClrMapping/>
   </p:clrMapOvr>
-  <p:transition xmlns:p14="http://schemas.microsoft.com/office/powerpoint/2010/main" spd="slow">
-    <p:fade/>
-  </p:transition>
+  <mc:AlternateContent xmlns:mc="http://schemas.openxmlformats.org/markup-compatibility/2006">
+    <mc:Choice xmlns:p14="http://schemas.microsoft.com/office/powerpoint/2010/main" Requires="p14">
+      <p:transition spd="slow" p14:dur="800" advClick="0">
+        <p:fade/>
+      </p:transition>
+    </mc:Choice>
+    <mc:Fallback>
+      <p:transition xmlns:p14="http://schemas.microsoft.com/office/powerpoint/2010/main" spd="slow" advClick="0">
+        <p:fade/>
+      </p:transition>
+    </mc:Fallback>
+  </mc:AlternateContent>
   <p:timing>
     <p:tnLst>
       <p:par>
@@ -11266,9 +12000,18 @@
   <p:clrMapOvr>
     <a:masterClrMapping/>
   </p:clrMapOvr>
-  <p:transition xmlns:p14="http://schemas.microsoft.com/office/powerpoint/2010/main" spd="slow">
-    <p:fade/>
-  </p:transition>
+  <mc:AlternateContent xmlns:mc="http://schemas.openxmlformats.org/markup-compatibility/2006">
+    <mc:Choice xmlns:p14="http://schemas.microsoft.com/office/powerpoint/2010/main" Requires="p14">
+      <p:transition spd="slow" p14:dur="800" advClick="0">
+        <p:fade/>
+      </p:transition>
+    </mc:Choice>
+    <mc:Fallback>
+      <p:transition xmlns:p14="http://schemas.microsoft.com/office/powerpoint/2010/main" spd="slow" advClick="0">
+        <p:fade/>
+      </p:transition>
+    </mc:Fallback>
+  </mc:AlternateContent>
   <p:timing>
     <p:tnLst>
       <p:par>
@@ -11742,9 +12485,18 @@
   <p:clrMapOvr>
     <a:masterClrMapping/>
   </p:clrMapOvr>
-  <p:transition xmlns:p14="http://schemas.microsoft.com/office/powerpoint/2010/main" advTm="115765">
-    <p:fade/>
-  </p:transition>
+  <mc:AlternateContent xmlns:mc="http://schemas.openxmlformats.org/markup-compatibility/2006">
+    <mc:Choice xmlns:p14="http://schemas.microsoft.com/office/powerpoint/2010/main" Requires="p14">
+      <p:transition spd="slow" p14:dur="800" advClick="0">
+        <p:fade/>
+      </p:transition>
+    </mc:Choice>
+    <mc:Fallback>
+      <p:transition xmlns:p14="http://schemas.microsoft.com/office/powerpoint/2010/main" spd="slow" advClick="0">
+        <p:fade/>
+      </p:transition>
+    </mc:Fallback>
+  </mc:AlternateContent>
   <p:timing>
     <p:tnLst>
       <p:par>
@@ -12408,9 +13160,18 @@
   <p:clrMapOvr>
     <a:masterClrMapping/>
   </p:clrMapOvr>
-  <p:transition xmlns:p14="http://schemas.microsoft.com/office/powerpoint/2010/main" advTm="109054">
-    <p:fade/>
-  </p:transition>
+  <mc:AlternateContent xmlns:mc="http://schemas.openxmlformats.org/markup-compatibility/2006">
+    <mc:Choice xmlns:p14="http://schemas.microsoft.com/office/powerpoint/2010/main" Requires="p14">
+      <p:transition spd="slow" p14:dur="800" advClick="0">
+        <p:fade/>
+      </p:transition>
+    </mc:Choice>
+    <mc:Fallback>
+      <p:transition xmlns:p14="http://schemas.microsoft.com/office/powerpoint/2010/main" spd="slow" advClick="0">
+        <p:fade/>
+      </p:transition>
+    </mc:Fallback>
+  </mc:AlternateContent>
   <p:timing>
     <p:tnLst>
       <p:par>
@@ -12477,21 +13238,30 @@
                             </p:childTnLst>
                           </p:cTn>
                         </p:par>
+                      </p:childTnLst>
+                    </p:cTn>
+                  </p:par>
+                  <p:par>
+                    <p:cTn id="8" fill="hold">
+                      <p:stCondLst>
+                        <p:cond delay="indefinite"/>
+                      </p:stCondLst>
+                      <p:childTnLst>
                         <p:par>
-                          <p:cTn id="8" fill="hold">
+                          <p:cTn id="9" fill="hold">
                             <p:stCondLst>
-                              <p:cond delay="500"/>
+                              <p:cond delay="0"/>
                             </p:stCondLst>
                             <p:childTnLst>
                               <p:par>
-                                <p:cTn id="9" presetID="9" presetClass="entr" presetSubtype="0" fill="hold" grpId="0" nodeType="afterEffect">
+                                <p:cTn id="10" presetID="9" presetClass="entr" presetSubtype="0" fill="hold" grpId="0" nodeType="clickEffect">
                                   <p:stCondLst>
                                     <p:cond delay="0"/>
                                   </p:stCondLst>
                                   <p:childTnLst>
                                     <p:set>
                                       <p:cBhvr>
-                                        <p:cTn id="10" dur="1" fill="hold">
+                                        <p:cTn id="11" dur="1" fill="hold">
                                           <p:stCondLst>
                                             <p:cond delay="0"/>
                                           </p:stCondLst>
@@ -12509,7 +13279,7 @@
                                     </p:set>
                                     <p:animEffect transition="in" filter="dissolve">
                                       <p:cBhvr>
-                                        <p:cTn id="11" dur="1000"/>
+                                        <p:cTn id="12" dur="1000"/>
                                         <p:tgtEl>
                                           <p:spTgt spid="7"/>
                                         </p:tgtEl>
@@ -12521,21 +13291,30 @@
                             </p:childTnLst>
                           </p:cTn>
                         </p:par>
+                      </p:childTnLst>
+                    </p:cTn>
+                  </p:par>
+                  <p:par>
+                    <p:cTn id="13" fill="hold">
+                      <p:stCondLst>
+                        <p:cond delay="indefinite"/>
+                      </p:stCondLst>
+                      <p:childTnLst>
                         <p:par>
-                          <p:cTn id="12" fill="hold">
+                          <p:cTn id="14" fill="hold">
                             <p:stCondLst>
-                              <p:cond delay="1500"/>
+                              <p:cond delay="0"/>
                             </p:stCondLst>
                             <p:childTnLst>
                               <p:par>
-                                <p:cTn id="13" presetID="9" presetClass="entr" presetSubtype="0" fill="hold" grpId="0" nodeType="afterEffect">
+                                <p:cTn id="15" presetID="9" presetClass="entr" presetSubtype="0" fill="hold" grpId="0" nodeType="clickEffect">
                                   <p:stCondLst>
                                     <p:cond delay="0"/>
                                   </p:stCondLst>
                                   <p:childTnLst>
                                     <p:set>
                                       <p:cBhvr>
-                                        <p:cTn id="14" dur="1" fill="hold">
+                                        <p:cTn id="16" dur="1" fill="hold">
                                           <p:stCondLst>
                                             <p:cond delay="0"/>
                                           </p:stCondLst>
@@ -12557,7 +13336,7 @@
                                     </p:set>
                                     <p:animEffect transition="in" filter="dissolve">
                                       <p:cBhvr>
-                                        <p:cTn id="15" dur="500"/>
+                                        <p:cTn id="17" dur="500"/>
                                         <p:tgtEl>
                                           <p:spTgt spid="8">
                                             <p:txEl>
@@ -14464,12 +15243,12 @@
           <a:graphicData uri="http://schemas.openxmlformats.org/presentationml/2006/ole">
             <mc:AlternateContent xmlns:mc="http://schemas.openxmlformats.org/markup-compatibility/2006">
               <mc:Choice xmlns:v="urn:schemas-microsoft-com:vml" Requires="v">
-                <p:oleObj spid="_x0000_s1052" name="Equation" r:id="rId4" imgW="1727200" imgH="393700" progId="Equation.DSMT4">
+                <p:oleObj spid="_x0000_s1059" name="Equation" r:id="rId5" imgW="1727200" imgH="393700" progId="Equation.DSMT4">
                   <p:embed/>
                 </p:oleObj>
               </mc:Choice>
               <mc:Fallback>
-                <p:oleObj name="Equation" r:id="rId4" imgW="1727200" imgH="393700" progId="Equation.DSMT4">
+                <p:oleObj name="Equation" r:id="rId5" imgW="1727200" imgH="393700" progId="Equation.DSMT4">
                   <p:embed/>
                   <p:pic>
                     <p:nvPicPr>
@@ -14478,7 +15257,7 @@
                       <p:nvPr/>
                     </p:nvPicPr>
                     <p:blipFill>
-                      <a:blip r:embed="rId5"/>
+                      <a:blip r:embed="rId6"/>
                       <a:stretch>
                         <a:fillRect/>
                       </a:stretch>
@@ -14521,12 +15300,12 @@
           <a:graphicData uri="http://schemas.openxmlformats.org/presentationml/2006/ole">
             <mc:AlternateContent xmlns:mc="http://schemas.openxmlformats.org/markup-compatibility/2006">
               <mc:Choice xmlns:v="urn:schemas-microsoft-com:vml" Requires="v">
-                <p:oleObj spid="_x0000_s1053" name="Equation" r:id="rId6" imgW="3035300" imgH="838200" progId="Equation.DSMT4">
+                <p:oleObj spid="_x0000_s1060" name="Equation" r:id="rId7" imgW="3035300" imgH="838200" progId="Equation.DSMT4">
                   <p:embed/>
                 </p:oleObj>
               </mc:Choice>
               <mc:Fallback>
-                <p:oleObj name="Equation" r:id="rId6" imgW="3035300" imgH="838200" progId="Equation.DSMT4">
+                <p:oleObj name="Equation" r:id="rId7" imgW="3035300" imgH="838200" progId="Equation.DSMT4">
                   <p:embed/>
                   <p:pic>
                     <p:nvPicPr>
@@ -14535,7 +15314,7 @@
                       <p:nvPr/>
                     </p:nvPicPr>
                     <p:blipFill>
-                      <a:blip r:embed="rId7"/>
+                      <a:blip r:embed="rId8"/>
                       <a:stretch>
                         <a:fillRect/>
                       </a:stretch>
@@ -14639,7 +15418,7 @@
   <p:clrMapOvr>
     <a:masterClrMapping/>
   </p:clrMapOvr>
-  <p:transition xmlns:p14="http://schemas.microsoft.com/office/powerpoint/2010/main" spd="slow">
+  <p:transition xmlns:p14="http://schemas.microsoft.com/office/powerpoint/2010/main" spd="slow" advClick="0">
     <p:fade thruBlk="1"/>
   </p:transition>
   <p:timing>
@@ -17216,12 +17995,12 @@
           <a:graphicData uri="http://schemas.openxmlformats.org/presentationml/2006/ole">
             <mc:AlternateContent xmlns:mc="http://schemas.openxmlformats.org/markup-compatibility/2006">
               <mc:Choice xmlns:v="urn:schemas-microsoft-com:vml" Requires="v">
-                <p:oleObj spid="_x0000_s5131" name="Equation" r:id="rId4" imgW="1562100" imgH="393700" progId="Equation.DSMT4">
+                <p:oleObj spid="_x0000_s5135" name="Equation" r:id="rId5" imgW="1562100" imgH="393700" progId="Equation.DSMT4">
                   <p:embed/>
                 </p:oleObj>
               </mc:Choice>
               <mc:Fallback>
-                <p:oleObj name="Equation" r:id="rId4" imgW="1562100" imgH="393700" progId="Equation.DSMT4">
+                <p:oleObj name="Equation" r:id="rId5" imgW="1562100" imgH="393700" progId="Equation.DSMT4">
                   <p:embed/>
                   <p:pic>
                     <p:nvPicPr>
@@ -17230,7 +18009,7 @@
                       <p:nvPr/>
                     </p:nvPicPr>
                     <p:blipFill>
-                      <a:blip r:embed="rId5"/>
+                      <a:blip r:embed="rId6"/>
                       <a:stretch>
                         <a:fillRect/>
                       </a:stretch>
@@ -17292,14 +18071,14 @@
   <p:clrMapOvr>
     <a:masterClrMapping/>
   </p:clrMapOvr>
-  <mc:AlternateContent xmlns:mc="http://schemas.openxmlformats.org/markup-compatibility/2006" xmlns:p14="http://schemas.microsoft.com/office/powerpoint/2010/main">
-    <mc:Choice Requires="p14">
-      <p:transition spd="slow" p14:dur="900">
+  <mc:AlternateContent xmlns:mc="http://schemas.openxmlformats.org/markup-compatibility/2006">
+    <mc:Choice xmlns:p14="http://schemas.microsoft.com/office/powerpoint/2010/main" Requires="p14">
+      <p:transition spd="slow" p14:dur="800" advClick="0">
         <p:fade/>
       </p:transition>
     </mc:Choice>
-    <mc:Fallback xmlns="">
-      <p:transition xmlns:p14="http://schemas.microsoft.com/office/powerpoint/2010/main" spd="slow">
+    <mc:Fallback>
+      <p:transition xmlns:p14="http://schemas.microsoft.com/office/powerpoint/2010/main" spd="slow" advClick="0">
         <p:fade/>
       </p:transition>
     </mc:Fallback>
@@ -19882,12 +20661,12 @@
           <a:graphicData uri="http://schemas.openxmlformats.org/presentationml/2006/ole">
             <mc:AlternateContent xmlns:mc="http://schemas.openxmlformats.org/markup-compatibility/2006">
               <mc:Choice xmlns:v="urn:schemas-microsoft-com:vml" Requires="v">
-                <p:oleObj spid="_x0000_s2060" name="Equation" r:id="rId4" imgW="1562100" imgH="393700" progId="Equation.DSMT4">
+                <p:oleObj spid="_x0000_s2064" name="Equation" r:id="rId5" imgW="1562100" imgH="393700" progId="Equation.DSMT4">
                   <p:embed/>
                 </p:oleObj>
               </mc:Choice>
               <mc:Fallback>
-                <p:oleObj name="Equation" r:id="rId4" imgW="1562100" imgH="393700" progId="Equation.DSMT4">
+                <p:oleObj name="Equation" r:id="rId5" imgW="1562100" imgH="393700" progId="Equation.DSMT4">
                   <p:embed/>
                   <p:pic>
                     <p:nvPicPr>
@@ -19896,7 +20675,7 @@
                       <p:nvPr/>
                     </p:nvPicPr>
                     <p:blipFill>
-                      <a:blip r:embed="rId5"/>
+                      <a:blip r:embed="rId6"/>
                       <a:stretch>
                         <a:fillRect/>
                       </a:stretch>
@@ -19930,14 +20709,14 @@
   <p:clrMapOvr>
     <a:masterClrMapping/>
   </p:clrMapOvr>
-  <mc:AlternateContent xmlns:mc="http://schemas.openxmlformats.org/markup-compatibility/2006" xmlns:p14="http://schemas.microsoft.com/office/powerpoint/2010/main">
-    <mc:Choice Requires="p14">
-      <p:transition spd="slow" p14:dur="900">
+  <mc:AlternateContent xmlns:mc="http://schemas.openxmlformats.org/markup-compatibility/2006">
+    <mc:Choice xmlns:p14="http://schemas.microsoft.com/office/powerpoint/2010/main" Requires="p14">
+      <p:transition spd="slow" p14:dur="800" advClick="0">
         <p:fade/>
       </p:transition>
     </mc:Choice>
-    <mc:Fallback xmlns="">
-      <p:transition xmlns:p14="http://schemas.microsoft.com/office/powerpoint/2010/main" spd="slow">
+    <mc:Fallback>
+      <p:transition xmlns:p14="http://schemas.microsoft.com/office/powerpoint/2010/main" spd="slow" advClick="0">
         <p:fade/>
       </p:transition>
     </mc:Fallback>
@@ -20371,15 +21150,15 @@
   <p:clrMapOvr>
     <a:masterClrMapping/>
   </p:clrMapOvr>
-  <mc:AlternateContent xmlns:mc="http://schemas.openxmlformats.org/markup-compatibility/2006" xmlns:p14="http://schemas.microsoft.com/office/powerpoint/2010/main">
-    <mc:Choice Requires="p14">
-      <p:transition spd="med" p14:dur="700">
-        <p:fade thruBlk="1"/>
+  <mc:AlternateContent xmlns:mc="http://schemas.openxmlformats.org/markup-compatibility/2006">
+    <mc:Choice xmlns:p14="http://schemas.microsoft.com/office/powerpoint/2010/main" Requires="p14">
+      <p:transition spd="slow" p14:dur="800" advClick="0">
+        <p:fade/>
       </p:transition>
     </mc:Choice>
-    <mc:Fallback xmlns="">
-      <p:transition xmlns:p14="http://schemas.microsoft.com/office/powerpoint/2010/main" spd="med">
-        <p:fade thruBlk="1"/>
+    <mc:Fallback>
+      <p:transition xmlns:p14="http://schemas.microsoft.com/office/powerpoint/2010/main" spd="slow" advClick="0">
+        <p:fade/>
       </p:transition>
     </mc:Fallback>
   </mc:AlternateContent>
@@ -20905,23 +21684,7 @@
                   <a:srgbClr val="000000"/>
                 </a:solidFill>
               </a:rPr>
-              <a:t>that </a:t>
-            </a:r>
-            <a:r>
-              <a:rPr lang="en-US" sz="4400" dirty="0" smtClean="0">
-                <a:solidFill>
-                  <a:srgbClr val="000000"/>
-                </a:solidFill>
-              </a:rPr>
-              <a:t>tested </a:t>
-            </a:r>
-            <a:r>
-              <a:rPr lang="en-US" sz="4400" dirty="0" smtClean="0">
-                <a:solidFill>
-                  <a:srgbClr val="000000"/>
-                </a:solidFill>
-              </a:rPr>
-              <a:t>whether</a:t>
+              <a:t>that tested whether</a:t>
             </a:r>
           </a:p>
           <a:p>
@@ -20957,11 +21720,6 @@
               </a:rPr>
               <a:t>) halted and returned a </a:t>
             </a:r>
-            <a:endParaRPr lang="en-US" sz="4400" dirty="0" smtClean="0">
-              <a:solidFill>
-                <a:srgbClr val="000000"/>
-              </a:solidFill>
-            </a:endParaRPr>
           </a:p>
           <a:p>
             <a:r>
@@ -20970,15 +21728,7 @@
                   <a:srgbClr val="000000"/>
                 </a:solidFill>
               </a:rPr>
-              <a:t>value </a:t>
-            </a:r>
-            <a:r>
-              <a:rPr lang="en-US" sz="4400" dirty="0" smtClean="0">
-                <a:solidFill>
-                  <a:srgbClr val="000000"/>
-                </a:solidFill>
-              </a:rPr>
-              <a:t>when applied to </a:t>
+              <a:t>value when applied to </a:t>
             </a:r>
             <a:r>
               <a:rPr lang="en-US" sz="4400" dirty="0" smtClean="0">
@@ -21042,14 +21792,14 @@
   <p:clrMapOvr>
     <a:masterClrMapping/>
   </p:clrMapOvr>
-  <mc:AlternateContent xmlns:mc="http://schemas.openxmlformats.org/markup-compatibility/2006" xmlns:p14="http://schemas.microsoft.com/office/powerpoint/2010/main">
-    <mc:Choice Requires="p14">
-      <p:transition spd="slow" p14:dur="900">
+  <mc:AlternateContent xmlns:mc="http://schemas.openxmlformats.org/markup-compatibility/2006">
+    <mc:Choice xmlns:p14="http://schemas.microsoft.com/office/powerpoint/2010/main" Requires="p14">
+      <p:transition spd="slow" p14:dur="800" advClick="0">
         <p:fade/>
       </p:transition>
     </mc:Choice>
-    <mc:Fallback xmlns="">
-      <p:transition xmlns:p14="http://schemas.microsoft.com/office/powerpoint/2010/main" spd="slow">
+    <mc:Fallback>
+      <p:transition xmlns:p14="http://schemas.microsoft.com/office/powerpoint/2010/main" spd="slow" advClick="0">
         <p:fade/>
       </p:transition>
     </mc:Fallback>
